--- a/docs/MJBUnification20210720.pptx
+++ b/docs/MJBUnification20210720.pptx
@@ -13,6 +13,9 @@
     <p:sldId id="261" r:id="rId7"/>
     <p:sldId id="262" r:id="rId8"/>
     <p:sldId id="263" r:id="rId9"/>
+    <p:sldId id="264" r:id="rId10"/>
+    <p:sldId id="266" r:id="rId11"/>
+    <p:sldId id="265" r:id="rId12"/>
   </p:sldIdLst>
   <p:sldSz cx="9144000" cy="6858000" type="screen4x3"/>
   <p:notesSz cx="6858000" cy="9144000"/>
@@ -314,7 +317,7 @@
           <a:p>
             <a:fld id="{66DB5DB1-C2D9-4EE3-9A9C-38A3A17F68D3}" type="datetimeFigureOut">
               <a:rPr lang="en-US" smtClean="0"/>
-              <a:t>7/24/2021</a:t>
+              <a:t>8/1/2021</a:t>
             </a:fld>
             <a:endParaRPr lang="en-US"/>
           </a:p>
@@ -487,7 +490,7 @@
           <a:p>
             <a:fld id="{66DB5DB1-C2D9-4EE3-9A9C-38A3A17F68D3}" type="datetimeFigureOut">
               <a:rPr lang="en-US" smtClean="0"/>
-              <a:t>7/24/2021</a:t>
+              <a:t>8/1/2021</a:t>
             </a:fld>
             <a:endParaRPr lang="en-US"/>
           </a:p>
@@ -712,7 +715,7 @@
           <a:p>
             <a:fld id="{66DB5DB1-C2D9-4EE3-9A9C-38A3A17F68D3}" type="datetimeFigureOut">
               <a:rPr lang="en-US" smtClean="0"/>
-              <a:t>7/24/2021</a:t>
+              <a:t>8/1/2021</a:t>
             </a:fld>
             <a:endParaRPr lang="en-US"/>
           </a:p>
@@ -861,7 +864,7 @@
           <a:p>
             <a:fld id="{66DB5DB1-C2D9-4EE3-9A9C-38A3A17F68D3}" type="datetimeFigureOut">
               <a:rPr lang="en-US" smtClean="0"/>
-              <a:t>7/24/2021</a:t>
+              <a:t>8/1/2021</a:t>
             </a:fld>
             <a:endParaRPr lang="en-US"/>
           </a:p>
@@ -1332,7 +1335,7 @@
           <a:p>
             <a:fld id="{66DB5DB1-C2D9-4EE3-9A9C-38A3A17F68D3}" type="datetimeFigureOut">
               <a:rPr lang="en-US" smtClean="0"/>
-              <a:t>7/24/2021</a:t>
+              <a:t>8/1/2021</a:t>
             </a:fld>
             <a:endParaRPr lang="en-US"/>
           </a:p>
@@ -1496,7 +1499,7 @@
           <a:p>
             <a:fld id="{66DB5DB1-C2D9-4EE3-9A9C-38A3A17F68D3}" type="datetimeFigureOut">
               <a:rPr lang="en-US" smtClean="0"/>
-              <a:t>7/24/2021</a:t>
+              <a:t>8/1/2021</a:t>
             </a:fld>
             <a:endParaRPr lang="en-US"/>
           </a:p>
@@ -1968,7 +1971,7 @@
           <a:p>
             <a:fld id="{66DB5DB1-C2D9-4EE3-9A9C-38A3A17F68D3}" type="datetimeFigureOut">
               <a:rPr lang="en-US" smtClean="0"/>
-              <a:t>7/24/2021</a:t>
+              <a:t>8/1/2021</a:t>
             </a:fld>
             <a:endParaRPr lang="en-US"/>
           </a:p>
@@ -2089,7 +2092,7 @@
           <a:p>
             <a:fld id="{66DB5DB1-C2D9-4EE3-9A9C-38A3A17F68D3}" type="datetimeFigureOut">
               <a:rPr lang="en-US" smtClean="0"/>
-              <a:t>7/24/2021</a:t>
+              <a:t>8/1/2021</a:t>
             </a:fld>
             <a:endParaRPr lang="en-US"/>
           </a:p>
@@ -2187,7 +2190,7 @@
           <a:p>
             <a:fld id="{66DB5DB1-C2D9-4EE3-9A9C-38A3A17F68D3}" type="datetimeFigureOut">
               <a:rPr lang="en-US" smtClean="0"/>
-              <a:t>7/24/2021</a:t>
+              <a:t>8/1/2021</a:t>
             </a:fld>
             <a:endParaRPr lang="en-US"/>
           </a:p>
@@ -2483,7 +2486,7 @@
           <a:p>
             <a:fld id="{66DB5DB1-C2D9-4EE3-9A9C-38A3A17F68D3}" type="datetimeFigureOut">
               <a:rPr lang="en-US" smtClean="0"/>
-              <a:t>7/24/2021</a:t>
+              <a:t>8/1/2021</a:t>
             </a:fld>
             <a:endParaRPr lang="en-US"/>
           </a:p>
@@ -2718,7 +2721,7 @@
           <a:p>
             <a:fld id="{66DB5DB1-C2D9-4EE3-9A9C-38A3A17F68D3}" type="datetimeFigureOut">
               <a:rPr lang="en-US" smtClean="0"/>
-              <a:t>7/24/2021</a:t>
+              <a:t>8/1/2021</a:t>
             </a:fld>
             <a:endParaRPr lang="en-US"/>
           </a:p>
@@ -3190,7 +3193,7 @@
           <a:p>
             <a:fld id="{66DB5DB1-C2D9-4EE3-9A9C-38A3A17F68D3}" type="datetimeFigureOut">
               <a:rPr lang="en-US" smtClean="0"/>
-              <a:t>7/24/2021</a:t>
+              <a:t>8/1/2021</a:t>
             </a:fld>
             <a:endParaRPr lang="en-US"/>
           </a:p>
@@ -3585,6 +3588,2613 @@
 </p:sld>
 </file>
 
+<file path=ppt/slides/slide10.xml><?xml version="1.0" encoding="utf-8"?>
+<p:sld xmlns:a="http://schemas.openxmlformats.org/drawingml/2006/main" xmlns:r="http://schemas.openxmlformats.org/officeDocument/2006/relationships" xmlns:p="http://schemas.openxmlformats.org/presentationml/2006/main">
+  <p:cSld>
+    <p:spTree>
+      <p:nvGrpSpPr>
+        <p:cNvPr id="1" name=""/>
+        <p:cNvGrpSpPr/>
+        <p:nvPr/>
+      </p:nvGrpSpPr>
+      <p:grpSpPr>
+        <a:xfrm>
+          <a:off x="0" y="0"/>
+          <a:ext cx="0" cy="0"/>
+          <a:chOff x="0" y="0"/>
+          <a:chExt cx="0" cy="0"/>
+        </a:xfrm>
+      </p:grpSpPr>
+      <p:sp>
+        <p:nvSpPr>
+          <p:cNvPr id="4" name="Title 3"/>
+          <p:cNvSpPr>
+            <a:spLocks noGrp="1"/>
+          </p:cNvSpPr>
+          <p:nvPr>
+            <p:ph type="title"/>
+          </p:nvPr>
+        </p:nvSpPr>
+        <p:spPr/>
+        <p:txBody>
+          <a:bodyPr/>
+          <a:lstStyle/>
+          <a:p>
+            <a:r>
+              <a:rPr lang="en-US" dirty="0" smtClean="0"/>
+              <a:t>P2654 Node Structure</a:t>
+            </a:r>
+            <a:endParaRPr lang="en-US" dirty="0"/>
+          </a:p>
+        </p:txBody>
+      </p:sp>
+      <p:sp>
+        <p:nvSpPr>
+          <p:cNvPr id="5" name="Rectangle 4"/>
+          <p:cNvSpPr/>
+          <p:nvPr/>
+        </p:nvSpPr>
+        <p:spPr>
+          <a:xfrm>
+            <a:off x="2133600" y="2590800"/>
+            <a:ext cx="1219200" cy="914400"/>
+          </a:xfrm>
+          <a:prstGeom prst="rect">
+            <a:avLst/>
+          </a:prstGeom>
+        </p:spPr>
+        <p:style>
+          <a:lnRef idx="2">
+            <a:schemeClr val="accent1">
+              <a:shade val="50000"/>
+            </a:schemeClr>
+          </a:lnRef>
+          <a:fillRef idx="1">
+            <a:schemeClr val="accent1"/>
+          </a:fillRef>
+          <a:effectRef idx="0">
+            <a:schemeClr val="accent1"/>
+          </a:effectRef>
+          <a:fontRef idx="minor">
+            <a:schemeClr val="lt1"/>
+          </a:fontRef>
+        </p:style>
+        <p:txBody>
+          <a:bodyPr rtlCol="0" anchor="ctr"/>
+          <a:lstStyle/>
+          <a:p>
+            <a:pPr algn="ctr"/>
+            <a:r>
+              <a:rPr lang="en-US" dirty="0" smtClean="0"/>
+              <a:t>Insertion from Top</a:t>
+            </a:r>
+            <a:endParaRPr lang="en-US" dirty="0"/>
+          </a:p>
+        </p:txBody>
+      </p:sp>
+      <p:sp>
+        <p:nvSpPr>
+          <p:cNvPr id="6" name="Rectangle 5"/>
+          <p:cNvSpPr/>
+          <p:nvPr/>
+        </p:nvSpPr>
+        <p:spPr>
+          <a:xfrm>
+            <a:off x="2133600" y="3505200"/>
+            <a:ext cx="1219200" cy="914400"/>
+          </a:xfrm>
+          <a:prstGeom prst="rect">
+            <a:avLst/>
+          </a:prstGeom>
+          <a:solidFill>
+            <a:schemeClr val="accent3"/>
+          </a:solidFill>
+        </p:spPr>
+        <p:style>
+          <a:lnRef idx="2">
+            <a:schemeClr val="accent1">
+              <a:shade val="50000"/>
+            </a:schemeClr>
+          </a:lnRef>
+          <a:fillRef idx="1">
+            <a:schemeClr val="accent1"/>
+          </a:fillRef>
+          <a:effectRef idx="0">
+            <a:schemeClr val="accent1"/>
+          </a:effectRef>
+          <a:fontRef idx="minor">
+            <a:schemeClr val="lt1"/>
+          </a:fontRef>
+        </p:style>
+        <p:txBody>
+          <a:bodyPr rtlCol="0" anchor="ctr"/>
+          <a:lstStyle/>
+          <a:p>
+            <a:pPr algn="ctr"/>
+            <a:r>
+              <a:rPr lang="en-US" dirty="0" smtClean="0">
+                <a:solidFill>
+                  <a:schemeClr val="tx1"/>
+                </a:solidFill>
+              </a:rPr>
+              <a:t>Insertion from Bottom</a:t>
+            </a:r>
+            <a:endParaRPr lang="en-US" dirty="0">
+              <a:solidFill>
+                <a:schemeClr val="tx1"/>
+              </a:solidFill>
+            </a:endParaRPr>
+          </a:p>
+        </p:txBody>
+      </p:sp>
+      <p:sp>
+        <p:nvSpPr>
+          <p:cNvPr id="7" name="TextBox 6"/>
+          <p:cNvSpPr txBox="1"/>
+          <p:nvPr/>
+        </p:nvSpPr>
+        <p:spPr>
+          <a:xfrm>
+            <a:off x="2133600" y="2252246"/>
+            <a:ext cx="1447800" cy="338554"/>
+          </a:xfrm>
+          <a:prstGeom prst="rect">
+            <a:avLst/>
+          </a:prstGeom>
+          <a:noFill/>
+        </p:spPr>
+        <p:txBody>
+          <a:bodyPr wrap="square" rtlCol="0">
+            <a:spAutoFit/>
+          </a:bodyPr>
+          <a:lstStyle/>
+          <a:p>
+            <a:r>
+              <a:rPr lang="en-US" sz="1600" dirty="0" smtClean="0"/>
+              <a:t>P2654 Node</a:t>
+            </a:r>
+            <a:endParaRPr lang="en-US" sz="1600" dirty="0"/>
+          </a:p>
+        </p:txBody>
+      </p:sp>
+      <p:sp>
+        <p:nvSpPr>
+          <p:cNvPr id="8" name="Rectangle 7"/>
+          <p:cNvSpPr/>
+          <p:nvPr/>
+        </p:nvSpPr>
+        <p:spPr>
+          <a:xfrm>
+            <a:off x="5638800" y="2624554"/>
+            <a:ext cx="1219200" cy="914400"/>
+          </a:xfrm>
+          <a:prstGeom prst="rect">
+            <a:avLst/>
+          </a:prstGeom>
+        </p:spPr>
+        <p:style>
+          <a:lnRef idx="2">
+            <a:schemeClr val="accent1">
+              <a:shade val="50000"/>
+            </a:schemeClr>
+          </a:lnRef>
+          <a:fillRef idx="1">
+            <a:schemeClr val="accent1"/>
+          </a:fillRef>
+          <a:effectRef idx="0">
+            <a:schemeClr val="accent1"/>
+          </a:effectRef>
+          <a:fontRef idx="minor">
+            <a:schemeClr val="lt1"/>
+          </a:fontRef>
+        </p:style>
+        <p:txBody>
+          <a:bodyPr rtlCol="0" anchor="ctr"/>
+          <a:lstStyle/>
+          <a:p>
+            <a:pPr algn="ctr"/>
+            <a:r>
+              <a:rPr lang="en-US" dirty="0" smtClean="0"/>
+              <a:t>Insertion from Top</a:t>
+            </a:r>
+            <a:endParaRPr lang="en-US" dirty="0"/>
+          </a:p>
+        </p:txBody>
+      </p:sp>
+      <p:sp>
+        <p:nvSpPr>
+          <p:cNvPr id="9" name="Rectangle 8"/>
+          <p:cNvSpPr/>
+          <p:nvPr/>
+        </p:nvSpPr>
+        <p:spPr>
+          <a:xfrm>
+            <a:off x="5638800" y="3538954"/>
+            <a:ext cx="1219200" cy="914400"/>
+          </a:xfrm>
+          <a:prstGeom prst="rect">
+            <a:avLst/>
+          </a:prstGeom>
+          <a:solidFill>
+            <a:schemeClr val="accent3"/>
+          </a:solidFill>
+        </p:spPr>
+        <p:style>
+          <a:lnRef idx="2">
+            <a:schemeClr val="accent1">
+              <a:shade val="50000"/>
+            </a:schemeClr>
+          </a:lnRef>
+          <a:fillRef idx="1">
+            <a:schemeClr val="accent1"/>
+          </a:fillRef>
+          <a:effectRef idx="0">
+            <a:schemeClr val="accent1"/>
+          </a:effectRef>
+          <a:fontRef idx="minor">
+            <a:schemeClr val="lt1"/>
+          </a:fontRef>
+        </p:style>
+        <p:txBody>
+          <a:bodyPr rtlCol="0" anchor="ctr"/>
+          <a:lstStyle/>
+          <a:p>
+            <a:pPr algn="ctr"/>
+            <a:r>
+              <a:rPr lang="en-US" dirty="0" smtClean="0">
+                <a:solidFill>
+                  <a:schemeClr val="tx1"/>
+                </a:solidFill>
+              </a:rPr>
+              <a:t>Insertion from Bottom</a:t>
+            </a:r>
+            <a:endParaRPr lang="en-US" dirty="0">
+              <a:solidFill>
+                <a:schemeClr val="tx1"/>
+              </a:solidFill>
+            </a:endParaRPr>
+          </a:p>
+        </p:txBody>
+      </p:sp>
+      <p:sp>
+        <p:nvSpPr>
+          <p:cNvPr id="10" name="TextBox 9"/>
+          <p:cNvSpPr txBox="1"/>
+          <p:nvPr/>
+        </p:nvSpPr>
+        <p:spPr>
+          <a:xfrm>
+            <a:off x="5638800" y="2286000"/>
+            <a:ext cx="1447800" cy="338554"/>
+          </a:xfrm>
+          <a:prstGeom prst="rect">
+            <a:avLst/>
+          </a:prstGeom>
+          <a:noFill/>
+        </p:spPr>
+        <p:txBody>
+          <a:bodyPr wrap="square" rtlCol="0">
+            <a:spAutoFit/>
+          </a:bodyPr>
+          <a:lstStyle/>
+          <a:p>
+            <a:r>
+              <a:rPr lang="en-US" sz="1600" dirty="0" smtClean="0"/>
+              <a:t>P2654 Node</a:t>
+            </a:r>
+            <a:endParaRPr lang="en-US" sz="1600" dirty="0"/>
+          </a:p>
+        </p:txBody>
+      </p:sp>
+      <p:cxnSp>
+        <p:nvCxnSpPr>
+          <p:cNvPr id="12" name="Straight Arrow Connector 11"/>
+          <p:cNvCxnSpPr/>
+          <p:nvPr/>
+        </p:nvCxnSpPr>
+        <p:spPr>
+          <a:xfrm>
+            <a:off x="3352800" y="2743200"/>
+            <a:ext cx="2286000" cy="0"/>
+          </a:xfrm>
+          <a:prstGeom prst="straightConnector1">
+            <a:avLst/>
+          </a:prstGeom>
+          <a:ln w="38100">
+            <a:solidFill>
+              <a:schemeClr val="tx1"/>
+            </a:solidFill>
+            <a:headEnd type="none" w="med" len="med"/>
+            <a:tailEnd type="triangle" w="med" len="med"/>
+          </a:ln>
+        </p:spPr>
+        <p:style>
+          <a:lnRef idx="1">
+            <a:schemeClr val="accent1"/>
+          </a:lnRef>
+          <a:fillRef idx="0">
+            <a:schemeClr val="accent1"/>
+          </a:fillRef>
+          <a:effectRef idx="0">
+            <a:schemeClr val="accent1"/>
+          </a:effectRef>
+          <a:fontRef idx="minor">
+            <a:schemeClr val="tx1"/>
+          </a:fontRef>
+        </p:style>
+      </p:cxnSp>
+      <p:cxnSp>
+        <p:nvCxnSpPr>
+          <p:cNvPr id="13" name="Straight Arrow Connector 12"/>
+          <p:cNvCxnSpPr/>
+          <p:nvPr/>
+        </p:nvCxnSpPr>
+        <p:spPr>
+          <a:xfrm>
+            <a:off x="3352800" y="3276600"/>
+            <a:ext cx="2286000" cy="0"/>
+          </a:xfrm>
+          <a:prstGeom prst="straightConnector1">
+            <a:avLst/>
+          </a:prstGeom>
+          <a:ln w="38100">
+            <a:solidFill>
+              <a:schemeClr val="tx1"/>
+            </a:solidFill>
+            <a:headEnd type="triangle" w="med" len="med"/>
+            <a:tailEnd type="none" w="med" len="med"/>
+          </a:ln>
+        </p:spPr>
+        <p:style>
+          <a:lnRef idx="1">
+            <a:schemeClr val="accent1"/>
+          </a:lnRef>
+          <a:fillRef idx="0">
+            <a:schemeClr val="accent1"/>
+          </a:fillRef>
+          <a:effectRef idx="0">
+            <a:schemeClr val="accent1"/>
+          </a:effectRef>
+          <a:fontRef idx="minor">
+            <a:schemeClr val="tx1"/>
+          </a:fontRef>
+        </p:style>
+      </p:cxnSp>
+      <p:sp>
+        <p:nvSpPr>
+          <p:cNvPr id="14" name="TextBox 13"/>
+          <p:cNvSpPr txBox="1"/>
+          <p:nvPr/>
+        </p:nvSpPr>
+        <p:spPr>
+          <a:xfrm>
+            <a:off x="3562597" y="2481590"/>
+            <a:ext cx="1676400" cy="261610"/>
+          </a:xfrm>
+          <a:prstGeom prst="rect">
+            <a:avLst/>
+          </a:prstGeom>
+          <a:noFill/>
+        </p:spPr>
+        <p:txBody>
+          <a:bodyPr wrap="square" rtlCol="0">
+            <a:spAutoFit/>
+          </a:bodyPr>
+          <a:lstStyle/>
+          <a:p>
+            <a:r>
+              <a:rPr lang="en-US" sz="1100" dirty="0" err="1" smtClean="0"/>
+              <a:t>RVFCommand</a:t>
+            </a:r>
+            <a:r>
+              <a:rPr lang="en-US" sz="1100" dirty="0" smtClean="0"/>
+              <a:t> Request</a:t>
+            </a:r>
+            <a:endParaRPr lang="en-US" sz="1100" dirty="0"/>
+          </a:p>
+        </p:txBody>
+      </p:sp>
+      <p:sp>
+        <p:nvSpPr>
+          <p:cNvPr id="15" name="TextBox 14"/>
+          <p:cNvSpPr txBox="1"/>
+          <p:nvPr/>
+        </p:nvSpPr>
+        <p:spPr>
+          <a:xfrm>
+            <a:off x="3581400" y="3014990"/>
+            <a:ext cx="1828800" cy="261610"/>
+          </a:xfrm>
+          <a:prstGeom prst="rect">
+            <a:avLst/>
+          </a:prstGeom>
+          <a:noFill/>
+        </p:spPr>
+        <p:txBody>
+          <a:bodyPr wrap="square" rtlCol="0">
+            <a:spAutoFit/>
+          </a:bodyPr>
+          <a:lstStyle/>
+          <a:p>
+            <a:r>
+              <a:rPr lang="en-US" sz="1100" dirty="0" err="1" smtClean="0"/>
+              <a:t>RVFCommand</a:t>
+            </a:r>
+            <a:r>
+              <a:rPr lang="en-US" sz="1100" dirty="0" smtClean="0"/>
+              <a:t> Response</a:t>
+            </a:r>
+            <a:endParaRPr lang="en-US" sz="1100" dirty="0"/>
+          </a:p>
+        </p:txBody>
+      </p:sp>
+      <p:cxnSp>
+        <p:nvCxnSpPr>
+          <p:cNvPr id="16" name="Straight Arrow Connector 15"/>
+          <p:cNvCxnSpPr/>
+          <p:nvPr/>
+        </p:nvCxnSpPr>
+        <p:spPr>
+          <a:xfrm>
+            <a:off x="3352800" y="3733800"/>
+            <a:ext cx="2286000" cy="0"/>
+          </a:xfrm>
+          <a:prstGeom prst="straightConnector1">
+            <a:avLst/>
+          </a:prstGeom>
+          <a:ln w="38100">
+            <a:solidFill>
+              <a:schemeClr val="tx1"/>
+            </a:solidFill>
+            <a:headEnd type="triangle" w="med" len="med"/>
+            <a:tailEnd type="none" w="med" len="med"/>
+          </a:ln>
+        </p:spPr>
+        <p:style>
+          <a:lnRef idx="1">
+            <a:schemeClr val="accent1"/>
+          </a:lnRef>
+          <a:fillRef idx="0">
+            <a:schemeClr val="accent1"/>
+          </a:fillRef>
+          <a:effectRef idx="0">
+            <a:schemeClr val="accent1"/>
+          </a:effectRef>
+          <a:fontRef idx="minor">
+            <a:schemeClr val="tx1"/>
+          </a:fontRef>
+        </p:style>
+      </p:cxnSp>
+      <p:cxnSp>
+        <p:nvCxnSpPr>
+          <p:cNvPr id="17" name="Straight Arrow Connector 16"/>
+          <p:cNvCxnSpPr/>
+          <p:nvPr/>
+        </p:nvCxnSpPr>
+        <p:spPr>
+          <a:xfrm>
+            <a:off x="3352800" y="4267200"/>
+            <a:ext cx="2286000" cy="0"/>
+          </a:xfrm>
+          <a:prstGeom prst="straightConnector1">
+            <a:avLst/>
+          </a:prstGeom>
+          <a:ln w="38100">
+            <a:solidFill>
+              <a:schemeClr val="tx1"/>
+            </a:solidFill>
+            <a:headEnd type="none" w="med" len="med"/>
+            <a:tailEnd type="triangle" w="med" len="med"/>
+          </a:ln>
+        </p:spPr>
+        <p:style>
+          <a:lnRef idx="1">
+            <a:schemeClr val="accent1"/>
+          </a:lnRef>
+          <a:fillRef idx="0">
+            <a:schemeClr val="accent1"/>
+          </a:fillRef>
+          <a:effectRef idx="0">
+            <a:schemeClr val="accent1"/>
+          </a:effectRef>
+          <a:fontRef idx="minor">
+            <a:schemeClr val="tx1"/>
+          </a:fontRef>
+        </p:style>
+      </p:cxnSp>
+      <p:sp>
+        <p:nvSpPr>
+          <p:cNvPr id="18" name="TextBox 17"/>
+          <p:cNvSpPr txBox="1"/>
+          <p:nvPr/>
+        </p:nvSpPr>
+        <p:spPr>
+          <a:xfrm>
+            <a:off x="3562597" y="3472190"/>
+            <a:ext cx="1676400" cy="261610"/>
+          </a:xfrm>
+          <a:prstGeom prst="rect">
+            <a:avLst/>
+          </a:prstGeom>
+          <a:noFill/>
+        </p:spPr>
+        <p:txBody>
+          <a:bodyPr wrap="square" rtlCol="0">
+            <a:spAutoFit/>
+          </a:bodyPr>
+          <a:lstStyle/>
+          <a:p>
+            <a:r>
+              <a:rPr lang="en-US" sz="1100" dirty="0" err="1" smtClean="0"/>
+              <a:t>RVFMessage</a:t>
+            </a:r>
+            <a:r>
+              <a:rPr lang="en-US" sz="1100" dirty="0" smtClean="0"/>
+              <a:t> Request</a:t>
+            </a:r>
+            <a:endParaRPr lang="en-US" sz="1100" dirty="0"/>
+          </a:p>
+        </p:txBody>
+      </p:sp>
+      <p:sp>
+        <p:nvSpPr>
+          <p:cNvPr id="19" name="TextBox 18"/>
+          <p:cNvSpPr txBox="1"/>
+          <p:nvPr/>
+        </p:nvSpPr>
+        <p:spPr>
+          <a:xfrm>
+            <a:off x="3581400" y="4005590"/>
+            <a:ext cx="1828800" cy="261610"/>
+          </a:xfrm>
+          <a:prstGeom prst="rect">
+            <a:avLst/>
+          </a:prstGeom>
+          <a:noFill/>
+        </p:spPr>
+        <p:txBody>
+          <a:bodyPr wrap="square" rtlCol="0">
+            <a:spAutoFit/>
+          </a:bodyPr>
+          <a:lstStyle/>
+          <a:p>
+            <a:r>
+              <a:rPr lang="en-US" sz="1100" dirty="0" err="1" smtClean="0"/>
+              <a:t>RVFMessage</a:t>
+            </a:r>
+            <a:r>
+              <a:rPr lang="en-US" sz="1100" dirty="0" smtClean="0"/>
+              <a:t> Response</a:t>
+            </a:r>
+            <a:endParaRPr lang="en-US" sz="1100" dirty="0"/>
+          </a:p>
+        </p:txBody>
+      </p:sp>
+      <p:cxnSp>
+        <p:nvCxnSpPr>
+          <p:cNvPr id="20" name="Straight Arrow Connector 19"/>
+          <p:cNvCxnSpPr/>
+          <p:nvPr/>
+        </p:nvCxnSpPr>
+        <p:spPr>
+          <a:xfrm>
+            <a:off x="76200" y="2743200"/>
+            <a:ext cx="2057400" cy="0"/>
+          </a:xfrm>
+          <a:prstGeom prst="straightConnector1">
+            <a:avLst/>
+          </a:prstGeom>
+          <a:ln w="38100">
+            <a:solidFill>
+              <a:schemeClr val="tx1"/>
+            </a:solidFill>
+            <a:headEnd type="none" w="med" len="med"/>
+            <a:tailEnd type="triangle" w="med" len="med"/>
+          </a:ln>
+        </p:spPr>
+        <p:style>
+          <a:lnRef idx="1">
+            <a:schemeClr val="accent1"/>
+          </a:lnRef>
+          <a:fillRef idx="0">
+            <a:schemeClr val="accent1"/>
+          </a:fillRef>
+          <a:effectRef idx="0">
+            <a:schemeClr val="accent1"/>
+          </a:effectRef>
+          <a:fontRef idx="minor">
+            <a:schemeClr val="tx1"/>
+          </a:fontRef>
+        </p:style>
+      </p:cxnSp>
+      <p:cxnSp>
+        <p:nvCxnSpPr>
+          <p:cNvPr id="21" name="Straight Arrow Connector 20"/>
+          <p:cNvCxnSpPr/>
+          <p:nvPr/>
+        </p:nvCxnSpPr>
+        <p:spPr>
+          <a:xfrm>
+            <a:off x="57397" y="3276600"/>
+            <a:ext cx="2076203" cy="0"/>
+          </a:xfrm>
+          <a:prstGeom prst="straightConnector1">
+            <a:avLst/>
+          </a:prstGeom>
+          <a:ln w="38100">
+            <a:solidFill>
+              <a:schemeClr val="tx1"/>
+            </a:solidFill>
+            <a:headEnd type="triangle" w="med" len="med"/>
+            <a:tailEnd type="none" w="med" len="med"/>
+          </a:ln>
+        </p:spPr>
+        <p:style>
+          <a:lnRef idx="1">
+            <a:schemeClr val="accent1"/>
+          </a:lnRef>
+          <a:fillRef idx="0">
+            <a:schemeClr val="accent1"/>
+          </a:fillRef>
+          <a:effectRef idx="0">
+            <a:schemeClr val="accent1"/>
+          </a:effectRef>
+          <a:fontRef idx="minor">
+            <a:schemeClr val="tx1"/>
+          </a:fontRef>
+        </p:style>
+      </p:cxnSp>
+      <p:sp>
+        <p:nvSpPr>
+          <p:cNvPr id="22" name="TextBox 21"/>
+          <p:cNvSpPr txBox="1"/>
+          <p:nvPr/>
+        </p:nvSpPr>
+        <p:spPr>
+          <a:xfrm>
+            <a:off x="57397" y="2481590"/>
+            <a:ext cx="1676400" cy="261610"/>
+          </a:xfrm>
+          <a:prstGeom prst="rect">
+            <a:avLst/>
+          </a:prstGeom>
+          <a:noFill/>
+        </p:spPr>
+        <p:txBody>
+          <a:bodyPr wrap="square" rtlCol="0">
+            <a:spAutoFit/>
+          </a:bodyPr>
+          <a:lstStyle/>
+          <a:p>
+            <a:r>
+              <a:rPr lang="en-US" sz="1100" dirty="0" err="1" smtClean="0"/>
+              <a:t>RVFCommand</a:t>
+            </a:r>
+            <a:r>
+              <a:rPr lang="en-US" sz="1100" dirty="0" smtClean="0"/>
+              <a:t> Request</a:t>
+            </a:r>
+            <a:endParaRPr lang="en-US" sz="1100" dirty="0"/>
+          </a:p>
+        </p:txBody>
+      </p:sp>
+      <p:sp>
+        <p:nvSpPr>
+          <p:cNvPr id="23" name="TextBox 22"/>
+          <p:cNvSpPr txBox="1"/>
+          <p:nvPr/>
+        </p:nvSpPr>
+        <p:spPr>
+          <a:xfrm>
+            <a:off x="76200" y="3014990"/>
+            <a:ext cx="1828800" cy="261610"/>
+          </a:xfrm>
+          <a:prstGeom prst="rect">
+            <a:avLst/>
+          </a:prstGeom>
+          <a:noFill/>
+        </p:spPr>
+        <p:txBody>
+          <a:bodyPr wrap="square" rtlCol="0">
+            <a:spAutoFit/>
+          </a:bodyPr>
+          <a:lstStyle/>
+          <a:p>
+            <a:r>
+              <a:rPr lang="en-US" sz="1100" dirty="0" err="1" smtClean="0"/>
+              <a:t>RVFCommand</a:t>
+            </a:r>
+            <a:r>
+              <a:rPr lang="en-US" sz="1100" dirty="0" smtClean="0"/>
+              <a:t> Response</a:t>
+            </a:r>
+            <a:endParaRPr lang="en-US" sz="1100" dirty="0"/>
+          </a:p>
+        </p:txBody>
+      </p:sp>
+      <p:cxnSp>
+        <p:nvCxnSpPr>
+          <p:cNvPr id="24" name="Straight Arrow Connector 23"/>
+          <p:cNvCxnSpPr/>
+          <p:nvPr/>
+        </p:nvCxnSpPr>
+        <p:spPr>
+          <a:xfrm>
+            <a:off x="76200" y="3733800"/>
+            <a:ext cx="2057400" cy="0"/>
+          </a:xfrm>
+          <a:prstGeom prst="straightConnector1">
+            <a:avLst/>
+          </a:prstGeom>
+          <a:ln w="38100">
+            <a:solidFill>
+              <a:schemeClr val="tx1"/>
+            </a:solidFill>
+            <a:headEnd type="triangle" w="med" len="med"/>
+            <a:tailEnd type="none" w="med" len="med"/>
+          </a:ln>
+        </p:spPr>
+        <p:style>
+          <a:lnRef idx="1">
+            <a:schemeClr val="accent1"/>
+          </a:lnRef>
+          <a:fillRef idx="0">
+            <a:schemeClr val="accent1"/>
+          </a:fillRef>
+          <a:effectRef idx="0">
+            <a:schemeClr val="accent1"/>
+          </a:effectRef>
+          <a:fontRef idx="minor">
+            <a:schemeClr val="tx1"/>
+          </a:fontRef>
+        </p:style>
+      </p:cxnSp>
+      <p:cxnSp>
+        <p:nvCxnSpPr>
+          <p:cNvPr id="25" name="Straight Arrow Connector 24"/>
+          <p:cNvCxnSpPr/>
+          <p:nvPr/>
+        </p:nvCxnSpPr>
+        <p:spPr>
+          <a:xfrm>
+            <a:off x="76200" y="4267200"/>
+            <a:ext cx="2057400" cy="0"/>
+          </a:xfrm>
+          <a:prstGeom prst="straightConnector1">
+            <a:avLst/>
+          </a:prstGeom>
+          <a:ln w="38100">
+            <a:solidFill>
+              <a:schemeClr val="tx1"/>
+            </a:solidFill>
+            <a:headEnd type="none" w="med" len="med"/>
+            <a:tailEnd type="triangle" w="med" len="med"/>
+          </a:ln>
+        </p:spPr>
+        <p:style>
+          <a:lnRef idx="1">
+            <a:schemeClr val="accent1"/>
+          </a:lnRef>
+          <a:fillRef idx="0">
+            <a:schemeClr val="accent1"/>
+          </a:fillRef>
+          <a:effectRef idx="0">
+            <a:schemeClr val="accent1"/>
+          </a:effectRef>
+          <a:fontRef idx="minor">
+            <a:schemeClr val="tx1"/>
+          </a:fontRef>
+        </p:style>
+      </p:cxnSp>
+      <p:sp>
+        <p:nvSpPr>
+          <p:cNvPr id="26" name="TextBox 25"/>
+          <p:cNvSpPr txBox="1"/>
+          <p:nvPr/>
+        </p:nvSpPr>
+        <p:spPr>
+          <a:xfrm>
+            <a:off x="57397" y="3472190"/>
+            <a:ext cx="1676400" cy="261610"/>
+          </a:xfrm>
+          <a:prstGeom prst="rect">
+            <a:avLst/>
+          </a:prstGeom>
+          <a:noFill/>
+        </p:spPr>
+        <p:txBody>
+          <a:bodyPr wrap="square" rtlCol="0">
+            <a:spAutoFit/>
+          </a:bodyPr>
+          <a:lstStyle/>
+          <a:p>
+            <a:r>
+              <a:rPr lang="en-US" sz="1100" dirty="0" err="1" smtClean="0"/>
+              <a:t>RVFMessage</a:t>
+            </a:r>
+            <a:r>
+              <a:rPr lang="en-US" sz="1100" dirty="0" smtClean="0"/>
+              <a:t> Request</a:t>
+            </a:r>
+            <a:endParaRPr lang="en-US" sz="1100" dirty="0"/>
+          </a:p>
+        </p:txBody>
+      </p:sp>
+      <p:sp>
+        <p:nvSpPr>
+          <p:cNvPr id="27" name="TextBox 26"/>
+          <p:cNvSpPr txBox="1"/>
+          <p:nvPr/>
+        </p:nvSpPr>
+        <p:spPr>
+          <a:xfrm>
+            <a:off x="76200" y="4005590"/>
+            <a:ext cx="1828800" cy="261610"/>
+          </a:xfrm>
+          <a:prstGeom prst="rect">
+            <a:avLst/>
+          </a:prstGeom>
+          <a:noFill/>
+        </p:spPr>
+        <p:txBody>
+          <a:bodyPr wrap="square" rtlCol="0">
+            <a:spAutoFit/>
+          </a:bodyPr>
+          <a:lstStyle/>
+          <a:p>
+            <a:r>
+              <a:rPr lang="en-US" sz="1100" dirty="0" err="1" smtClean="0"/>
+              <a:t>RVFMessage</a:t>
+            </a:r>
+            <a:r>
+              <a:rPr lang="en-US" sz="1100" dirty="0" smtClean="0"/>
+              <a:t> Response</a:t>
+            </a:r>
+            <a:endParaRPr lang="en-US" sz="1100" dirty="0"/>
+          </a:p>
+        </p:txBody>
+      </p:sp>
+      <p:cxnSp>
+        <p:nvCxnSpPr>
+          <p:cNvPr id="28" name="Straight Arrow Connector 27"/>
+          <p:cNvCxnSpPr/>
+          <p:nvPr/>
+        </p:nvCxnSpPr>
+        <p:spPr>
+          <a:xfrm>
+            <a:off x="6858000" y="2743200"/>
+            <a:ext cx="2286000" cy="0"/>
+          </a:xfrm>
+          <a:prstGeom prst="straightConnector1">
+            <a:avLst/>
+          </a:prstGeom>
+          <a:ln w="38100">
+            <a:solidFill>
+              <a:schemeClr val="tx1"/>
+            </a:solidFill>
+            <a:headEnd type="none" w="med" len="med"/>
+            <a:tailEnd type="triangle" w="med" len="med"/>
+          </a:ln>
+        </p:spPr>
+        <p:style>
+          <a:lnRef idx="1">
+            <a:schemeClr val="accent1"/>
+          </a:lnRef>
+          <a:fillRef idx="0">
+            <a:schemeClr val="accent1"/>
+          </a:fillRef>
+          <a:effectRef idx="0">
+            <a:schemeClr val="accent1"/>
+          </a:effectRef>
+          <a:fontRef idx="minor">
+            <a:schemeClr val="tx1"/>
+          </a:fontRef>
+        </p:style>
+      </p:cxnSp>
+      <p:cxnSp>
+        <p:nvCxnSpPr>
+          <p:cNvPr id="29" name="Straight Arrow Connector 28"/>
+          <p:cNvCxnSpPr/>
+          <p:nvPr/>
+        </p:nvCxnSpPr>
+        <p:spPr>
+          <a:xfrm>
+            <a:off x="6858000" y="3276600"/>
+            <a:ext cx="2286000" cy="0"/>
+          </a:xfrm>
+          <a:prstGeom prst="straightConnector1">
+            <a:avLst/>
+          </a:prstGeom>
+          <a:ln w="38100">
+            <a:solidFill>
+              <a:schemeClr val="tx1"/>
+            </a:solidFill>
+            <a:headEnd type="triangle" w="med" len="med"/>
+            <a:tailEnd type="none" w="med" len="med"/>
+          </a:ln>
+        </p:spPr>
+        <p:style>
+          <a:lnRef idx="1">
+            <a:schemeClr val="accent1"/>
+          </a:lnRef>
+          <a:fillRef idx="0">
+            <a:schemeClr val="accent1"/>
+          </a:fillRef>
+          <a:effectRef idx="0">
+            <a:schemeClr val="accent1"/>
+          </a:effectRef>
+          <a:fontRef idx="minor">
+            <a:schemeClr val="tx1"/>
+          </a:fontRef>
+        </p:style>
+      </p:cxnSp>
+      <p:sp>
+        <p:nvSpPr>
+          <p:cNvPr id="30" name="TextBox 29"/>
+          <p:cNvSpPr txBox="1"/>
+          <p:nvPr/>
+        </p:nvSpPr>
+        <p:spPr>
+          <a:xfrm>
+            <a:off x="7067797" y="2481590"/>
+            <a:ext cx="1676400" cy="261610"/>
+          </a:xfrm>
+          <a:prstGeom prst="rect">
+            <a:avLst/>
+          </a:prstGeom>
+          <a:noFill/>
+        </p:spPr>
+        <p:txBody>
+          <a:bodyPr wrap="square" rtlCol="0">
+            <a:spAutoFit/>
+          </a:bodyPr>
+          <a:lstStyle/>
+          <a:p>
+            <a:r>
+              <a:rPr lang="en-US" sz="1100" dirty="0" err="1" smtClean="0"/>
+              <a:t>RVFCommand</a:t>
+            </a:r>
+            <a:r>
+              <a:rPr lang="en-US" sz="1100" dirty="0" smtClean="0"/>
+              <a:t> Request</a:t>
+            </a:r>
+            <a:endParaRPr lang="en-US" sz="1100" dirty="0"/>
+          </a:p>
+        </p:txBody>
+      </p:sp>
+      <p:sp>
+        <p:nvSpPr>
+          <p:cNvPr id="31" name="TextBox 30"/>
+          <p:cNvSpPr txBox="1"/>
+          <p:nvPr/>
+        </p:nvSpPr>
+        <p:spPr>
+          <a:xfrm>
+            <a:off x="7086600" y="3014990"/>
+            <a:ext cx="1828800" cy="261610"/>
+          </a:xfrm>
+          <a:prstGeom prst="rect">
+            <a:avLst/>
+          </a:prstGeom>
+          <a:noFill/>
+        </p:spPr>
+        <p:txBody>
+          <a:bodyPr wrap="square" rtlCol="0">
+            <a:spAutoFit/>
+          </a:bodyPr>
+          <a:lstStyle/>
+          <a:p>
+            <a:r>
+              <a:rPr lang="en-US" sz="1100" dirty="0" err="1" smtClean="0"/>
+              <a:t>RVFCommand</a:t>
+            </a:r>
+            <a:r>
+              <a:rPr lang="en-US" sz="1100" dirty="0" smtClean="0"/>
+              <a:t> Response</a:t>
+            </a:r>
+            <a:endParaRPr lang="en-US" sz="1100" dirty="0"/>
+          </a:p>
+        </p:txBody>
+      </p:sp>
+      <p:cxnSp>
+        <p:nvCxnSpPr>
+          <p:cNvPr id="32" name="Straight Arrow Connector 31"/>
+          <p:cNvCxnSpPr/>
+          <p:nvPr/>
+        </p:nvCxnSpPr>
+        <p:spPr>
+          <a:xfrm>
+            <a:off x="6858000" y="3733800"/>
+            <a:ext cx="2286000" cy="0"/>
+          </a:xfrm>
+          <a:prstGeom prst="straightConnector1">
+            <a:avLst/>
+          </a:prstGeom>
+          <a:ln w="38100">
+            <a:solidFill>
+              <a:schemeClr val="tx1"/>
+            </a:solidFill>
+            <a:headEnd type="triangle" w="med" len="med"/>
+            <a:tailEnd type="none" w="med" len="med"/>
+          </a:ln>
+        </p:spPr>
+        <p:style>
+          <a:lnRef idx="1">
+            <a:schemeClr val="accent1"/>
+          </a:lnRef>
+          <a:fillRef idx="0">
+            <a:schemeClr val="accent1"/>
+          </a:fillRef>
+          <a:effectRef idx="0">
+            <a:schemeClr val="accent1"/>
+          </a:effectRef>
+          <a:fontRef idx="minor">
+            <a:schemeClr val="tx1"/>
+          </a:fontRef>
+        </p:style>
+      </p:cxnSp>
+      <p:cxnSp>
+        <p:nvCxnSpPr>
+          <p:cNvPr id="33" name="Straight Arrow Connector 32"/>
+          <p:cNvCxnSpPr/>
+          <p:nvPr/>
+        </p:nvCxnSpPr>
+        <p:spPr>
+          <a:xfrm>
+            <a:off x="6858000" y="4267200"/>
+            <a:ext cx="2286000" cy="0"/>
+          </a:xfrm>
+          <a:prstGeom prst="straightConnector1">
+            <a:avLst/>
+          </a:prstGeom>
+          <a:ln w="38100">
+            <a:solidFill>
+              <a:schemeClr val="tx1"/>
+            </a:solidFill>
+            <a:headEnd type="none" w="med" len="med"/>
+            <a:tailEnd type="triangle" w="med" len="med"/>
+          </a:ln>
+        </p:spPr>
+        <p:style>
+          <a:lnRef idx="1">
+            <a:schemeClr val="accent1"/>
+          </a:lnRef>
+          <a:fillRef idx="0">
+            <a:schemeClr val="accent1"/>
+          </a:fillRef>
+          <a:effectRef idx="0">
+            <a:schemeClr val="accent1"/>
+          </a:effectRef>
+          <a:fontRef idx="minor">
+            <a:schemeClr val="tx1"/>
+          </a:fontRef>
+        </p:style>
+      </p:cxnSp>
+      <p:sp>
+        <p:nvSpPr>
+          <p:cNvPr id="34" name="TextBox 33"/>
+          <p:cNvSpPr txBox="1"/>
+          <p:nvPr/>
+        </p:nvSpPr>
+        <p:spPr>
+          <a:xfrm>
+            <a:off x="7067797" y="3472190"/>
+            <a:ext cx="1676400" cy="261610"/>
+          </a:xfrm>
+          <a:prstGeom prst="rect">
+            <a:avLst/>
+          </a:prstGeom>
+          <a:noFill/>
+        </p:spPr>
+        <p:txBody>
+          <a:bodyPr wrap="square" rtlCol="0">
+            <a:spAutoFit/>
+          </a:bodyPr>
+          <a:lstStyle/>
+          <a:p>
+            <a:r>
+              <a:rPr lang="en-US" sz="1100" dirty="0" err="1" smtClean="0"/>
+              <a:t>RVFMessage</a:t>
+            </a:r>
+            <a:r>
+              <a:rPr lang="en-US" sz="1100" dirty="0" smtClean="0"/>
+              <a:t> Request</a:t>
+            </a:r>
+            <a:endParaRPr lang="en-US" sz="1100" dirty="0"/>
+          </a:p>
+        </p:txBody>
+      </p:sp>
+      <p:sp>
+        <p:nvSpPr>
+          <p:cNvPr id="35" name="TextBox 34"/>
+          <p:cNvSpPr txBox="1"/>
+          <p:nvPr/>
+        </p:nvSpPr>
+        <p:spPr>
+          <a:xfrm>
+            <a:off x="7086600" y="4005590"/>
+            <a:ext cx="1828800" cy="261610"/>
+          </a:xfrm>
+          <a:prstGeom prst="rect">
+            <a:avLst/>
+          </a:prstGeom>
+          <a:noFill/>
+        </p:spPr>
+        <p:txBody>
+          <a:bodyPr wrap="square" rtlCol="0">
+            <a:spAutoFit/>
+          </a:bodyPr>
+          <a:lstStyle/>
+          <a:p>
+            <a:r>
+              <a:rPr lang="en-US" sz="1100" dirty="0" err="1" smtClean="0"/>
+              <a:t>RVFMessage</a:t>
+            </a:r>
+            <a:r>
+              <a:rPr lang="en-US" sz="1100" dirty="0" smtClean="0"/>
+              <a:t> Response</a:t>
+            </a:r>
+            <a:endParaRPr lang="en-US" sz="1100" dirty="0"/>
+          </a:p>
+        </p:txBody>
+      </p:sp>
+    </p:spTree>
+    <p:extLst>
+      <p:ext uri="{BB962C8B-B14F-4D97-AF65-F5344CB8AC3E}">
+        <p14:creationId xmlns:p14="http://schemas.microsoft.com/office/powerpoint/2010/main" val="2638764455"/>
+      </p:ext>
+    </p:extLst>
+  </p:cSld>
+  <p:clrMapOvr>
+    <a:masterClrMapping/>
+  </p:clrMapOvr>
+</p:sld>
+</file>
+
+<file path=ppt/slides/slide11.xml><?xml version="1.0" encoding="utf-8"?>
+<p:sld xmlns:a="http://schemas.openxmlformats.org/drawingml/2006/main" xmlns:r="http://schemas.openxmlformats.org/officeDocument/2006/relationships" xmlns:p="http://schemas.openxmlformats.org/presentationml/2006/main">
+  <p:cSld>
+    <p:spTree>
+      <p:nvGrpSpPr>
+        <p:cNvPr id="1" name=""/>
+        <p:cNvGrpSpPr/>
+        <p:nvPr/>
+      </p:nvGrpSpPr>
+      <p:grpSpPr>
+        <a:xfrm>
+          <a:off x="0" y="0"/>
+          <a:ext cx="0" cy="0"/>
+          <a:chOff x="0" y="0"/>
+          <a:chExt cx="0" cy="0"/>
+        </a:xfrm>
+      </p:grpSpPr>
+      <p:sp>
+        <p:nvSpPr>
+          <p:cNvPr id="4" name="Title 3"/>
+          <p:cNvSpPr>
+            <a:spLocks noGrp="1"/>
+          </p:cNvSpPr>
+          <p:nvPr>
+            <p:ph type="title"/>
+          </p:nvPr>
+        </p:nvSpPr>
+        <p:spPr/>
+        <p:txBody>
+          <a:bodyPr/>
+          <a:lstStyle/>
+          <a:p>
+            <a:r>
+              <a:rPr lang="en-US" dirty="0" smtClean="0"/>
+              <a:t>Top-Down to Bottom-Up Flow</a:t>
+            </a:r>
+            <a:endParaRPr lang="en-US" dirty="0"/>
+          </a:p>
+        </p:txBody>
+      </p:sp>
+      <p:sp>
+        <p:nvSpPr>
+          <p:cNvPr id="6" name="Flowchart: Alternate Process 5"/>
+          <p:cNvSpPr/>
+          <p:nvPr/>
+        </p:nvSpPr>
+        <p:spPr>
+          <a:xfrm>
+            <a:off x="509650" y="1752600"/>
+            <a:ext cx="1447800" cy="838200"/>
+          </a:xfrm>
+          <a:prstGeom prst="flowChartAlternateProcess">
+            <a:avLst/>
+          </a:prstGeom>
+        </p:spPr>
+        <p:style>
+          <a:lnRef idx="2">
+            <a:schemeClr val="accent1">
+              <a:shade val="50000"/>
+            </a:schemeClr>
+          </a:lnRef>
+          <a:fillRef idx="1">
+            <a:schemeClr val="accent1"/>
+          </a:fillRef>
+          <a:effectRef idx="0">
+            <a:schemeClr val="accent1"/>
+          </a:effectRef>
+          <a:fontRef idx="minor">
+            <a:schemeClr val="lt1"/>
+          </a:fontRef>
+        </p:style>
+        <p:txBody>
+          <a:bodyPr rtlCol="0" anchor="ctr"/>
+          <a:lstStyle/>
+          <a:p>
+            <a:pPr algn="ctr"/>
+            <a:r>
+              <a:rPr lang="en-US" sz="1400" dirty="0" smtClean="0"/>
+              <a:t>P2654 </a:t>
+            </a:r>
+            <a:r>
+              <a:rPr lang="en-US" sz="1400" dirty="0" err="1" smtClean="0"/>
+              <a:t>RVFCommand</a:t>
+            </a:r>
+            <a:r>
+              <a:rPr lang="en-US" sz="1400" dirty="0" smtClean="0"/>
+              <a:t> Sent from Application</a:t>
+            </a:r>
+            <a:endParaRPr lang="en-US" sz="1400" dirty="0"/>
+          </a:p>
+        </p:txBody>
+      </p:sp>
+      <p:sp>
+        <p:nvSpPr>
+          <p:cNvPr id="7" name="Flowchart: Decision 6"/>
+          <p:cNvSpPr/>
+          <p:nvPr/>
+        </p:nvSpPr>
+        <p:spPr>
+          <a:xfrm>
+            <a:off x="0" y="3048000"/>
+            <a:ext cx="2438400" cy="990600"/>
+          </a:xfrm>
+          <a:prstGeom prst="flowChartDecision">
+            <a:avLst/>
+          </a:prstGeom>
+          <a:solidFill>
+            <a:schemeClr val="accent3"/>
+          </a:solidFill>
+          <a:ln>
+            <a:solidFill>
+              <a:schemeClr val="tx1"/>
+            </a:solidFill>
+          </a:ln>
+        </p:spPr>
+        <p:style>
+          <a:lnRef idx="2">
+            <a:schemeClr val="accent1">
+              <a:shade val="50000"/>
+            </a:schemeClr>
+          </a:lnRef>
+          <a:fillRef idx="1">
+            <a:schemeClr val="accent1"/>
+          </a:fillRef>
+          <a:effectRef idx="0">
+            <a:schemeClr val="accent1"/>
+          </a:effectRef>
+          <a:fontRef idx="minor">
+            <a:schemeClr val="lt1"/>
+          </a:fontRef>
+        </p:style>
+        <p:txBody>
+          <a:bodyPr rtlCol="0" anchor="ctr"/>
+          <a:lstStyle/>
+          <a:p>
+            <a:pPr algn="ctr"/>
+            <a:r>
+              <a:rPr lang="en-US" sz="1200" dirty="0" smtClean="0">
+                <a:solidFill>
+                  <a:schemeClr val="tx1"/>
+                </a:solidFill>
+              </a:rPr>
+              <a:t>Is Node target of </a:t>
+            </a:r>
+            <a:r>
+              <a:rPr lang="en-US" sz="1200" dirty="0" err="1" smtClean="0">
+                <a:solidFill>
+                  <a:schemeClr val="tx1"/>
+                </a:solidFill>
+              </a:rPr>
+              <a:t>RVFCommand</a:t>
+            </a:r>
+            <a:endParaRPr lang="en-US" sz="1200" dirty="0" smtClean="0">
+              <a:solidFill>
+                <a:schemeClr val="tx1"/>
+              </a:solidFill>
+            </a:endParaRPr>
+          </a:p>
+          <a:p>
+            <a:pPr algn="ctr"/>
+            <a:r>
+              <a:rPr lang="en-US" sz="1200" dirty="0" smtClean="0">
+                <a:solidFill>
+                  <a:schemeClr val="tx1"/>
+                </a:solidFill>
+              </a:rPr>
+              <a:t>?</a:t>
+            </a:r>
+          </a:p>
+        </p:txBody>
+      </p:sp>
+      <p:cxnSp>
+        <p:nvCxnSpPr>
+          <p:cNvPr id="9" name="Straight Arrow Connector 8"/>
+          <p:cNvCxnSpPr>
+            <a:stCxn id="6" idx="2"/>
+            <a:endCxn id="7" idx="0"/>
+          </p:cNvCxnSpPr>
+          <p:nvPr/>
+        </p:nvCxnSpPr>
+        <p:spPr>
+          <a:xfrm flipH="1">
+            <a:off x="1219200" y="2590800"/>
+            <a:ext cx="14350" cy="457200"/>
+          </a:xfrm>
+          <a:prstGeom prst="straightConnector1">
+            <a:avLst/>
+          </a:prstGeom>
+          <a:ln w="38100">
+            <a:solidFill>
+              <a:schemeClr val="tx1"/>
+            </a:solidFill>
+            <a:headEnd type="none" w="med" len="med"/>
+            <a:tailEnd type="triangle" w="med" len="med"/>
+          </a:ln>
+        </p:spPr>
+        <p:style>
+          <a:lnRef idx="1">
+            <a:schemeClr val="accent1"/>
+          </a:lnRef>
+          <a:fillRef idx="0">
+            <a:schemeClr val="accent1"/>
+          </a:fillRef>
+          <a:effectRef idx="0">
+            <a:schemeClr val="accent1"/>
+          </a:effectRef>
+          <a:fontRef idx="minor">
+            <a:schemeClr val="tx1"/>
+          </a:fontRef>
+        </p:style>
+      </p:cxnSp>
+      <p:sp>
+        <p:nvSpPr>
+          <p:cNvPr id="10" name="Flowchart: Alternate Process 9"/>
+          <p:cNvSpPr/>
+          <p:nvPr/>
+        </p:nvSpPr>
+        <p:spPr>
+          <a:xfrm>
+            <a:off x="304800" y="4495800"/>
+            <a:ext cx="1828800" cy="685800"/>
+          </a:xfrm>
+          <a:prstGeom prst="flowChartAlternateProcess">
+            <a:avLst/>
+          </a:prstGeom>
+        </p:spPr>
+        <p:style>
+          <a:lnRef idx="2">
+            <a:schemeClr val="accent1">
+              <a:shade val="50000"/>
+            </a:schemeClr>
+          </a:lnRef>
+          <a:fillRef idx="1">
+            <a:schemeClr val="accent1"/>
+          </a:fillRef>
+          <a:effectRef idx="0">
+            <a:schemeClr val="accent1"/>
+          </a:effectRef>
+          <a:fontRef idx="minor">
+            <a:schemeClr val="lt1"/>
+          </a:fontRef>
+        </p:style>
+        <p:txBody>
+          <a:bodyPr rtlCol="0" anchor="ctr"/>
+          <a:lstStyle/>
+          <a:p>
+            <a:pPr algn="ctr"/>
+            <a:r>
+              <a:rPr lang="en-US" sz="1400" dirty="0" smtClean="0"/>
+              <a:t>Send </a:t>
+            </a:r>
+            <a:r>
+              <a:rPr lang="en-US" sz="1400" dirty="0" err="1" smtClean="0"/>
+              <a:t>RVFCommand</a:t>
+            </a:r>
+            <a:r>
+              <a:rPr lang="en-US" sz="1400" dirty="0" smtClean="0"/>
+              <a:t> to next Node</a:t>
+            </a:r>
+            <a:endParaRPr lang="en-US" sz="1400" dirty="0"/>
+          </a:p>
+        </p:txBody>
+      </p:sp>
+      <p:cxnSp>
+        <p:nvCxnSpPr>
+          <p:cNvPr id="11" name="Straight Arrow Connector 10"/>
+          <p:cNvCxnSpPr>
+            <a:stCxn id="7" idx="2"/>
+            <a:endCxn id="10" idx="0"/>
+          </p:cNvCxnSpPr>
+          <p:nvPr/>
+        </p:nvCxnSpPr>
+        <p:spPr>
+          <a:xfrm>
+            <a:off x="1219200" y="4038600"/>
+            <a:ext cx="0" cy="457200"/>
+          </a:xfrm>
+          <a:prstGeom prst="straightConnector1">
+            <a:avLst/>
+          </a:prstGeom>
+          <a:ln w="38100">
+            <a:solidFill>
+              <a:schemeClr val="tx1"/>
+            </a:solidFill>
+            <a:headEnd type="none" w="med" len="med"/>
+            <a:tailEnd type="triangle" w="med" len="med"/>
+          </a:ln>
+        </p:spPr>
+        <p:style>
+          <a:lnRef idx="1">
+            <a:schemeClr val="accent1"/>
+          </a:lnRef>
+          <a:fillRef idx="0">
+            <a:schemeClr val="accent1"/>
+          </a:fillRef>
+          <a:effectRef idx="0">
+            <a:schemeClr val="accent1"/>
+          </a:effectRef>
+          <a:fontRef idx="minor">
+            <a:schemeClr val="tx1"/>
+          </a:fontRef>
+        </p:style>
+      </p:cxnSp>
+      <p:sp>
+        <p:nvSpPr>
+          <p:cNvPr id="14" name="TextBox 13"/>
+          <p:cNvSpPr txBox="1"/>
+          <p:nvPr/>
+        </p:nvSpPr>
+        <p:spPr>
+          <a:xfrm>
+            <a:off x="2133600" y="3639979"/>
+            <a:ext cx="533400" cy="246221"/>
+          </a:xfrm>
+          <a:prstGeom prst="rect">
+            <a:avLst/>
+          </a:prstGeom>
+          <a:noFill/>
+        </p:spPr>
+        <p:txBody>
+          <a:bodyPr wrap="square" rtlCol="0">
+            <a:spAutoFit/>
+          </a:bodyPr>
+          <a:lstStyle/>
+          <a:p>
+            <a:r>
+              <a:rPr lang="en-US" sz="1000" dirty="0" smtClean="0"/>
+              <a:t>YES</a:t>
+            </a:r>
+            <a:endParaRPr lang="en-US" sz="1000" dirty="0"/>
+          </a:p>
+        </p:txBody>
+      </p:sp>
+      <p:sp>
+        <p:nvSpPr>
+          <p:cNvPr id="16" name="Rounded Rectangle 15"/>
+          <p:cNvSpPr/>
+          <p:nvPr/>
+        </p:nvSpPr>
+        <p:spPr>
+          <a:xfrm>
+            <a:off x="2743200" y="1981200"/>
+            <a:ext cx="1447800" cy="838200"/>
+          </a:xfrm>
+          <a:prstGeom prst="roundRect">
+            <a:avLst/>
+          </a:prstGeom>
+        </p:spPr>
+        <p:style>
+          <a:lnRef idx="2">
+            <a:schemeClr val="accent1">
+              <a:shade val="50000"/>
+            </a:schemeClr>
+          </a:lnRef>
+          <a:fillRef idx="1">
+            <a:schemeClr val="accent1"/>
+          </a:fillRef>
+          <a:effectRef idx="0">
+            <a:schemeClr val="accent1"/>
+          </a:effectRef>
+          <a:fontRef idx="minor">
+            <a:schemeClr val="lt1"/>
+          </a:fontRef>
+        </p:style>
+        <p:txBody>
+          <a:bodyPr rtlCol="0" anchor="ctr"/>
+          <a:lstStyle/>
+          <a:p>
+            <a:pPr algn="ctr"/>
+            <a:r>
+              <a:rPr lang="en-US" sz="1400" dirty="0" smtClean="0"/>
+              <a:t>Process </a:t>
+            </a:r>
+            <a:r>
+              <a:rPr lang="en-US" sz="1400" dirty="0" err="1" smtClean="0"/>
+              <a:t>RVFCommand</a:t>
+            </a:r>
+            <a:r>
+              <a:rPr lang="en-US" sz="1400" dirty="0" smtClean="0"/>
+              <a:t> with Injection Handler</a:t>
+            </a:r>
+            <a:endParaRPr lang="en-US" sz="1400" dirty="0"/>
+          </a:p>
+        </p:txBody>
+      </p:sp>
+      <p:sp>
+        <p:nvSpPr>
+          <p:cNvPr id="17" name="Flowchart: Alternate Process 16"/>
+          <p:cNvSpPr/>
+          <p:nvPr/>
+        </p:nvSpPr>
+        <p:spPr>
+          <a:xfrm>
+            <a:off x="2766950" y="3171110"/>
+            <a:ext cx="1371600" cy="1553290"/>
+          </a:xfrm>
+          <a:prstGeom prst="flowChartAlternateProcess">
+            <a:avLst/>
+          </a:prstGeom>
+        </p:spPr>
+        <p:style>
+          <a:lnRef idx="2">
+            <a:schemeClr val="accent1">
+              <a:shade val="50000"/>
+            </a:schemeClr>
+          </a:lnRef>
+          <a:fillRef idx="1">
+            <a:schemeClr val="accent1"/>
+          </a:fillRef>
+          <a:effectRef idx="0">
+            <a:schemeClr val="accent1"/>
+          </a:effectRef>
+          <a:fontRef idx="minor">
+            <a:schemeClr val="lt1"/>
+          </a:fontRef>
+        </p:style>
+        <p:txBody>
+          <a:bodyPr rtlCol="0" anchor="ctr"/>
+          <a:lstStyle/>
+          <a:p>
+            <a:pPr algn="ctr"/>
+            <a:r>
+              <a:rPr lang="en-US" sz="1400" dirty="0" smtClean="0"/>
+              <a:t>Create </a:t>
+            </a:r>
+            <a:r>
+              <a:rPr lang="en-US" sz="1400" dirty="0" err="1" smtClean="0"/>
+              <a:t>RVFMessage</a:t>
+            </a:r>
+            <a:r>
+              <a:rPr lang="en-US" sz="1400" dirty="0" smtClean="0"/>
+              <a:t> Request to begin Bottom-Up processing for this Node</a:t>
+            </a:r>
+            <a:endParaRPr lang="en-US" sz="1400" dirty="0"/>
+          </a:p>
+        </p:txBody>
+      </p:sp>
+      <p:cxnSp>
+        <p:nvCxnSpPr>
+          <p:cNvPr id="19" name="Elbow Connector 18"/>
+          <p:cNvCxnSpPr>
+            <a:stCxn id="7" idx="3"/>
+            <a:endCxn id="16" idx="1"/>
+          </p:cNvCxnSpPr>
+          <p:nvPr/>
+        </p:nvCxnSpPr>
+        <p:spPr>
+          <a:xfrm flipV="1">
+            <a:off x="2438400" y="2400300"/>
+            <a:ext cx="304800" cy="1143000"/>
+          </a:xfrm>
+          <a:prstGeom prst="bentConnector3">
+            <a:avLst/>
+          </a:prstGeom>
+          <a:ln w="38100">
+            <a:solidFill>
+              <a:schemeClr val="tx1"/>
+            </a:solidFill>
+            <a:headEnd type="none" w="med" len="med"/>
+            <a:tailEnd type="triangle" w="med" len="med"/>
+          </a:ln>
+        </p:spPr>
+        <p:style>
+          <a:lnRef idx="1">
+            <a:schemeClr val="accent1"/>
+          </a:lnRef>
+          <a:fillRef idx="0">
+            <a:schemeClr val="accent1"/>
+          </a:fillRef>
+          <a:effectRef idx="0">
+            <a:schemeClr val="accent1"/>
+          </a:effectRef>
+          <a:fontRef idx="minor">
+            <a:schemeClr val="tx1"/>
+          </a:fontRef>
+        </p:style>
+      </p:cxnSp>
+      <p:cxnSp>
+        <p:nvCxnSpPr>
+          <p:cNvPr id="20" name="Straight Arrow Connector 19"/>
+          <p:cNvCxnSpPr>
+            <a:stCxn id="16" idx="2"/>
+            <a:endCxn id="17" idx="0"/>
+          </p:cNvCxnSpPr>
+          <p:nvPr/>
+        </p:nvCxnSpPr>
+        <p:spPr>
+          <a:xfrm flipH="1">
+            <a:off x="3452750" y="2819400"/>
+            <a:ext cx="14350" cy="351710"/>
+          </a:xfrm>
+          <a:prstGeom prst="straightConnector1">
+            <a:avLst/>
+          </a:prstGeom>
+          <a:ln w="38100">
+            <a:solidFill>
+              <a:schemeClr val="tx1"/>
+            </a:solidFill>
+            <a:headEnd type="none" w="med" len="med"/>
+            <a:tailEnd type="triangle" w="med" len="med"/>
+          </a:ln>
+        </p:spPr>
+        <p:style>
+          <a:lnRef idx="1">
+            <a:schemeClr val="accent1"/>
+          </a:lnRef>
+          <a:fillRef idx="0">
+            <a:schemeClr val="accent1"/>
+          </a:fillRef>
+          <a:effectRef idx="0">
+            <a:schemeClr val="accent1"/>
+          </a:effectRef>
+          <a:fontRef idx="minor">
+            <a:schemeClr val="tx1"/>
+          </a:fontRef>
+        </p:style>
+      </p:cxnSp>
+      <p:sp>
+        <p:nvSpPr>
+          <p:cNvPr id="23" name="Flowchart: Alternate Process 22"/>
+          <p:cNvSpPr/>
+          <p:nvPr/>
+        </p:nvSpPr>
+        <p:spPr>
+          <a:xfrm>
+            <a:off x="2743200" y="5029200"/>
+            <a:ext cx="1395350" cy="1143000"/>
+          </a:xfrm>
+          <a:prstGeom prst="flowChartAlternateProcess">
+            <a:avLst/>
+          </a:prstGeom>
+        </p:spPr>
+        <p:style>
+          <a:lnRef idx="2">
+            <a:schemeClr val="accent1">
+              <a:shade val="50000"/>
+            </a:schemeClr>
+          </a:lnRef>
+          <a:fillRef idx="1">
+            <a:schemeClr val="accent1"/>
+          </a:fillRef>
+          <a:effectRef idx="0">
+            <a:schemeClr val="accent1"/>
+          </a:effectRef>
+          <a:fontRef idx="minor">
+            <a:schemeClr val="lt1"/>
+          </a:fontRef>
+        </p:style>
+        <p:txBody>
+          <a:bodyPr rtlCol="0" anchor="ctr"/>
+          <a:lstStyle/>
+          <a:p>
+            <a:pPr algn="ctr"/>
+            <a:r>
+              <a:rPr lang="en-US" sz="1400" dirty="0" smtClean="0"/>
+              <a:t>Send </a:t>
+            </a:r>
+            <a:r>
+              <a:rPr lang="en-US" sz="1400" dirty="0" err="1" smtClean="0"/>
+              <a:t>RVFMessage</a:t>
+            </a:r>
+            <a:r>
+              <a:rPr lang="en-US" sz="1400" dirty="0" smtClean="0"/>
+              <a:t> as bottom-up request</a:t>
+            </a:r>
+            <a:endParaRPr lang="en-US" sz="1400" dirty="0"/>
+          </a:p>
+        </p:txBody>
+      </p:sp>
+      <p:cxnSp>
+        <p:nvCxnSpPr>
+          <p:cNvPr id="24" name="Straight Arrow Connector 23"/>
+          <p:cNvCxnSpPr>
+            <a:stCxn id="17" idx="2"/>
+            <a:endCxn id="23" idx="0"/>
+          </p:cNvCxnSpPr>
+          <p:nvPr/>
+        </p:nvCxnSpPr>
+        <p:spPr>
+          <a:xfrm flipH="1">
+            <a:off x="3440875" y="4724400"/>
+            <a:ext cx="11875" cy="304800"/>
+          </a:xfrm>
+          <a:prstGeom prst="straightConnector1">
+            <a:avLst/>
+          </a:prstGeom>
+          <a:ln w="38100">
+            <a:solidFill>
+              <a:schemeClr val="tx1"/>
+            </a:solidFill>
+            <a:headEnd type="none" w="med" len="med"/>
+            <a:tailEnd type="triangle" w="med" len="med"/>
+          </a:ln>
+        </p:spPr>
+        <p:style>
+          <a:lnRef idx="1">
+            <a:schemeClr val="accent1"/>
+          </a:lnRef>
+          <a:fillRef idx="0">
+            <a:schemeClr val="accent1"/>
+          </a:fillRef>
+          <a:effectRef idx="0">
+            <a:schemeClr val="accent1"/>
+          </a:effectRef>
+          <a:fontRef idx="minor">
+            <a:schemeClr val="tx1"/>
+          </a:fontRef>
+        </p:style>
+      </p:cxnSp>
+      <p:sp>
+        <p:nvSpPr>
+          <p:cNvPr id="28" name="Flowchart: Decision 27"/>
+          <p:cNvSpPr/>
+          <p:nvPr/>
+        </p:nvSpPr>
+        <p:spPr>
+          <a:xfrm>
+            <a:off x="4460175" y="1828800"/>
+            <a:ext cx="1828800" cy="990600"/>
+          </a:xfrm>
+          <a:prstGeom prst="flowChartDecision">
+            <a:avLst/>
+          </a:prstGeom>
+          <a:solidFill>
+            <a:schemeClr val="accent3"/>
+          </a:solidFill>
+          <a:ln>
+            <a:solidFill>
+              <a:schemeClr val="tx1"/>
+            </a:solidFill>
+          </a:ln>
+        </p:spPr>
+        <p:style>
+          <a:lnRef idx="2">
+            <a:schemeClr val="accent1">
+              <a:shade val="50000"/>
+            </a:schemeClr>
+          </a:lnRef>
+          <a:fillRef idx="1">
+            <a:schemeClr val="accent1"/>
+          </a:fillRef>
+          <a:effectRef idx="0">
+            <a:schemeClr val="accent1"/>
+          </a:effectRef>
+          <a:fontRef idx="minor">
+            <a:schemeClr val="lt1"/>
+          </a:fontRef>
+        </p:style>
+        <p:txBody>
+          <a:bodyPr rtlCol="0" anchor="ctr"/>
+          <a:lstStyle/>
+          <a:p>
+            <a:pPr algn="ctr"/>
+            <a:r>
+              <a:rPr lang="en-US" sz="1200" dirty="0" smtClean="0">
+                <a:solidFill>
+                  <a:schemeClr val="tx1"/>
+                </a:solidFill>
+              </a:rPr>
+              <a:t>Is Node top level controller</a:t>
+            </a:r>
+          </a:p>
+          <a:p>
+            <a:pPr algn="ctr"/>
+            <a:r>
+              <a:rPr lang="en-US" sz="1200" dirty="0" smtClean="0">
+                <a:solidFill>
+                  <a:schemeClr val="tx1"/>
+                </a:solidFill>
+              </a:rPr>
+              <a:t>?</a:t>
+            </a:r>
+          </a:p>
+        </p:txBody>
+      </p:sp>
+      <p:cxnSp>
+        <p:nvCxnSpPr>
+          <p:cNvPr id="30" name="Elbow Connector 29"/>
+          <p:cNvCxnSpPr>
+            <a:stCxn id="23" idx="3"/>
+            <a:endCxn id="28" idx="1"/>
+          </p:cNvCxnSpPr>
+          <p:nvPr/>
+        </p:nvCxnSpPr>
+        <p:spPr>
+          <a:xfrm flipV="1">
+            <a:off x="4138550" y="2324100"/>
+            <a:ext cx="321625" cy="3276600"/>
+          </a:xfrm>
+          <a:prstGeom prst="bentConnector3">
+            <a:avLst/>
+          </a:prstGeom>
+          <a:ln w="38100">
+            <a:solidFill>
+              <a:schemeClr val="tx1"/>
+            </a:solidFill>
+            <a:headEnd type="none" w="med" len="med"/>
+            <a:tailEnd type="triangle" w="med" len="med"/>
+          </a:ln>
+        </p:spPr>
+        <p:style>
+          <a:lnRef idx="1">
+            <a:schemeClr val="accent1"/>
+          </a:lnRef>
+          <a:fillRef idx="0">
+            <a:schemeClr val="accent1"/>
+          </a:fillRef>
+          <a:effectRef idx="0">
+            <a:schemeClr val="accent1"/>
+          </a:effectRef>
+          <a:fontRef idx="minor">
+            <a:schemeClr val="tx1"/>
+          </a:fontRef>
+        </p:style>
+      </p:cxnSp>
+      <p:sp>
+        <p:nvSpPr>
+          <p:cNvPr id="31" name="Flowchart: Alternate Process 30"/>
+          <p:cNvSpPr/>
+          <p:nvPr/>
+        </p:nvSpPr>
+        <p:spPr>
+          <a:xfrm>
+            <a:off x="6746175" y="1828800"/>
+            <a:ext cx="1600200" cy="990600"/>
+          </a:xfrm>
+          <a:prstGeom prst="flowChartAlternateProcess">
+            <a:avLst/>
+          </a:prstGeom>
+        </p:spPr>
+        <p:style>
+          <a:lnRef idx="2">
+            <a:schemeClr val="accent1">
+              <a:shade val="50000"/>
+            </a:schemeClr>
+          </a:lnRef>
+          <a:fillRef idx="1">
+            <a:schemeClr val="accent1"/>
+          </a:fillRef>
+          <a:effectRef idx="0">
+            <a:schemeClr val="accent1"/>
+          </a:effectRef>
+          <a:fontRef idx="minor">
+            <a:schemeClr val="lt1"/>
+          </a:fontRef>
+        </p:style>
+        <p:txBody>
+          <a:bodyPr rtlCol="0" anchor="ctr"/>
+          <a:lstStyle/>
+          <a:p>
+            <a:pPr algn="ctr"/>
+            <a:r>
+              <a:rPr lang="en-US" sz="1400" dirty="0" smtClean="0"/>
+              <a:t>Transform </a:t>
+            </a:r>
+            <a:r>
+              <a:rPr lang="en-US" sz="1400" dirty="0" err="1" smtClean="0"/>
+              <a:t>RVFMessage</a:t>
+            </a:r>
+            <a:r>
+              <a:rPr lang="en-US" sz="1400" dirty="0" smtClean="0"/>
+              <a:t> and pass to next higher level</a:t>
+            </a:r>
+            <a:endParaRPr lang="en-US" sz="1400" dirty="0"/>
+          </a:p>
+        </p:txBody>
+      </p:sp>
+      <p:cxnSp>
+        <p:nvCxnSpPr>
+          <p:cNvPr id="33" name="Straight Arrow Connector 32"/>
+          <p:cNvCxnSpPr>
+            <a:stCxn id="28" idx="3"/>
+            <a:endCxn id="31" idx="1"/>
+          </p:cNvCxnSpPr>
+          <p:nvPr/>
+        </p:nvCxnSpPr>
+        <p:spPr>
+          <a:xfrm>
+            <a:off x="6288975" y="2324100"/>
+            <a:ext cx="457200" cy="0"/>
+          </a:xfrm>
+          <a:prstGeom prst="straightConnector1">
+            <a:avLst/>
+          </a:prstGeom>
+          <a:ln w="38100">
+            <a:solidFill>
+              <a:schemeClr val="tx1"/>
+            </a:solidFill>
+            <a:headEnd type="none" w="med" len="med"/>
+            <a:tailEnd type="triangle" w="med" len="med"/>
+          </a:ln>
+        </p:spPr>
+        <p:style>
+          <a:lnRef idx="1">
+            <a:schemeClr val="accent1"/>
+          </a:lnRef>
+          <a:fillRef idx="0">
+            <a:schemeClr val="accent1"/>
+          </a:fillRef>
+          <a:effectRef idx="0">
+            <a:schemeClr val="accent1"/>
+          </a:effectRef>
+          <a:fontRef idx="minor">
+            <a:schemeClr val="tx1"/>
+          </a:fontRef>
+        </p:style>
+      </p:cxnSp>
+      <p:sp>
+        <p:nvSpPr>
+          <p:cNvPr id="34" name="TextBox 33"/>
+          <p:cNvSpPr txBox="1"/>
+          <p:nvPr/>
+        </p:nvSpPr>
+        <p:spPr>
+          <a:xfrm>
+            <a:off x="838200" y="4114800"/>
+            <a:ext cx="533400" cy="246221"/>
+          </a:xfrm>
+          <a:prstGeom prst="rect">
+            <a:avLst/>
+          </a:prstGeom>
+          <a:noFill/>
+        </p:spPr>
+        <p:txBody>
+          <a:bodyPr wrap="square" rtlCol="0">
+            <a:spAutoFit/>
+          </a:bodyPr>
+          <a:lstStyle/>
+          <a:p>
+            <a:r>
+              <a:rPr lang="en-US" sz="1000" dirty="0" smtClean="0"/>
+              <a:t>NO</a:t>
+            </a:r>
+            <a:endParaRPr lang="en-US" sz="1000" dirty="0"/>
+          </a:p>
+        </p:txBody>
+      </p:sp>
+      <p:sp>
+        <p:nvSpPr>
+          <p:cNvPr id="35" name="TextBox 34"/>
+          <p:cNvSpPr txBox="1"/>
+          <p:nvPr/>
+        </p:nvSpPr>
+        <p:spPr>
+          <a:xfrm>
+            <a:off x="4612575" y="2924889"/>
+            <a:ext cx="533400" cy="246221"/>
+          </a:xfrm>
+          <a:prstGeom prst="rect">
+            <a:avLst/>
+          </a:prstGeom>
+          <a:noFill/>
+        </p:spPr>
+        <p:txBody>
+          <a:bodyPr wrap="square" rtlCol="0">
+            <a:spAutoFit/>
+          </a:bodyPr>
+          <a:lstStyle/>
+          <a:p>
+            <a:r>
+              <a:rPr lang="en-US" sz="1000" dirty="0" smtClean="0"/>
+              <a:t>YES</a:t>
+            </a:r>
+            <a:endParaRPr lang="en-US" sz="1000" dirty="0"/>
+          </a:p>
+        </p:txBody>
+      </p:sp>
+      <p:sp>
+        <p:nvSpPr>
+          <p:cNvPr id="36" name="TextBox 35"/>
+          <p:cNvSpPr txBox="1"/>
+          <p:nvPr/>
+        </p:nvSpPr>
+        <p:spPr>
+          <a:xfrm>
+            <a:off x="6212775" y="2057400"/>
+            <a:ext cx="533400" cy="246221"/>
+          </a:xfrm>
+          <a:prstGeom prst="rect">
+            <a:avLst/>
+          </a:prstGeom>
+          <a:noFill/>
+        </p:spPr>
+        <p:txBody>
+          <a:bodyPr wrap="square" rtlCol="0">
+            <a:spAutoFit/>
+          </a:bodyPr>
+          <a:lstStyle/>
+          <a:p>
+            <a:r>
+              <a:rPr lang="en-US" sz="1000" dirty="0" smtClean="0"/>
+              <a:t>NO</a:t>
+            </a:r>
+            <a:endParaRPr lang="en-US" sz="1000" dirty="0"/>
+          </a:p>
+        </p:txBody>
+      </p:sp>
+      <p:sp>
+        <p:nvSpPr>
+          <p:cNvPr id="37" name="Flowchart: Alternate Process 36"/>
+          <p:cNvSpPr/>
+          <p:nvPr/>
+        </p:nvSpPr>
+        <p:spPr>
+          <a:xfrm>
+            <a:off x="4653150" y="3171110"/>
+            <a:ext cx="1447800" cy="1667590"/>
+          </a:xfrm>
+          <a:prstGeom prst="flowChartAlternateProcess">
+            <a:avLst/>
+          </a:prstGeom>
+        </p:spPr>
+        <p:style>
+          <a:lnRef idx="2">
+            <a:schemeClr val="accent1">
+              <a:shade val="50000"/>
+            </a:schemeClr>
+          </a:lnRef>
+          <a:fillRef idx="1">
+            <a:schemeClr val="accent1"/>
+          </a:fillRef>
+          <a:effectRef idx="0">
+            <a:schemeClr val="accent1"/>
+          </a:effectRef>
+          <a:fontRef idx="minor">
+            <a:schemeClr val="lt1"/>
+          </a:fontRef>
+        </p:style>
+        <p:txBody>
+          <a:bodyPr rtlCol="0" anchor="ctr"/>
+          <a:lstStyle/>
+          <a:p>
+            <a:pPr algn="ctr"/>
+            <a:r>
+              <a:rPr lang="en-US" sz="1400" dirty="0" smtClean="0"/>
+              <a:t>Transform </a:t>
+            </a:r>
+            <a:r>
+              <a:rPr lang="en-US" sz="1400" dirty="0" err="1" smtClean="0"/>
+              <a:t>RVFMessage</a:t>
+            </a:r>
+            <a:r>
+              <a:rPr lang="en-US" sz="1400" dirty="0" smtClean="0"/>
+              <a:t> into HW Controller sequences and apply to HWIF</a:t>
+            </a:r>
+            <a:endParaRPr lang="en-US" sz="1400" dirty="0"/>
+          </a:p>
+        </p:txBody>
+      </p:sp>
+      <p:cxnSp>
+        <p:nvCxnSpPr>
+          <p:cNvPr id="38" name="Straight Arrow Connector 37"/>
+          <p:cNvCxnSpPr>
+            <a:stCxn id="28" idx="2"/>
+            <a:endCxn id="37" idx="0"/>
+          </p:cNvCxnSpPr>
+          <p:nvPr/>
+        </p:nvCxnSpPr>
+        <p:spPr>
+          <a:xfrm>
+            <a:off x="5374575" y="2819400"/>
+            <a:ext cx="2475" cy="351710"/>
+          </a:xfrm>
+          <a:prstGeom prst="straightConnector1">
+            <a:avLst/>
+          </a:prstGeom>
+          <a:ln w="38100">
+            <a:solidFill>
+              <a:schemeClr val="tx1"/>
+            </a:solidFill>
+            <a:headEnd type="none" w="med" len="med"/>
+            <a:tailEnd type="triangle" w="med" len="med"/>
+          </a:ln>
+        </p:spPr>
+        <p:style>
+          <a:lnRef idx="1">
+            <a:schemeClr val="accent1"/>
+          </a:lnRef>
+          <a:fillRef idx="0">
+            <a:schemeClr val="accent1"/>
+          </a:fillRef>
+          <a:effectRef idx="0">
+            <a:schemeClr val="accent1"/>
+          </a:effectRef>
+          <a:fontRef idx="minor">
+            <a:schemeClr val="tx1"/>
+          </a:fontRef>
+        </p:style>
+      </p:cxnSp>
+      <p:sp>
+        <p:nvSpPr>
+          <p:cNvPr id="45" name="Flowchart: Alternate Process 44"/>
+          <p:cNvSpPr/>
+          <p:nvPr/>
+        </p:nvSpPr>
+        <p:spPr>
+          <a:xfrm>
+            <a:off x="4419600" y="5181600"/>
+            <a:ext cx="1905000" cy="1143000"/>
+          </a:xfrm>
+          <a:prstGeom prst="flowChartAlternateProcess">
+            <a:avLst/>
+          </a:prstGeom>
+        </p:spPr>
+        <p:style>
+          <a:lnRef idx="2">
+            <a:schemeClr val="accent1">
+              <a:shade val="50000"/>
+            </a:schemeClr>
+          </a:lnRef>
+          <a:fillRef idx="1">
+            <a:schemeClr val="accent1"/>
+          </a:fillRef>
+          <a:effectRef idx="0">
+            <a:schemeClr val="accent1"/>
+          </a:effectRef>
+          <a:fontRef idx="minor">
+            <a:schemeClr val="lt1"/>
+          </a:fontRef>
+        </p:style>
+        <p:txBody>
+          <a:bodyPr rtlCol="0" anchor="ctr"/>
+          <a:lstStyle/>
+          <a:p>
+            <a:pPr algn="ctr"/>
+            <a:r>
+              <a:rPr lang="en-US" sz="1400" dirty="0" smtClean="0"/>
+              <a:t>Create </a:t>
+            </a:r>
+            <a:r>
+              <a:rPr lang="en-US" sz="1400" dirty="0" err="1" smtClean="0"/>
+              <a:t>RVFMessage</a:t>
+            </a:r>
+            <a:r>
+              <a:rPr lang="en-US" sz="1400" dirty="0" smtClean="0"/>
+              <a:t> Response from HWIF response and return Response to requester</a:t>
+            </a:r>
+            <a:endParaRPr lang="en-US" sz="1400" dirty="0"/>
+          </a:p>
+        </p:txBody>
+      </p:sp>
+      <p:cxnSp>
+        <p:nvCxnSpPr>
+          <p:cNvPr id="46" name="Straight Arrow Connector 45"/>
+          <p:cNvCxnSpPr>
+            <a:stCxn id="37" idx="2"/>
+            <a:endCxn id="45" idx="0"/>
+          </p:cNvCxnSpPr>
+          <p:nvPr/>
+        </p:nvCxnSpPr>
+        <p:spPr>
+          <a:xfrm flipH="1">
+            <a:off x="5372100" y="4838700"/>
+            <a:ext cx="4950" cy="342900"/>
+          </a:xfrm>
+          <a:prstGeom prst="straightConnector1">
+            <a:avLst/>
+          </a:prstGeom>
+          <a:ln w="38100">
+            <a:solidFill>
+              <a:schemeClr val="tx1"/>
+            </a:solidFill>
+            <a:headEnd type="none" w="med" len="med"/>
+            <a:tailEnd type="triangle" w="med" len="med"/>
+          </a:ln>
+        </p:spPr>
+        <p:style>
+          <a:lnRef idx="1">
+            <a:schemeClr val="accent1"/>
+          </a:lnRef>
+          <a:fillRef idx="0">
+            <a:schemeClr val="accent1"/>
+          </a:fillRef>
+          <a:effectRef idx="0">
+            <a:schemeClr val="accent1"/>
+          </a:effectRef>
+          <a:fontRef idx="minor">
+            <a:schemeClr val="tx1"/>
+          </a:fontRef>
+        </p:style>
+      </p:cxnSp>
+      <p:sp>
+        <p:nvSpPr>
+          <p:cNvPr id="49" name="Flowchart: Decision 48"/>
+          <p:cNvSpPr/>
+          <p:nvPr/>
+        </p:nvSpPr>
+        <p:spPr>
+          <a:xfrm>
+            <a:off x="6593775" y="2932709"/>
+            <a:ext cx="1775361" cy="1239982"/>
+          </a:xfrm>
+          <a:prstGeom prst="flowChartDecision">
+            <a:avLst/>
+          </a:prstGeom>
+          <a:solidFill>
+            <a:schemeClr val="accent3"/>
+          </a:solidFill>
+          <a:ln>
+            <a:solidFill>
+              <a:schemeClr val="tx1"/>
+            </a:solidFill>
+          </a:ln>
+        </p:spPr>
+        <p:style>
+          <a:lnRef idx="2">
+            <a:schemeClr val="accent1">
+              <a:shade val="50000"/>
+            </a:schemeClr>
+          </a:lnRef>
+          <a:fillRef idx="1">
+            <a:schemeClr val="accent1"/>
+          </a:fillRef>
+          <a:effectRef idx="0">
+            <a:schemeClr val="accent1"/>
+          </a:effectRef>
+          <a:fontRef idx="minor">
+            <a:schemeClr val="lt1"/>
+          </a:fontRef>
+        </p:style>
+        <p:txBody>
+          <a:bodyPr rtlCol="0" anchor="ctr"/>
+          <a:lstStyle/>
+          <a:p>
+            <a:pPr algn="ctr"/>
+            <a:r>
+              <a:rPr lang="en-US" sz="1200" dirty="0" smtClean="0">
+                <a:solidFill>
+                  <a:schemeClr val="tx1"/>
+                </a:solidFill>
+              </a:rPr>
+              <a:t>Is Node command request node</a:t>
+            </a:r>
+          </a:p>
+          <a:p>
+            <a:pPr algn="ctr"/>
+            <a:r>
+              <a:rPr lang="en-US" sz="1200" dirty="0" smtClean="0">
+                <a:solidFill>
+                  <a:schemeClr val="tx1"/>
+                </a:solidFill>
+              </a:rPr>
+              <a:t>?</a:t>
+            </a:r>
+          </a:p>
+        </p:txBody>
+      </p:sp>
+      <p:cxnSp>
+        <p:nvCxnSpPr>
+          <p:cNvPr id="51" name="Elbow Connector 50"/>
+          <p:cNvCxnSpPr>
+            <a:stCxn id="45" idx="3"/>
+            <a:endCxn id="49" idx="1"/>
+          </p:cNvCxnSpPr>
+          <p:nvPr/>
+        </p:nvCxnSpPr>
+        <p:spPr>
+          <a:xfrm flipV="1">
+            <a:off x="6324600" y="3552700"/>
+            <a:ext cx="269175" cy="2200400"/>
+          </a:xfrm>
+          <a:prstGeom prst="bentConnector3">
+            <a:avLst/>
+          </a:prstGeom>
+          <a:ln w="38100">
+            <a:solidFill>
+              <a:schemeClr val="tx1"/>
+            </a:solidFill>
+            <a:headEnd type="none" w="med" len="med"/>
+            <a:tailEnd type="triangle" w="med" len="med"/>
+          </a:ln>
+        </p:spPr>
+        <p:style>
+          <a:lnRef idx="1">
+            <a:schemeClr val="accent1"/>
+          </a:lnRef>
+          <a:fillRef idx="0">
+            <a:schemeClr val="accent1"/>
+          </a:fillRef>
+          <a:effectRef idx="0">
+            <a:schemeClr val="accent1"/>
+          </a:effectRef>
+          <a:fontRef idx="minor">
+            <a:schemeClr val="tx1"/>
+          </a:fontRef>
+        </p:style>
+      </p:cxnSp>
+      <p:sp>
+        <p:nvSpPr>
+          <p:cNvPr id="58" name="Flowchart: Alternate Process 57"/>
+          <p:cNvSpPr/>
+          <p:nvPr/>
+        </p:nvSpPr>
+        <p:spPr>
+          <a:xfrm>
+            <a:off x="6593774" y="5219700"/>
+            <a:ext cx="1559625" cy="1333500"/>
+          </a:xfrm>
+          <a:prstGeom prst="flowChartAlternateProcess">
+            <a:avLst/>
+          </a:prstGeom>
+        </p:spPr>
+        <p:style>
+          <a:lnRef idx="2">
+            <a:schemeClr val="accent1">
+              <a:shade val="50000"/>
+            </a:schemeClr>
+          </a:lnRef>
+          <a:fillRef idx="1">
+            <a:schemeClr val="accent1"/>
+          </a:fillRef>
+          <a:effectRef idx="0">
+            <a:schemeClr val="accent1"/>
+          </a:effectRef>
+          <a:fontRef idx="minor">
+            <a:schemeClr val="lt1"/>
+          </a:fontRef>
+        </p:style>
+        <p:txBody>
+          <a:bodyPr rtlCol="0" anchor="ctr"/>
+          <a:lstStyle/>
+          <a:p>
+            <a:pPr algn="ctr"/>
+            <a:r>
+              <a:rPr lang="en-US" sz="1400" dirty="0" smtClean="0"/>
+              <a:t>Create </a:t>
+            </a:r>
+            <a:r>
+              <a:rPr lang="en-US" sz="1400" dirty="0" err="1" smtClean="0"/>
+              <a:t>RVFCommand</a:t>
+            </a:r>
+            <a:r>
+              <a:rPr lang="en-US" sz="1400" dirty="0" smtClean="0"/>
+              <a:t> response and return response to command application</a:t>
+            </a:r>
+            <a:endParaRPr lang="en-US" sz="1400" dirty="0"/>
+          </a:p>
+        </p:txBody>
+      </p:sp>
+      <p:cxnSp>
+        <p:nvCxnSpPr>
+          <p:cNvPr id="60" name="Elbow Connector 59"/>
+          <p:cNvCxnSpPr>
+            <a:stCxn id="49" idx="2"/>
+            <a:endCxn id="58" idx="0"/>
+          </p:cNvCxnSpPr>
+          <p:nvPr/>
+        </p:nvCxnSpPr>
+        <p:spPr>
+          <a:xfrm rot="5400000">
+            <a:off x="6904018" y="4642261"/>
+            <a:ext cx="1047009" cy="107869"/>
+          </a:xfrm>
+          <a:prstGeom prst="bentConnector3">
+            <a:avLst/>
+          </a:prstGeom>
+          <a:ln w="38100">
+            <a:solidFill>
+              <a:schemeClr val="tx1"/>
+            </a:solidFill>
+            <a:headEnd type="none" w="med" len="med"/>
+            <a:tailEnd type="triangle" w="med" len="med"/>
+          </a:ln>
+        </p:spPr>
+        <p:style>
+          <a:lnRef idx="1">
+            <a:schemeClr val="accent1"/>
+          </a:lnRef>
+          <a:fillRef idx="0">
+            <a:schemeClr val="accent1"/>
+          </a:fillRef>
+          <a:effectRef idx="0">
+            <a:schemeClr val="accent1"/>
+          </a:effectRef>
+          <a:fontRef idx="minor">
+            <a:schemeClr val="tx1"/>
+          </a:fontRef>
+        </p:style>
+      </p:cxnSp>
+      <p:sp>
+        <p:nvSpPr>
+          <p:cNvPr id="61" name="TextBox 60"/>
+          <p:cNvSpPr txBox="1"/>
+          <p:nvPr/>
+        </p:nvSpPr>
+        <p:spPr>
+          <a:xfrm>
+            <a:off x="6822375" y="4249579"/>
+            <a:ext cx="533400" cy="246221"/>
+          </a:xfrm>
+          <a:prstGeom prst="rect">
+            <a:avLst/>
+          </a:prstGeom>
+          <a:noFill/>
+        </p:spPr>
+        <p:txBody>
+          <a:bodyPr wrap="square" rtlCol="0">
+            <a:spAutoFit/>
+          </a:bodyPr>
+          <a:lstStyle/>
+          <a:p>
+            <a:r>
+              <a:rPr lang="en-US" sz="1000" dirty="0" smtClean="0"/>
+              <a:t>YES</a:t>
+            </a:r>
+            <a:endParaRPr lang="en-US" sz="1000" dirty="0"/>
+          </a:p>
+        </p:txBody>
+      </p:sp>
+      <p:sp>
+        <p:nvSpPr>
+          <p:cNvPr id="62" name="Flowchart: Alternate Process 61"/>
+          <p:cNvSpPr/>
+          <p:nvPr/>
+        </p:nvSpPr>
+        <p:spPr>
+          <a:xfrm>
+            <a:off x="7696201" y="4166753"/>
+            <a:ext cx="1371598" cy="843397"/>
+          </a:xfrm>
+          <a:prstGeom prst="flowChartAlternateProcess">
+            <a:avLst/>
+          </a:prstGeom>
+        </p:spPr>
+        <p:style>
+          <a:lnRef idx="2">
+            <a:schemeClr val="accent1">
+              <a:shade val="50000"/>
+            </a:schemeClr>
+          </a:lnRef>
+          <a:fillRef idx="1">
+            <a:schemeClr val="accent1"/>
+          </a:fillRef>
+          <a:effectRef idx="0">
+            <a:schemeClr val="accent1"/>
+          </a:effectRef>
+          <a:fontRef idx="minor">
+            <a:schemeClr val="lt1"/>
+          </a:fontRef>
+        </p:style>
+        <p:txBody>
+          <a:bodyPr rtlCol="0" anchor="ctr"/>
+          <a:lstStyle/>
+          <a:p>
+            <a:pPr algn="ctr"/>
+            <a:r>
+              <a:rPr lang="en-US" sz="1400" dirty="0" smtClean="0"/>
+              <a:t>Send </a:t>
+            </a:r>
+            <a:r>
+              <a:rPr lang="en-US" sz="1400" dirty="0" err="1" smtClean="0"/>
+              <a:t>RVFMessage</a:t>
+            </a:r>
+            <a:r>
+              <a:rPr lang="en-US" sz="1400" dirty="0" smtClean="0"/>
+              <a:t> to next lowest level</a:t>
+            </a:r>
+            <a:endParaRPr lang="en-US" sz="1400" dirty="0"/>
+          </a:p>
+        </p:txBody>
+      </p:sp>
+      <p:cxnSp>
+        <p:nvCxnSpPr>
+          <p:cNvPr id="64" name="Elbow Connector 63"/>
+          <p:cNvCxnSpPr>
+            <a:stCxn id="49" idx="3"/>
+            <a:endCxn id="62" idx="0"/>
+          </p:cNvCxnSpPr>
+          <p:nvPr/>
+        </p:nvCxnSpPr>
+        <p:spPr>
+          <a:xfrm>
+            <a:off x="8369136" y="3552700"/>
+            <a:ext cx="12864" cy="614053"/>
+          </a:xfrm>
+          <a:prstGeom prst="bentConnector2">
+            <a:avLst/>
+          </a:prstGeom>
+          <a:ln w="38100">
+            <a:solidFill>
+              <a:schemeClr val="tx1"/>
+            </a:solidFill>
+            <a:headEnd type="none" w="med" len="med"/>
+            <a:tailEnd type="triangle" w="med" len="med"/>
+          </a:ln>
+        </p:spPr>
+        <p:style>
+          <a:lnRef idx="1">
+            <a:schemeClr val="accent1"/>
+          </a:lnRef>
+          <a:fillRef idx="0">
+            <a:schemeClr val="accent1"/>
+          </a:fillRef>
+          <a:effectRef idx="0">
+            <a:schemeClr val="accent1"/>
+          </a:effectRef>
+          <a:fontRef idx="minor">
+            <a:schemeClr val="tx1"/>
+          </a:fontRef>
+        </p:style>
+      </p:cxnSp>
+      <p:sp>
+        <p:nvSpPr>
+          <p:cNvPr id="70" name="TextBox 69"/>
+          <p:cNvSpPr txBox="1"/>
+          <p:nvPr/>
+        </p:nvSpPr>
+        <p:spPr>
+          <a:xfrm>
+            <a:off x="8382000" y="3716179"/>
+            <a:ext cx="533400" cy="246221"/>
+          </a:xfrm>
+          <a:prstGeom prst="rect">
+            <a:avLst/>
+          </a:prstGeom>
+          <a:noFill/>
+        </p:spPr>
+        <p:txBody>
+          <a:bodyPr wrap="square" rtlCol="0">
+            <a:spAutoFit/>
+          </a:bodyPr>
+          <a:lstStyle/>
+          <a:p>
+            <a:r>
+              <a:rPr lang="en-US" sz="1000" dirty="0" smtClean="0"/>
+              <a:t>NO</a:t>
+            </a:r>
+            <a:endParaRPr lang="en-US" sz="1000" dirty="0"/>
+          </a:p>
+        </p:txBody>
+      </p:sp>
+    </p:spTree>
+    <p:extLst>
+      <p:ext uri="{BB962C8B-B14F-4D97-AF65-F5344CB8AC3E}">
+        <p14:creationId xmlns:p14="http://schemas.microsoft.com/office/powerpoint/2010/main" val="1113837955"/>
+      </p:ext>
+    </p:extLst>
+  </p:cSld>
+  <p:clrMapOvr>
+    <a:masterClrMapping/>
+  </p:clrMapOvr>
+</p:sld>
+</file>
+
 <file path=ppt/slides/slide2.xml><?xml version="1.0" encoding="utf-8"?>
 <p:sld xmlns:a="http://schemas.openxmlformats.org/drawingml/2006/main" xmlns:r="http://schemas.openxmlformats.org/officeDocument/2006/relationships" xmlns:p="http://schemas.openxmlformats.org/presentationml/2006/main">
   <p:cSld>
@@ -4103,15 +6713,7 @@
           <a:p>
             <a:r>
               <a:rPr lang="en-US" dirty="0" smtClean="0"/>
-              <a:t>“transfer module” is </a:t>
-            </a:r>
-            <a:r>
-              <a:rPr lang="en-US" dirty="0" smtClean="0"/>
-              <a:t>responsible </a:t>
-            </a:r>
-            <a:r>
-              <a:rPr lang="en-US" dirty="0" smtClean="0"/>
-              <a:t>for </a:t>
+              <a:t>“transfer module” is responsible for </a:t>
             </a:r>
             <a:r>
               <a:rPr lang="en-US" dirty="0" err="1" smtClean="0"/>
@@ -5515,23 +8117,7 @@
                   <a:schemeClr val="tx1"/>
                 </a:solidFill>
               </a:rPr>
-              <a:t> and calls appropriate transfer procedure </a:t>
-            </a:r>
-            <a:r>
-              <a:rPr lang="en-US" sz="1200" dirty="0" smtClean="0">
-                <a:solidFill>
-                  <a:schemeClr val="tx1"/>
-                </a:solidFill>
-              </a:rPr>
-              <a:t>associated </a:t>
-            </a:r>
-            <a:r>
-              <a:rPr lang="en-US" sz="1200" dirty="0" smtClean="0">
-                <a:solidFill>
-                  <a:schemeClr val="tx1"/>
-                </a:solidFill>
-              </a:rPr>
-              <a:t>with </a:t>
+              <a:t> and calls appropriate transfer procedure associated with </a:t>
             </a:r>
             <a:r>
               <a:rPr lang="en-US" sz="1200" dirty="0" err="1" smtClean="0">
@@ -6953,23 +9539,7 @@
                   <a:schemeClr val="tx1"/>
                 </a:solidFill>
               </a:rPr>
-              <a:t> and calls appropriate transfer procedure </a:t>
-            </a:r>
-            <a:r>
-              <a:rPr lang="en-US" sz="1200" dirty="0" smtClean="0">
-                <a:solidFill>
-                  <a:schemeClr val="tx1"/>
-                </a:solidFill>
-              </a:rPr>
-              <a:t>associated </a:t>
-            </a:r>
-            <a:r>
-              <a:rPr lang="en-US" sz="1200" dirty="0" smtClean="0">
-                <a:solidFill>
-                  <a:schemeClr val="tx1"/>
-                </a:solidFill>
-              </a:rPr>
-              <a:t>with </a:t>
+              <a:t> and calls appropriate transfer procedure associated with </a:t>
             </a:r>
             <a:r>
               <a:rPr lang="en-US" sz="1200" dirty="0" err="1" smtClean="0">
@@ -7478,11 +10048,7 @@
             <a:pPr algn="ctr"/>
             <a:r>
               <a:rPr lang="en-US" dirty="0" smtClean="0"/>
-              <a:t>Message2 </a:t>
-            </a:r>
-            <a:r>
-              <a:rPr lang="en-US" dirty="0" smtClean="0"/>
-              <a:t>Handler</a:t>
+              <a:t>Message2 Handler</a:t>
             </a:r>
             <a:endParaRPr lang="en-US" dirty="0"/>
           </a:p>
@@ -7526,11 +10092,7 @@
             <a:pPr algn="ctr"/>
             <a:r>
               <a:rPr lang="en-US" dirty="0" smtClean="0"/>
-              <a:t>Message3 </a:t>
-            </a:r>
-            <a:r>
-              <a:rPr lang="en-US" dirty="0" smtClean="0"/>
-              <a:t>Handler</a:t>
+              <a:t>Message3 Handler</a:t>
             </a:r>
             <a:endParaRPr lang="en-US" dirty="0"/>
           </a:p>
@@ -7739,6 +10301,82 @@
     <p:extLst>
       <p:ext uri="{BB962C8B-B14F-4D97-AF65-F5344CB8AC3E}">
         <p14:creationId xmlns:p14="http://schemas.microsoft.com/office/powerpoint/2010/main" val="3101782956"/>
+      </p:ext>
+    </p:extLst>
+  </p:cSld>
+  <p:clrMapOvr>
+    <a:masterClrMapping/>
+  </p:clrMapOvr>
+</p:sld>
+</file>
+
+<file path=ppt/slides/slide9.xml><?xml version="1.0" encoding="utf-8"?>
+<p:sld xmlns:a="http://schemas.openxmlformats.org/drawingml/2006/main" xmlns:r="http://schemas.openxmlformats.org/officeDocument/2006/relationships" xmlns:p="http://schemas.openxmlformats.org/presentationml/2006/main">
+  <p:cSld>
+    <p:spTree>
+      <p:nvGrpSpPr>
+        <p:cNvPr id="1" name=""/>
+        <p:cNvGrpSpPr/>
+        <p:nvPr/>
+      </p:nvGrpSpPr>
+      <p:grpSpPr>
+        <a:xfrm>
+          <a:off x="0" y="0"/>
+          <a:ext cx="0" cy="0"/>
+          <a:chOff x="0" y="0"/>
+          <a:chExt cx="0" cy="0"/>
+        </a:xfrm>
+      </p:grpSpPr>
+      <p:sp>
+        <p:nvSpPr>
+          <p:cNvPr id="3" name="Title 2"/>
+          <p:cNvSpPr>
+            <a:spLocks noGrp="1"/>
+          </p:cNvSpPr>
+          <p:nvPr>
+            <p:ph type="title"/>
+          </p:nvPr>
+        </p:nvSpPr>
+        <p:spPr/>
+        <p:txBody>
+          <a:bodyPr/>
+          <a:lstStyle/>
+          <a:p>
+            <a:r>
+              <a:rPr lang="en-US" dirty="0" smtClean="0"/>
+              <a:t>Additional Slides since 20210720</a:t>
+            </a:r>
+            <a:endParaRPr lang="en-US" dirty="0"/>
+          </a:p>
+        </p:txBody>
+      </p:sp>
+      <p:sp>
+        <p:nvSpPr>
+          <p:cNvPr id="4" name="Text Placeholder 3"/>
+          <p:cNvSpPr>
+            <a:spLocks noGrp="1"/>
+          </p:cNvSpPr>
+          <p:nvPr>
+            <p:ph type="body" idx="1"/>
+          </p:nvPr>
+        </p:nvSpPr>
+        <p:spPr/>
+        <p:txBody>
+          <a:bodyPr/>
+          <a:lstStyle/>
+          <a:p>
+            <a:r>
+              <a:rPr lang="en-US" dirty="0" smtClean="0"/>
+              <a:t>20210801 Content</a:t>
+            </a:r>
+            <a:endParaRPr lang="en-US" dirty="0"/>
+          </a:p>
+        </p:txBody>
+      </p:sp>
+    </p:spTree>
+    <p:extLst>
+      <p:ext uri="{BB962C8B-B14F-4D97-AF65-F5344CB8AC3E}">
+        <p14:creationId xmlns:p14="http://schemas.microsoft.com/office/powerpoint/2010/main" val="2551084929"/>
       </p:ext>
     </p:extLst>
   </p:cSld>

--- a/docs/MJBUnification20210720.pptx
+++ b/docs/MJBUnification20210720.pptx
@@ -317,7 +317,7 @@
           <a:p>
             <a:fld id="{66DB5DB1-C2D9-4EE3-9A9C-38A3A17F68D3}" type="datetimeFigureOut">
               <a:rPr lang="en-US" smtClean="0"/>
-              <a:t>8/1/2021</a:t>
+              <a:t>8/2/2021</a:t>
             </a:fld>
             <a:endParaRPr lang="en-US"/>
           </a:p>
@@ -490,7 +490,7 @@
           <a:p>
             <a:fld id="{66DB5DB1-C2D9-4EE3-9A9C-38A3A17F68D3}" type="datetimeFigureOut">
               <a:rPr lang="en-US" smtClean="0"/>
-              <a:t>8/1/2021</a:t>
+              <a:t>8/2/2021</a:t>
             </a:fld>
             <a:endParaRPr lang="en-US"/>
           </a:p>
@@ -715,7 +715,7 @@
           <a:p>
             <a:fld id="{66DB5DB1-C2D9-4EE3-9A9C-38A3A17F68D3}" type="datetimeFigureOut">
               <a:rPr lang="en-US" smtClean="0"/>
-              <a:t>8/1/2021</a:t>
+              <a:t>8/2/2021</a:t>
             </a:fld>
             <a:endParaRPr lang="en-US"/>
           </a:p>
@@ -864,7 +864,7 @@
           <a:p>
             <a:fld id="{66DB5DB1-C2D9-4EE3-9A9C-38A3A17F68D3}" type="datetimeFigureOut">
               <a:rPr lang="en-US" smtClean="0"/>
-              <a:t>8/1/2021</a:t>
+              <a:t>8/2/2021</a:t>
             </a:fld>
             <a:endParaRPr lang="en-US"/>
           </a:p>
@@ -1335,7 +1335,7 @@
           <a:p>
             <a:fld id="{66DB5DB1-C2D9-4EE3-9A9C-38A3A17F68D3}" type="datetimeFigureOut">
               <a:rPr lang="en-US" smtClean="0"/>
-              <a:t>8/1/2021</a:t>
+              <a:t>8/2/2021</a:t>
             </a:fld>
             <a:endParaRPr lang="en-US"/>
           </a:p>
@@ -1499,7 +1499,7 @@
           <a:p>
             <a:fld id="{66DB5DB1-C2D9-4EE3-9A9C-38A3A17F68D3}" type="datetimeFigureOut">
               <a:rPr lang="en-US" smtClean="0"/>
-              <a:t>8/1/2021</a:t>
+              <a:t>8/2/2021</a:t>
             </a:fld>
             <a:endParaRPr lang="en-US"/>
           </a:p>
@@ -1971,7 +1971,7 @@
           <a:p>
             <a:fld id="{66DB5DB1-C2D9-4EE3-9A9C-38A3A17F68D3}" type="datetimeFigureOut">
               <a:rPr lang="en-US" smtClean="0"/>
-              <a:t>8/1/2021</a:t>
+              <a:t>8/2/2021</a:t>
             </a:fld>
             <a:endParaRPr lang="en-US"/>
           </a:p>
@@ -2092,7 +2092,7 @@
           <a:p>
             <a:fld id="{66DB5DB1-C2D9-4EE3-9A9C-38A3A17F68D3}" type="datetimeFigureOut">
               <a:rPr lang="en-US" smtClean="0"/>
-              <a:t>8/1/2021</a:t>
+              <a:t>8/2/2021</a:t>
             </a:fld>
             <a:endParaRPr lang="en-US"/>
           </a:p>
@@ -2190,7 +2190,7 @@
           <a:p>
             <a:fld id="{66DB5DB1-C2D9-4EE3-9A9C-38A3A17F68D3}" type="datetimeFigureOut">
               <a:rPr lang="en-US" smtClean="0"/>
-              <a:t>8/1/2021</a:t>
+              <a:t>8/2/2021</a:t>
             </a:fld>
             <a:endParaRPr lang="en-US"/>
           </a:p>
@@ -2486,7 +2486,7 @@
           <a:p>
             <a:fld id="{66DB5DB1-C2D9-4EE3-9A9C-38A3A17F68D3}" type="datetimeFigureOut">
               <a:rPr lang="en-US" smtClean="0"/>
-              <a:t>8/1/2021</a:t>
+              <a:t>8/2/2021</a:t>
             </a:fld>
             <a:endParaRPr lang="en-US"/>
           </a:p>
@@ -2721,7 +2721,7 @@
           <a:p>
             <a:fld id="{66DB5DB1-C2D9-4EE3-9A9C-38A3A17F68D3}" type="datetimeFigureOut">
               <a:rPr lang="en-US" smtClean="0"/>
-              <a:t>8/1/2021</a:t>
+              <a:t>8/2/2021</a:t>
             </a:fld>
             <a:endParaRPr lang="en-US"/>
           </a:p>
@@ -3193,7 +3193,7 @@
           <a:p>
             <a:fld id="{66DB5DB1-C2D9-4EE3-9A9C-38A3A17F68D3}" type="datetimeFigureOut">
               <a:rPr lang="en-US" smtClean="0"/>
-              <a:t>8/1/2021</a:t>
+              <a:t>8/2/2021</a:t>
             </a:fld>
             <a:endParaRPr lang="en-US"/>
           </a:p>
@@ -4738,6 +4738,350 @@
           </a:p>
         </p:txBody>
       </p:sp>
+      <p:sp>
+        <p:nvSpPr>
+          <p:cNvPr id="2" name="Flowchart: Magnetic Disk 1"/>
+          <p:cNvSpPr/>
+          <p:nvPr/>
+        </p:nvSpPr>
+        <p:spPr>
+          <a:xfrm>
+            <a:off x="2379562" y="1502300"/>
+            <a:ext cx="838200" cy="728246"/>
+          </a:xfrm>
+          <a:prstGeom prst="flowChartMagneticDisk">
+            <a:avLst/>
+          </a:prstGeom>
+        </p:spPr>
+        <p:style>
+          <a:lnRef idx="2">
+            <a:schemeClr val="accent1">
+              <a:shade val="50000"/>
+            </a:schemeClr>
+          </a:lnRef>
+          <a:fillRef idx="1">
+            <a:schemeClr val="accent1"/>
+          </a:fillRef>
+          <a:effectRef idx="0">
+            <a:schemeClr val="accent1"/>
+          </a:effectRef>
+          <a:fontRef idx="minor">
+            <a:schemeClr val="lt1"/>
+          </a:fontRef>
+        </p:style>
+        <p:txBody>
+          <a:bodyPr rtlCol="0" anchor="ctr"/>
+          <a:lstStyle/>
+          <a:p>
+            <a:pPr algn="ctr"/>
+            <a:r>
+              <a:rPr lang="en-US" sz="1200" dirty="0" smtClean="0"/>
+              <a:t>Injection Library</a:t>
+            </a:r>
+            <a:endParaRPr lang="en-US" sz="1200" dirty="0"/>
+          </a:p>
+        </p:txBody>
+      </p:sp>
+      <p:sp>
+        <p:nvSpPr>
+          <p:cNvPr id="36" name="Flowchart: Magnetic Disk 35"/>
+          <p:cNvSpPr/>
+          <p:nvPr/>
+        </p:nvSpPr>
+        <p:spPr>
+          <a:xfrm>
+            <a:off x="5943600" y="1502300"/>
+            <a:ext cx="838200" cy="728246"/>
+          </a:xfrm>
+          <a:prstGeom prst="flowChartMagneticDisk">
+            <a:avLst/>
+          </a:prstGeom>
+        </p:spPr>
+        <p:style>
+          <a:lnRef idx="2">
+            <a:schemeClr val="accent1">
+              <a:shade val="50000"/>
+            </a:schemeClr>
+          </a:lnRef>
+          <a:fillRef idx="1">
+            <a:schemeClr val="accent1"/>
+          </a:fillRef>
+          <a:effectRef idx="0">
+            <a:schemeClr val="accent1"/>
+          </a:effectRef>
+          <a:fontRef idx="minor">
+            <a:schemeClr val="lt1"/>
+          </a:fontRef>
+        </p:style>
+        <p:txBody>
+          <a:bodyPr rtlCol="0" anchor="ctr"/>
+          <a:lstStyle/>
+          <a:p>
+            <a:pPr algn="ctr"/>
+            <a:r>
+              <a:rPr lang="en-US" sz="1200" dirty="0" smtClean="0"/>
+              <a:t>Injection Library</a:t>
+            </a:r>
+            <a:endParaRPr lang="en-US" sz="1200" dirty="0"/>
+          </a:p>
+        </p:txBody>
+      </p:sp>
+      <p:cxnSp>
+        <p:nvCxnSpPr>
+          <p:cNvPr id="11" name="Elbow Connector 10"/>
+          <p:cNvCxnSpPr>
+            <a:stCxn id="2" idx="3"/>
+            <a:endCxn id="5" idx="0"/>
+          </p:cNvCxnSpPr>
+          <p:nvPr/>
+        </p:nvCxnSpPr>
+        <p:spPr>
+          <a:xfrm rot="5400000">
+            <a:off x="2590804" y="2382942"/>
+            <a:ext cx="360254" cy="55462"/>
+          </a:xfrm>
+          <a:prstGeom prst="bentConnector3">
+            <a:avLst/>
+          </a:prstGeom>
+          <a:ln w="38100">
+            <a:solidFill>
+              <a:schemeClr val="tx1"/>
+            </a:solidFill>
+            <a:headEnd type="triangle" w="med" len="med"/>
+            <a:tailEnd type="triangle" w="med" len="med"/>
+          </a:ln>
+        </p:spPr>
+        <p:style>
+          <a:lnRef idx="1">
+            <a:schemeClr val="accent1"/>
+          </a:lnRef>
+          <a:fillRef idx="0">
+            <a:schemeClr val="accent1"/>
+          </a:fillRef>
+          <a:effectRef idx="0">
+            <a:schemeClr val="accent1"/>
+          </a:effectRef>
+          <a:fontRef idx="minor">
+            <a:schemeClr val="tx1"/>
+          </a:fontRef>
+        </p:style>
+      </p:cxnSp>
+      <p:cxnSp>
+        <p:nvCxnSpPr>
+          <p:cNvPr id="38" name="Elbow Connector 37"/>
+          <p:cNvCxnSpPr>
+            <a:stCxn id="36" idx="3"/>
+            <a:endCxn id="8" idx="0"/>
+          </p:cNvCxnSpPr>
+          <p:nvPr/>
+        </p:nvCxnSpPr>
+        <p:spPr>
+          <a:xfrm rot="5400000">
+            <a:off x="6108546" y="2370400"/>
+            <a:ext cx="394008" cy="114300"/>
+          </a:xfrm>
+          <a:prstGeom prst="bentConnector3">
+            <a:avLst>
+              <a:gd name="adj1" fmla="val 50000"/>
+            </a:avLst>
+          </a:prstGeom>
+          <a:ln w="38100">
+            <a:solidFill>
+              <a:schemeClr val="tx1"/>
+            </a:solidFill>
+            <a:headEnd type="triangle" w="med" len="med"/>
+            <a:tailEnd type="triangle" w="med" len="med"/>
+          </a:ln>
+        </p:spPr>
+        <p:style>
+          <a:lnRef idx="1">
+            <a:schemeClr val="accent1"/>
+          </a:lnRef>
+          <a:fillRef idx="0">
+            <a:schemeClr val="accent1"/>
+          </a:fillRef>
+          <a:effectRef idx="0">
+            <a:schemeClr val="accent1"/>
+          </a:effectRef>
+          <a:fontRef idx="minor">
+            <a:schemeClr val="tx1"/>
+          </a:fontRef>
+        </p:style>
+      </p:cxnSp>
+      <p:sp>
+        <p:nvSpPr>
+          <p:cNvPr id="44" name="Flowchart: Magnetic Disk 43"/>
+          <p:cNvSpPr/>
+          <p:nvPr/>
+        </p:nvSpPr>
+        <p:spPr>
+          <a:xfrm>
+            <a:off x="2305050" y="4823744"/>
+            <a:ext cx="1047750" cy="728246"/>
+          </a:xfrm>
+          <a:prstGeom prst="flowChartMagneticDisk">
+            <a:avLst/>
+          </a:prstGeom>
+          <a:solidFill>
+            <a:schemeClr val="accent3"/>
+          </a:solidFill>
+        </p:spPr>
+        <p:style>
+          <a:lnRef idx="2">
+            <a:schemeClr val="accent1">
+              <a:shade val="50000"/>
+            </a:schemeClr>
+          </a:lnRef>
+          <a:fillRef idx="1">
+            <a:schemeClr val="accent1"/>
+          </a:fillRef>
+          <a:effectRef idx="0">
+            <a:schemeClr val="accent1"/>
+          </a:effectRef>
+          <a:fontRef idx="minor">
+            <a:schemeClr val="lt1"/>
+          </a:fontRef>
+        </p:style>
+        <p:txBody>
+          <a:bodyPr rtlCol="0" anchor="ctr"/>
+          <a:lstStyle/>
+          <a:p>
+            <a:pPr algn="ctr"/>
+            <a:r>
+              <a:rPr lang="en-US" sz="1200" dirty="0" smtClean="0"/>
+              <a:t>Transform Library</a:t>
+            </a:r>
+            <a:endParaRPr lang="en-US" sz="1200" dirty="0"/>
+          </a:p>
+        </p:txBody>
+      </p:sp>
+      <p:cxnSp>
+        <p:nvCxnSpPr>
+          <p:cNvPr id="46" name="Elbow Connector 45"/>
+          <p:cNvCxnSpPr>
+            <a:stCxn id="6" idx="2"/>
+            <a:endCxn id="44" idx="1"/>
+          </p:cNvCxnSpPr>
+          <p:nvPr/>
+        </p:nvCxnSpPr>
+        <p:spPr>
+          <a:xfrm rot="16200000" flipH="1">
+            <a:off x="2583990" y="4578809"/>
+            <a:ext cx="404144" cy="85725"/>
+          </a:xfrm>
+          <a:prstGeom prst="bentConnector3">
+            <a:avLst/>
+          </a:prstGeom>
+          <a:ln w="38100">
+            <a:solidFill>
+              <a:schemeClr val="tx1"/>
+            </a:solidFill>
+            <a:headEnd type="triangle" w="med" len="med"/>
+            <a:tailEnd type="triangle" w="med" len="med"/>
+          </a:ln>
+        </p:spPr>
+        <p:style>
+          <a:lnRef idx="1">
+            <a:schemeClr val="accent1"/>
+          </a:lnRef>
+          <a:fillRef idx="0">
+            <a:schemeClr val="accent1"/>
+          </a:fillRef>
+          <a:effectRef idx="0">
+            <a:schemeClr val="accent1"/>
+          </a:effectRef>
+          <a:fontRef idx="minor">
+            <a:schemeClr val="tx1"/>
+          </a:fontRef>
+        </p:style>
+      </p:cxnSp>
+      <p:sp>
+        <p:nvSpPr>
+          <p:cNvPr id="49" name="Flowchart: Magnetic Disk 48"/>
+          <p:cNvSpPr/>
+          <p:nvPr/>
+        </p:nvSpPr>
+        <p:spPr>
+          <a:xfrm>
+            <a:off x="5810250" y="4834354"/>
+            <a:ext cx="1047750" cy="728246"/>
+          </a:xfrm>
+          <a:prstGeom prst="flowChartMagneticDisk">
+            <a:avLst/>
+          </a:prstGeom>
+          <a:solidFill>
+            <a:schemeClr val="accent3"/>
+          </a:solidFill>
+        </p:spPr>
+        <p:style>
+          <a:lnRef idx="2">
+            <a:schemeClr val="accent1">
+              <a:shade val="50000"/>
+            </a:schemeClr>
+          </a:lnRef>
+          <a:fillRef idx="1">
+            <a:schemeClr val="accent1"/>
+          </a:fillRef>
+          <a:effectRef idx="0">
+            <a:schemeClr val="accent1"/>
+          </a:effectRef>
+          <a:fontRef idx="minor">
+            <a:schemeClr val="lt1"/>
+          </a:fontRef>
+        </p:style>
+        <p:txBody>
+          <a:bodyPr rtlCol="0" anchor="ctr"/>
+          <a:lstStyle/>
+          <a:p>
+            <a:pPr algn="ctr"/>
+            <a:r>
+              <a:rPr lang="en-US" sz="1200" dirty="0" smtClean="0"/>
+              <a:t>Transform Library</a:t>
+            </a:r>
+            <a:endParaRPr lang="en-US" sz="1200" dirty="0"/>
+          </a:p>
+        </p:txBody>
+      </p:sp>
+      <p:cxnSp>
+        <p:nvCxnSpPr>
+          <p:cNvPr id="50" name="Elbow Connector 49"/>
+          <p:cNvCxnSpPr>
+            <a:stCxn id="9" idx="2"/>
+            <a:endCxn id="49" idx="1"/>
+          </p:cNvCxnSpPr>
+          <p:nvPr/>
+        </p:nvCxnSpPr>
+        <p:spPr>
+          <a:xfrm rot="16200000" flipH="1">
+            <a:off x="6100762" y="4600991"/>
+            <a:ext cx="381000" cy="85725"/>
+          </a:xfrm>
+          <a:prstGeom prst="bentConnector3">
+            <a:avLst/>
+          </a:prstGeom>
+          <a:ln w="38100">
+            <a:solidFill>
+              <a:schemeClr val="tx1"/>
+            </a:solidFill>
+            <a:headEnd type="triangle" w="med" len="med"/>
+            <a:tailEnd type="triangle" w="med" len="med"/>
+          </a:ln>
+        </p:spPr>
+        <p:style>
+          <a:lnRef idx="1">
+            <a:schemeClr val="accent1"/>
+          </a:lnRef>
+          <a:fillRef idx="0">
+            <a:schemeClr val="accent1"/>
+          </a:fillRef>
+          <a:effectRef idx="0">
+            <a:schemeClr val="accent1"/>
+          </a:effectRef>
+          <a:fontRef idx="minor">
+            <a:schemeClr val="tx1"/>
+          </a:fontRef>
+        </p:style>
+      </p:cxnSp>
     </p:spTree>
     <p:extLst>
       <p:ext uri="{BB962C8B-B14F-4D97-AF65-F5344CB8AC3E}">
@@ -10297,6 +10641,65 @@
           </a:fontRef>
         </p:style>
       </p:cxnSp>
+      <p:sp>
+        <p:nvSpPr>
+          <p:cNvPr id="9" name="Rounded Rectangular Callout 8"/>
+          <p:cNvSpPr/>
+          <p:nvPr/>
+        </p:nvSpPr>
+        <p:spPr>
+          <a:xfrm>
+            <a:off x="7239000" y="609600"/>
+            <a:ext cx="1219200" cy="685800"/>
+          </a:xfrm>
+          <a:prstGeom prst="wedgeRoundRectCallout">
+            <a:avLst>
+              <a:gd name="adj1" fmla="val -49314"/>
+              <a:gd name="adj2" fmla="val 145200"/>
+              <a:gd name="adj3" fmla="val 16667"/>
+            </a:avLst>
+          </a:prstGeom>
+          <a:solidFill>
+            <a:srgbClr val="FFFF00"/>
+          </a:solidFill>
+        </p:spPr>
+        <p:style>
+          <a:lnRef idx="2">
+            <a:schemeClr val="accent1">
+              <a:shade val="50000"/>
+            </a:schemeClr>
+          </a:lnRef>
+          <a:fillRef idx="1">
+            <a:schemeClr val="accent1"/>
+          </a:fillRef>
+          <a:effectRef idx="0">
+            <a:schemeClr val="accent1"/>
+          </a:effectRef>
+          <a:fontRef idx="minor">
+            <a:schemeClr val="lt1"/>
+          </a:fontRef>
+        </p:style>
+        <p:txBody>
+          <a:bodyPr rtlCol="0" anchor="ctr"/>
+          <a:lstStyle/>
+          <a:p>
+            <a:pPr algn="ctr"/>
+            <a:r>
+              <a:rPr lang="en-US" sz="1200" dirty="0" smtClean="0">
+                <a:solidFill>
+                  <a:schemeClr val="tx1"/>
+                </a:solidFill>
+              </a:rPr>
+              <a:t>Transfer Procedure</a:t>
+            </a:r>
+            <a:endParaRPr lang="en-US" sz="1200" dirty="0">
+              <a:solidFill>
+                <a:schemeClr val="tx1"/>
+              </a:solidFill>
+            </a:endParaRPr>
+          </a:p>
+        </p:txBody>
+      </p:sp>
     </p:spTree>
     <p:extLst>
       <p:ext uri="{BB962C8B-B14F-4D97-AF65-F5344CB8AC3E}">

--- a/docs/MJBUnification20210720.pptx
+++ b/docs/MJBUnification20210720.pptx
@@ -4,6 +4,9 @@
   <p:sldMasterIdLst>
     <p:sldMasterId id="2147483660" r:id="rId1"/>
   </p:sldMasterIdLst>
+  <p:notesMasterIdLst>
+    <p:notesMasterId r:id="rId19"/>
+  </p:notesMasterIdLst>
   <p:sldIdLst>
     <p:sldId id="256" r:id="rId2"/>
     <p:sldId id="257" r:id="rId3"/>
@@ -16,6 +19,12 @@
     <p:sldId id="264" r:id="rId10"/>
     <p:sldId id="266" r:id="rId11"/>
     <p:sldId id="265" r:id="rId12"/>
+    <p:sldId id="267" r:id="rId13"/>
+    <p:sldId id="268" r:id="rId14"/>
+    <p:sldId id="269" r:id="rId15"/>
+    <p:sldId id="270" r:id="rId16"/>
+    <p:sldId id="271" r:id="rId17"/>
+    <p:sldId id="272" r:id="rId18"/>
   </p:sldIdLst>
   <p:sldSz cx="9144000" cy="6858000" type="screen4x3"/>
   <p:notesSz cx="6858000" cy="9144000"/>
@@ -117,6 +126,356 @@
 </p:presentation>
 </file>
 
+<file path=ppt/notesMasters/notesMaster1.xml><?xml version="1.0" encoding="utf-8"?>
+<p:notesMaster xmlns:a="http://schemas.openxmlformats.org/drawingml/2006/main" xmlns:r="http://schemas.openxmlformats.org/officeDocument/2006/relationships" xmlns:p="http://schemas.openxmlformats.org/presentationml/2006/main">
+  <p:cSld>
+    <p:bg>
+      <p:bgRef idx="1001">
+        <a:schemeClr val="bg1"/>
+      </p:bgRef>
+    </p:bg>
+    <p:spTree>
+      <p:nvGrpSpPr>
+        <p:cNvPr id="1" name=""/>
+        <p:cNvGrpSpPr/>
+        <p:nvPr/>
+      </p:nvGrpSpPr>
+      <p:grpSpPr>
+        <a:xfrm>
+          <a:off x="0" y="0"/>
+          <a:ext cx="0" cy="0"/>
+          <a:chOff x="0" y="0"/>
+          <a:chExt cx="0" cy="0"/>
+        </a:xfrm>
+      </p:grpSpPr>
+      <p:sp>
+        <p:nvSpPr>
+          <p:cNvPr id="2" name="Header Placeholder 1"/>
+          <p:cNvSpPr>
+            <a:spLocks noGrp="1"/>
+          </p:cNvSpPr>
+          <p:nvPr>
+            <p:ph type="hdr" sz="quarter"/>
+          </p:nvPr>
+        </p:nvSpPr>
+        <p:spPr>
+          <a:xfrm>
+            <a:off x="0" y="0"/>
+            <a:ext cx="2971800" cy="457200"/>
+          </a:xfrm>
+          <a:prstGeom prst="rect">
+            <a:avLst/>
+          </a:prstGeom>
+        </p:spPr>
+        <p:txBody>
+          <a:bodyPr vert="horz" lIns="91440" tIns="45720" rIns="91440" bIns="45720" rtlCol="0"/>
+          <a:lstStyle>
+            <a:lvl1pPr algn="l">
+              <a:defRPr sz="1200"/>
+            </a:lvl1pPr>
+          </a:lstStyle>
+          <a:p>
+            <a:endParaRPr lang="en-US"/>
+          </a:p>
+        </p:txBody>
+      </p:sp>
+      <p:sp>
+        <p:nvSpPr>
+          <p:cNvPr id="3" name="Date Placeholder 2"/>
+          <p:cNvSpPr>
+            <a:spLocks noGrp="1"/>
+          </p:cNvSpPr>
+          <p:nvPr>
+            <p:ph type="dt" idx="1"/>
+          </p:nvPr>
+        </p:nvSpPr>
+        <p:spPr>
+          <a:xfrm>
+            <a:off x="3884613" y="0"/>
+            <a:ext cx="2971800" cy="457200"/>
+          </a:xfrm>
+          <a:prstGeom prst="rect">
+            <a:avLst/>
+          </a:prstGeom>
+        </p:spPr>
+        <p:txBody>
+          <a:bodyPr vert="horz" lIns="91440" tIns="45720" rIns="91440" bIns="45720" rtlCol="0"/>
+          <a:lstStyle>
+            <a:lvl1pPr algn="r">
+              <a:defRPr sz="1200"/>
+            </a:lvl1pPr>
+          </a:lstStyle>
+          <a:p>
+            <a:fld id="{136FF797-6935-4B75-B01B-BC84FEA22728}" type="datetimeFigureOut">
+              <a:rPr lang="en-US" smtClean="0"/>
+              <a:t>8/3/2021</a:t>
+            </a:fld>
+            <a:endParaRPr lang="en-US"/>
+          </a:p>
+        </p:txBody>
+      </p:sp>
+      <p:sp>
+        <p:nvSpPr>
+          <p:cNvPr id="4" name="Slide Image Placeholder 3"/>
+          <p:cNvSpPr>
+            <a:spLocks noGrp="1" noRot="1" noChangeAspect="1"/>
+          </p:cNvSpPr>
+          <p:nvPr>
+            <p:ph type="sldImg" idx="2"/>
+          </p:nvPr>
+        </p:nvSpPr>
+        <p:spPr>
+          <a:xfrm>
+            <a:off x="1143000" y="685800"/>
+            <a:ext cx="4572000" cy="3429000"/>
+          </a:xfrm>
+          <a:prstGeom prst="rect">
+            <a:avLst/>
+          </a:prstGeom>
+          <a:noFill/>
+          <a:ln w="12700">
+            <a:solidFill>
+              <a:prstClr val="black"/>
+            </a:solidFill>
+          </a:ln>
+        </p:spPr>
+        <p:txBody>
+          <a:bodyPr vert="horz" lIns="91440" tIns="45720" rIns="91440" bIns="45720" rtlCol="0" anchor="ctr"/>
+          <a:lstStyle/>
+          <a:p>
+            <a:endParaRPr lang="en-US"/>
+          </a:p>
+        </p:txBody>
+      </p:sp>
+      <p:sp>
+        <p:nvSpPr>
+          <p:cNvPr id="5" name="Notes Placeholder 4"/>
+          <p:cNvSpPr>
+            <a:spLocks noGrp="1"/>
+          </p:cNvSpPr>
+          <p:nvPr>
+            <p:ph type="body" sz="quarter" idx="3"/>
+          </p:nvPr>
+        </p:nvSpPr>
+        <p:spPr>
+          <a:xfrm>
+            <a:off x="685800" y="4343400"/>
+            <a:ext cx="5486400" cy="4114800"/>
+          </a:xfrm>
+          <a:prstGeom prst="rect">
+            <a:avLst/>
+          </a:prstGeom>
+        </p:spPr>
+        <p:txBody>
+          <a:bodyPr vert="horz" lIns="91440" tIns="45720" rIns="91440" bIns="45720" rtlCol="0"/>
+          <a:lstStyle/>
+          <a:p>
+            <a:pPr lvl="0"/>
+            <a:r>
+              <a:rPr lang="en-US" smtClean="0"/>
+              <a:t>Click to edit Master text styles</a:t>
+            </a:r>
+          </a:p>
+          <a:p>
+            <a:pPr lvl="1"/>
+            <a:r>
+              <a:rPr lang="en-US" smtClean="0"/>
+              <a:t>Second level</a:t>
+            </a:r>
+          </a:p>
+          <a:p>
+            <a:pPr lvl="2"/>
+            <a:r>
+              <a:rPr lang="en-US" smtClean="0"/>
+              <a:t>Third level</a:t>
+            </a:r>
+          </a:p>
+          <a:p>
+            <a:pPr lvl="3"/>
+            <a:r>
+              <a:rPr lang="en-US" smtClean="0"/>
+              <a:t>Fourth level</a:t>
+            </a:r>
+          </a:p>
+          <a:p>
+            <a:pPr lvl="4"/>
+            <a:r>
+              <a:rPr lang="en-US" smtClean="0"/>
+              <a:t>Fifth level</a:t>
+            </a:r>
+            <a:endParaRPr lang="en-US"/>
+          </a:p>
+        </p:txBody>
+      </p:sp>
+      <p:sp>
+        <p:nvSpPr>
+          <p:cNvPr id="6" name="Footer Placeholder 5"/>
+          <p:cNvSpPr>
+            <a:spLocks noGrp="1"/>
+          </p:cNvSpPr>
+          <p:nvPr>
+            <p:ph type="ftr" sz="quarter" idx="4"/>
+          </p:nvPr>
+        </p:nvSpPr>
+        <p:spPr>
+          <a:xfrm>
+            <a:off x="0" y="8685213"/>
+            <a:ext cx="2971800" cy="457200"/>
+          </a:xfrm>
+          <a:prstGeom prst="rect">
+            <a:avLst/>
+          </a:prstGeom>
+        </p:spPr>
+        <p:txBody>
+          <a:bodyPr vert="horz" lIns="91440" tIns="45720" rIns="91440" bIns="45720" rtlCol="0" anchor="b"/>
+          <a:lstStyle>
+            <a:lvl1pPr algn="l">
+              <a:defRPr sz="1200"/>
+            </a:lvl1pPr>
+          </a:lstStyle>
+          <a:p>
+            <a:endParaRPr lang="en-US"/>
+          </a:p>
+        </p:txBody>
+      </p:sp>
+      <p:sp>
+        <p:nvSpPr>
+          <p:cNvPr id="7" name="Slide Number Placeholder 6"/>
+          <p:cNvSpPr>
+            <a:spLocks noGrp="1"/>
+          </p:cNvSpPr>
+          <p:nvPr>
+            <p:ph type="sldNum" sz="quarter" idx="5"/>
+          </p:nvPr>
+        </p:nvSpPr>
+        <p:spPr>
+          <a:xfrm>
+            <a:off x="3884613" y="8685213"/>
+            <a:ext cx="2971800" cy="457200"/>
+          </a:xfrm>
+          <a:prstGeom prst="rect">
+            <a:avLst/>
+          </a:prstGeom>
+        </p:spPr>
+        <p:txBody>
+          <a:bodyPr vert="horz" lIns="91440" tIns="45720" rIns="91440" bIns="45720" rtlCol="0" anchor="b"/>
+          <a:lstStyle>
+            <a:lvl1pPr algn="r">
+              <a:defRPr sz="1200"/>
+            </a:lvl1pPr>
+          </a:lstStyle>
+          <a:p>
+            <a:fld id="{83ED5498-BE3E-4895-A3A8-D50B2905218A}" type="slidenum">
+              <a:rPr lang="en-US" smtClean="0"/>
+              <a:t>‹#›</a:t>
+            </a:fld>
+            <a:endParaRPr lang="en-US"/>
+          </a:p>
+        </p:txBody>
+      </p:sp>
+    </p:spTree>
+    <p:extLst>
+      <p:ext uri="{BB962C8B-B14F-4D97-AF65-F5344CB8AC3E}">
+        <p14:creationId xmlns:p14="http://schemas.microsoft.com/office/powerpoint/2010/main" val="627344128"/>
+      </p:ext>
+    </p:extLst>
+  </p:cSld>
+  <p:clrMap bg1="lt1" tx1="dk1" bg2="lt2" tx2="dk2" accent1="accent1" accent2="accent2" accent3="accent3" accent4="accent4" accent5="accent5" accent6="accent6" hlink="hlink" folHlink="folHlink"/>
+  <p:notesStyle>
+    <a:lvl1pPr marL="0" algn="l" defTabSz="914400" rtl="0" eaLnBrk="1" latinLnBrk="0" hangingPunct="1">
+      <a:defRPr sz="1200" kern="1200">
+        <a:solidFill>
+          <a:schemeClr val="tx1"/>
+        </a:solidFill>
+        <a:latin typeface="+mn-lt"/>
+        <a:ea typeface="+mn-ea"/>
+        <a:cs typeface="+mn-cs"/>
+      </a:defRPr>
+    </a:lvl1pPr>
+    <a:lvl2pPr marL="457200" algn="l" defTabSz="914400" rtl="0" eaLnBrk="1" latinLnBrk="0" hangingPunct="1">
+      <a:defRPr sz="1200" kern="1200">
+        <a:solidFill>
+          <a:schemeClr val="tx1"/>
+        </a:solidFill>
+        <a:latin typeface="+mn-lt"/>
+        <a:ea typeface="+mn-ea"/>
+        <a:cs typeface="+mn-cs"/>
+      </a:defRPr>
+    </a:lvl2pPr>
+    <a:lvl3pPr marL="914400" algn="l" defTabSz="914400" rtl="0" eaLnBrk="1" latinLnBrk="0" hangingPunct="1">
+      <a:defRPr sz="1200" kern="1200">
+        <a:solidFill>
+          <a:schemeClr val="tx1"/>
+        </a:solidFill>
+        <a:latin typeface="+mn-lt"/>
+        <a:ea typeface="+mn-ea"/>
+        <a:cs typeface="+mn-cs"/>
+      </a:defRPr>
+    </a:lvl3pPr>
+    <a:lvl4pPr marL="1371600" algn="l" defTabSz="914400" rtl="0" eaLnBrk="1" latinLnBrk="0" hangingPunct="1">
+      <a:defRPr sz="1200" kern="1200">
+        <a:solidFill>
+          <a:schemeClr val="tx1"/>
+        </a:solidFill>
+        <a:latin typeface="+mn-lt"/>
+        <a:ea typeface="+mn-ea"/>
+        <a:cs typeface="+mn-cs"/>
+      </a:defRPr>
+    </a:lvl4pPr>
+    <a:lvl5pPr marL="1828800" algn="l" defTabSz="914400" rtl="0" eaLnBrk="1" latinLnBrk="0" hangingPunct="1">
+      <a:defRPr sz="1200" kern="1200">
+        <a:solidFill>
+          <a:schemeClr val="tx1"/>
+        </a:solidFill>
+        <a:latin typeface="+mn-lt"/>
+        <a:ea typeface="+mn-ea"/>
+        <a:cs typeface="+mn-cs"/>
+      </a:defRPr>
+    </a:lvl5pPr>
+    <a:lvl6pPr marL="2286000" algn="l" defTabSz="914400" rtl="0" eaLnBrk="1" latinLnBrk="0" hangingPunct="1">
+      <a:defRPr sz="1200" kern="1200">
+        <a:solidFill>
+          <a:schemeClr val="tx1"/>
+        </a:solidFill>
+        <a:latin typeface="+mn-lt"/>
+        <a:ea typeface="+mn-ea"/>
+        <a:cs typeface="+mn-cs"/>
+      </a:defRPr>
+    </a:lvl6pPr>
+    <a:lvl7pPr marL="2743200" algn="l" defTabSz="914400" rtl="0" eaLnBrk="1" latinLnBrk="0" hangingPunct="1">
+      <a:defRPr sz="1200" kern="1200">
+        <a:solidFill>
+          <a:schemeClr val="tx1"/>
+        </a:solidFill>
+        <a:latin typeface="+mn-lt"/>
+        <a:ea typeface="+mn-ea"/>
+        <a:cs typeface="+mn-cs"/>
+      </a:defRPr>
+    </a:lvl7pPr>
+    <a:lvl8pPr marL="3200400" algn="l" defTabSz="914400" rtl="0" eaLnBrk="1" latinLnBrk="0" hangingPunct="1">
+      <a:defRPr sz="1200" kern="1200">
+        <a:solidFill>
+          <a:schemeClr val="tx1"/>
+        </a:solidFill>
+        <a:latin typeface="+mn-lt"/>
+        <a:ea typeface="+mn-ea"/>
+        <a:cs typeface="+mn-cs"/>
+      </a:defRPr>
+    </a:lvl8pPr>
+    <a:lvl9pPr marL="3657600" algn="l" defTabSz="914400" rtl="0" eaLnBrk="1" latinLnBrk="0" hangingPunct="1">
+      <a:defRPr sz="1200" kern="1200">
+        <a:solidFill>
+          <a:schemeClr val="tx1"/>
+        </a:solidFill>
+        <a:latin typeface="+mn-lt"/>
+        <a:ea typeface="+mn-ea"/>
+        <a:cs typeface="+mn-cs"/>
+      </a:defRPr>
+    </a:lvl9pPr>
+  </p:notesStyle>
+</p:notesMaster>
+</file>
+
 <file path=ppt/slideLayouts/slideLayout1.xml><?xml version="1.0" encoding="utf-8"?>
 <p:sldLayout xmlns:a="http://schemas.openxmlformats.org/drawingml/2006/main" xmlns:r="http://schemas.openxmlformats.org/officeDocument/2006/relationships" xmlns:p="http://schemas.openxmlformats.org/presentationml/2006/main" type="title" preserve="1">
   <p:cSld name="Title Slide">
@@ -315,9 +674,9 @@
           <a:bodyPr/>
           <a:lstStyle/>
           <a:p>
-            <a:fld id="{66DB5DB1-C2D9-4EE3-9A9C-38A3A17F68D3}" type="datetimeFigureOut">
+            <a:fld id="{E56E2DD5-C671-4D76-B773-51383A76D73C}" type="datetime1">
               <a:rPr lang="en-US" smtClean="0"/>
-              <a:t>8/2/2021</a:t>
+              <a:t>8/3/2021</a:t>
             </a:fld>
             <a:endParaRPr lang="en-US"/>
           </a:p>
@@ -488,9 +847,9 @@
           <a:bodyPr/>
           <a:lstStyle/>
           <a:p>
-            <a:fld id="{66DB5DB1-C2D9-4EE3-9A9C-38A3A17F68D3}" type="datetimeFigureOut">
+            <a:fld id="{290A2BE0-2FD0-4EE2-9D1E-D1FBAB1E7EB1}" type="datetime1">
               <a:rPr lang="en-US" smtClean="0"/>
-              <a:t>8/2/2021</a:t>
+              <a:t>8/3/2021</a:t>
             </a:fld>
             <a:endParaRPr lang="en-US"/>
           </a:p>
@@ -713,9 +1072,9 @@
           <a:bodyPr/>
           <a:lstStyle/>
           <a:p>
-            <a:fld id="{66DB5DB1-C2D9-4EE3-9A9C-38A3A17F68D3}" type="datetimeFigureOut">
+            <a:fld id="{29B89777-4B72-405B-AAD0-CE574900B2B3}" type="datetime1">
               <a:rPr lang="en-US" smtClean="0"/>
-              <a:t>8/2/2021</a:t>
+              <a:t>8/3/2021</a:t>
             </a:fld>
             <a:endParaRPr lang="en-US"/>
           </a:p>
@@ -862,9 +1221,9 @@
           <a:bodyPr/>
           <a:lstStyle/>
           <a:p>
-            <a:fld id="{66DB5DB1-C2D9-4EE3-9A9C-38A3A17F68D3}" type="datetimeFigureOut">
+            <a:fld id="{F74F94EA-5092-4DD0-8102-F85D3900DDCD}" type="datetime1">
               <a:rPr lang="en-US" smtClean="0"/>
-              <a:t>8/2/2021</a:t>
+              <a:t>8/3/2021</a:t>
             </a:fld>
             <a:endParaRPr lang="en-US"/>
           </a:p>
@@ -1333,9 +1692,9 @@
           <a:bodyPr/>
           <a:lstStyle/>
           <a:p>
-            <a:fld id="{66DB5DB1-C2D9-4EE3-9A9C-38A3A17F68D3}" type="datetimeFigureOut">
+            <a:fld id="{C47E2B28-1CA4-43F1-A94A-500934825656}" type="datetime1">
               <a:rPr lang="en-US" smtClean="0"/>
-              <a:t>8/2/2021</a:t>
+              <a:t>8/3/2021</a:t>
             </a:fld>
             <a:endParaRPr lang="en-US"/>
           </a:p>
@@ -1497,9 +1856,9 @@
           <a:bodyPr/>
           <a:lstStyle/>
           <a:p>
-            <a:fld id="{66DB5DB1-C2D9-4EE3-9A9C-38A3A17F68D3}" type="datetimeFigureOut">
+            <a:fld id="{5AC31087-CAF8-4DD9-B0A4-D24D8954FAB0}" type="datetime1">
               <a:rPr lang="en-US" smtClean="0"/>
-              <a:t>8/2/2021</a:t>
+              <a:t>8/3/2021</a:t>
             </a:fld>
             <a:endParaRPr lang="en-US"/>
           </a:p>
@@ -1969,9 +2328,9 @@
           <a:bodyPr/>
           <a:lstStyle/>
           <a:p>
-            <a:fld id="{66DB5DB1-C2D9-4EE3-9A9C-38A3A17F68D3}" type="datetimeFigureOut">
+            <a:fld id="{8B193EF3-0AD1-49C2-AE9F-89E6D7A99048}" type="datetime1">
               <a:rPr lang="en-US" smtClean="0"/>
-              <a:t>8/2/2021</a:t>
+              <a:t>8/3/2021</a:t>
             </a:fld>
             <a:endParaRPr lang="en-US"/>
           </a:p>
@@ -2090,9 +2449,9 @@
           <a:bodyPr/>
           <a:lstStyle/>
           <a:p>
-            <a:fld id="{66DB5DB1-C2D9-4EE3-9A9C-38A3A17F68D3}" type="datetimeFigureOut">
+            <a:fld id="{A09E05B6-51AD-4D91-8114-487F17344387}" type="datetime1">
               <a:rPr lang="en-US" smtClean="0"/>
-              <a:t>8/2/2021</a:t>
+              <a:t>8/3/2021</a:t>
             </a:fld>
             <a:endParaRPr lang="en-US"/>
           </a:p>
@@ -2188,9 +2547,9 @@
           <a:bodyPr/>
           <a:lstStyle/>
           <a:p>
-            <a:fld id="{66DB5DB1-C2D9-4EE3-9A9C-38A3A17F68D3}" type="datetimeFigureOut">
+            <a:fld id="{EDF97351-6734-46D3-BEB9-653861BA7ACC}" type="datetime1">
               <a:rPr lang="en-US" smtClean="0"/>
-              <a:t>8/2/2021</a:t>
+              <a:t>8/3/2021</a:t>
             </a:fld>
             <a:endParaRPr lang="en-US"/>
           </a:p>
@@ -2484,9 +2843,9 @@
           <a:bodyPr/>
           <a:lstStyle/>
           <a:p>
-            <a:fld id="{66DB5DB1-C2D9-4EE3-9A9C-38A3A17F68D3}" type="datetimeFigureOut">
+            <a:fld id="{724D31DA-00D8-449D-BB97-0E59A0B915BC}" type="datetime1">
               <a:rPr lang="en-US" smtClean="0"/>
-              <a:t>8/2/2021</a:t>
+              <a:t>8/3/2021</a:t>
             </a:fld>
             <a:endParaRPr lang="en-US"/>
           </a:p>
@@ -2719,9 +3078,9 @@
           <a:bodyPr/>
           <a:lstStyle/>
           <a:p>
-            <a:fld id="{66DB5DB1-C2D9-4EE3-9A9C-38A3A17F68D3}" type="datetimeFigureOut">
+            <a:fld id="{BFF4FB18-DD4A-44DF-8EDD-D177B901919A}" type="datetime1">
               <a:rPr lang="en-US" smtClean="0"/>
-              <a:t>8/2/2021</a:t>
+              <a:t>8/3/2021</a:t>
             </a:fld>
             <a:endParaRPr lang="en-US"/>
           </a:p>
@@ -3191,9 +3550,9 @@
             </a:lvl1pPr>
           </a:lstStyle>
           <a:p>
-            <a:fld id="{66DB5DB1-C2D9-4EE3-9A9C-38A3A17F68D3}" type="datetimeFigureOut">
+            <a:fld id="{C6B75CB1-06B7-4349-A1E8-2A860989445A}" type="datetime1">
               <a:rPr lang="en-US" smtClean="0"/>
-              <a:t>8/2/2021</a:t>
+              <a:t>8/3/2021</a:t>
             </a:fld>
             <a:endParaRPr lang="en-US"/>
           </a:p>
@@ -3215,6 +3574,7 @@
     <p:sldLayoutId id="2147483670" r:id="rId10"/>
     <p:sldLayoutId id="2147483671" r:id="rId11"/>
   </p:sldLayoutIdLst>
+  <p:hf hdr="0" ftr="0"/>
   <p:txStyles>
     <p:titleStyle>
       <a:lvl1pPr algn="ctr" defTabSz="914400" rtl="0" eaLnBrk="1" latinLnBrk="0" hangingPunct="1">
@@ -3575,6 +3935,52 @@
           </a:p>
         </p:txBody>
       </p:sp>
+      <p:sp>
+        <p:nvSpPr>
+          <p:cNvPr id="5" name="Slide Number Placeholder 4"/>
+          <p:cNvSpPr>
+            <a:spLocks noGrp="1"/>
+          </p:cNvSpPr>
+          <p:nvPr>
+            <p:ph type="sldNum" sz="quarter" idx="11"/>
+          </p:nvPr>
+        </p:nvSpPr>
+        <p:spPr/>
+        <p:txBody>
+          <a:bodyPr/>
+          <a:lstStyle/>
+          <a:p>
+            <a:fld id="{46161DA3-73C7-4437-81E3-70B52544EB7F}" type="slidenum">
+              <a:rPr lang="en-US" smtClean="0"/>
+              <a:t>1</a:t>
+            </a:fld>
+            <a:endParaRPr lang="en-US"/>
+          </a:p>
+        </p:txBody>
+      </p:sp>
+      <p:sp>
+        <p:nvSpPr>
+          <p:cNvPr id="6" name="Date Placeholder 5"/>
+          <p:cNvSpPr>
+            <a:spLocks noGrp="1"/>
+          </p:cNvSpPr>
+          <p:nvPr>
+            <p:ph type="dt" sz="half" idx="10"/>
+          </p:nvPr>
+        </p:nvSpPr>
+        <p:spPr/>
+        <p:txBody>
+          <a:bodyPr/>
+          <a:lstStyle/>
+          <a:p>
+            <a:fld id="{3C5A1489-40CB-4608-9B51-E255AB0A5F27}" type="datetime1">
+              <a:rPr lang="en-US" smtClean="0"/>
+              <a:t>8/3/2021</a:t>
+            </a:fld>
+            <a:endParaRPr lang="en-US"/>
+          </a:p>
+        </p:txBody>
+      </p:sp>
     </p:spTree>
     <p:extLst>
       <p:ext uri="{BB962C8B-B14F-4D97-AF65-F5344CB8AC3E}">
@@ -4948,10 +5354,18 @@
           <a:p>
             <a:pPr algn="ctr"/>
             <a:r>
-              <a:rPr lang="en-US" sz="1200" dirty="0" smtClean="0"/>
+              <a:rPr lang="en-US" sz="1200" dirty="0" smtClean="0">
+                <a:solidFill>
+                  <a:schemeClr val="tx1"/>
+                </a:solidFill>
+              </a:rPr>
               <a:t>Transform Library</a:t>
             </a:r>
-            <a:endParaRPr lang="en-US" sz="1200" dirty="0"/>
+            <a:endParaRPr lang="en-US" sz="1200" dirty="0">
+              <a:solidFill>
+                <a:schemeClr val="tx1"/>
+              </a:solidFill>
+            </a:endParaRPr>
           </a:p>
         </p:txBody>
       </p:sp>
@@ -5035,10 +5449,18 @@
           <a:p>
             <a:pPr algn="ctr"/>
             <a:r>
-              <a:rPr lang="en-US" sz="1200" dirty="0" smtClean="0"/>
+              <a:rPr lang="en-US" sz="1200" dirty="0" smtClean="0">
+                <a:solidFill>
+                  <a:schemeClr val="tx1"/>
+                </a:solidFill>
+              </a:rPr>
               <a:t>Transform Library</a:t>
             </a:r>
-            <a:endParaRPr lang="en-US" sz="1200" dirty="0"/>
+            <a:endParaRPr lang="en-US" sz="1200" dirty="0">
+              <a:solidFill>
+                <a:schemeClr val="tx1"/>
+              </a:solidFill>
+            </a:endParaRPr>
           </a:p>
         </p:txBody>
       </p:sp>
@@ -5082,6 +5504,52 @@
           </a:fontRef>
         </p:style>
       </p:cxnSp>
+      <p:sp>
+        <p:nvSpPr>
+          <p:cNvPr id="37" name="Slide Number Placeholder 36"/>
+          <p:cNvSpPr>
+            <a:spLocks noGrp="1"/>
+          </p:cNvSpPr>
+          <p:nvPr>
+            <p:ph type="sldNum" sz="quarter" idx="12"/>
+          </p:nvPr>
+        </p:nvSpPr>
+        <p:spPr/>
+        <p:txBody>
+          <a:bodyPr/>
+          <a:lstStyle/>
+          <a:p>
+            <a:fld id="{46161DA3-73C7-4437-81E3-70B52544EB7F}" type="slidenum">
+              <a:rPr lang="en-US" smtClean="0"/>
+              <a:t>10</a:t>
+            </a:fld>
+            <a:endParaRPr lang="en-US"/>
+          </a:p>
+        </p:txBody>
+      </p:sp>
+      <p:sp>
+        <p:nvSpPr>
+          <p:cNvPr id="39" name="Date Placeholder 38"/>
+          <p:cNvSpPr>
+            <a:spLocks noGrp="1"/>
+          </p:cNvSpPr>
+          <p:nvPr>
+            <p:ph type="dt" sz="half" idx="10"/>
+          </p:nvPr>
+        </p:nvSpPr>
+        <p:spPr/>
+        <p:txBody>
+          <a:bodyPr/>
+          <a:lstStyle/>
+          <a:p>
+            <a:fld id="{974FB6FE-CC7C-4C29-BEF4-8099DB600C01}" type="datetime1">
+              <a:rPr lang="en-US" smtClean="0"/>
+              <a:t>8/3/2021</a:t>
+            </a:fld>
+            <a:endParaRPr lang="en-US"/>
+          </a:p>
+        </p:txBody>
+      </p:sp>
     </p:spTree>
     <p:extLst>
       <p:ext uri="{BB962C8B-B14F-4D97-AF65-F5344CB8AC3E}">
@@ -5122,16 +5590,71 @@
             <p:ph type="title"/>
           </p:nvPr>
         </p:nvSpPr>
-        <p:spPr/>
+        <p:spPr>
+          <a:xfrm>
+            <a:off x="152400" y="0"/>
+            <a:ext cx="8534400" cy="1600200"/>
+          </a:xfrm>
+        </p:spPr>
         <p:txBody>
           <a:bodyPr/>
           <a:lstStyle/>
           <a:p>
-            <a:r>
-              <a:rPr lang="en-US" dirty="0" smtClean="0"/>
-              <a:t>Top-Down to Bottom-Up Flow</a:t>
-            </a:r>
-            <a:endParaRPr lang="en-US" dirty="0"/>
+            <a:pPr>
+              <a:lnSpc>
+                <a:spcPts val="1500"/>
+              </a:lnSpc>
+              <a:spcBef>
+                <a:spcPts val="2400"/>
+              </a:spcBef>
+            </a:pPr>
+            <a:r>
+              <a:rPr lang="en-US" sz="4400" dirty="0" smtClean="0"/>
+              <a:t>Top-Down to Bottom-Up </a:t>
+            </a:r>
+            <a:r>
+              <a:rPr lang="en-US" sz="4400" dirty="0" smtClean="0"/>
+              <a:t>Flow</a:t>
+            </a:r>
+            <a:br>
+              <a:rPr lang="en-US" sz="4400" dirty="0" smtClean="0"/>
+            </a:br>
+            <a:r>
+              <a:rPr lang="en-US" sz="4400" dirty="0" smtClean="0"/>
+              <a:t/>
+            </a:r>
+            <a:br>
+              <a:rPr lang="en-US" sz="4400" dirty="0" smtClean="0"/>
+            </a:br>
+            <a:r>
+              <a:rPr lang="en-US" sz="1400" dirty="0" smtClean="0"/>
+              <a:t>Ian: </a:t>
+            </a:r>
+            <a:r>
+              <a:rPr lang="en-US" sz="1400" dirty="0" smtClean="0">
+                <a:effectLst/>
+              </a:rPr>
+              <a:t>This </a:t>
+            </a:r>
+            <a:r>
+              <a:rPr lang="en-US" sz="1400" dirty="0">
+                <a:effectLst/>
+              </a:rPr>
+              <a:t>flow chart may capture the core of what the P2654 standards needs to describe in terms of "process"; the remainder is likely to be </a:t>
+            </a:r>
+            <a:r>
+              <a:rPr lang="en-US" sz="1400" dirty="0" err="1">
+                <a:effectLst/>
+              </a:rPr>
+              <a:t>standardising</a:t>
+            </a:r>
+            <a:r>
+              <a:rPr lang="en-US" sz="1400" dirty="0">
+                <a:effectLst/>
+              </a:rPr>
+              <a:t> the form in which inputs to the process are provided and the interface between nodes (since the code implementing the node may come from any source).</a:t>
+            </a:r>
+            <a:endParaRPr lang="en-US" sz="1400" dirty="0"/>
           </a:p>
         </p:txBody>
       </p:sp>
@@ -6526,10 +7049,3951 @@
           </a:p>
         </p:txBody>
       </p:sp>
+      <p:sp>
+        <p:nvSpPr>
+          <p:cNvPr id="3" name="Slide Number Placeholder 2"/>
+          <p:cNvSpPr>
+            <a:spLocks noGrp="1"/>
+          </p:cNvSpPr>
+          <p:nvPr>
+            <p:ph type="sldNum" sz="quarter" idx="12"/>
+          </p:nvPr>
+        </p:nvSpPr>
+        <p:spPr/>
+        <p:txBody>
+          <a:bodyPr/>
+          <a:lstStyle/>
+          <a:p>
+            <a:fld id="{46161DA3-73C7-4437-81E3-70B52544EB7F}" type="slidenum">
+              <a:rPr lang="en-US" smtClean="0"/>
+              <a:t>11</a:t>
+            </a:fld>
+            <a:endParaRPr lang="en-US"/>
+          </a:p>
+        </p:txBody>
+      </p:sp>
+      <p:sp>
+        <p:nvSpPr>
+          <p:cNvPr id="5" name="Date Placeholder 4"/>
+          <p:cNvSpPr>
+            <a:spLocks noGrp="1"/>
+          </p:cNvSpPr>
+          <p:nvPr>
+            <p:ph type="dt" sz="half" idx="10"/>
+          </p:nvPr>
+        </p:nvSpPr>
+        <p:spPr/>
+        <p:txBody>
+          <a:bodyPr/>
+          <a:lstStyle/>
+          <a:p>
+            <a:fld id="{15D48FDC-0F9B-42B7-93A0-07E20D3D5D77}" type="datetime1">
+              <a:rPr lang="en-US" smtClean="0"/>
+              <a:t>8/3/2021</a:t>
+            </a:fld>
+            <a:endParaRPr lang="en-US"/>
+          </a:p>
+        </p:txBody>
+      </p:sp>
     </p:spTree>
     <p:extLst>
       <p:ext uri="{BB962C8B-B14F-4D97-AF65-F5344CB8AC3E}">
         <p14:creationId xmlns:p14="http://schemas.microsoft.com/office/powerpoint/2010/main" val="1113837955"/>
+      </p:ext>
+    </p:extLst>
+  </p:cSld>
+  <p:clrMapOvr>
+    <a:masterClrMapping/>
+  </p:clrMapOvr>
+</p:sld>
+</file>
+
+<file path=ppt/slides/slide12.xml><?xml version="1.0" encoding="utf-8"?>
+<p:sld xmlns:a="http://schemas.openxmlformats.org/drawingml/2006/main" xmlns:r="http://schemas.openxmlformats.org/officeDocument/2006/relationships" xmlns:p="http://schemas.openxmlformats.org/presentationml/2006/main">
+  <p:cSld>
+    <p:spTree>
+      <p:nvGrpSpPr>
+        <p:cNvPr id="1" name=""/>
+        <p:cNvGrpSpPr/>
+        <p:nvPr/>
+      </p:nvGrpSpPr>
+      <p:grpSpPr>
+        <a:xfrm>
+          <a:off x="0" y="0"/>
+          <a:ext cx="0" cy="0"/>
+          <a:chOff x="0" y="0"/>
+          <a:chExt cx="0" cy="0"/>
+        </a:xfrm>
+      </p:grpSpPr>
+      <p:sp>
+        <p:nvSpPr>
+          <p:cNvPr id="3" name="Title 2"/>
+          <p:cNvSpPr>
+            <a:spLocks noGrp="1"/>
+          </p:cNvSpPr>
+          <p:nvPr>
+            <p:ph type="title"/>
+          </p:nvPr>
+        </p:nvSpPr>
+        <p:spPr/>
+        <p:txBody>
+          <a:bodyPr/>
+          <a:lstStyle/>
+          <a:p>
+            <a:r>
+              <a:rPr lang="en-US" dirty="0" smtClean="0"/>
+              <a:t>Additional Slides since 20210720</a:t>
+            </a:r>
+            <a:endParaRPr lang="en-US" dirty="0"/>
+          </a:p>
+        </p:txBody>
+      </p:sp>
+      <p:sp>
+        <p:nvSpPr>
+          <p:cNvPr id="4" name="Text Placeholder 3"/>
+          <p:cNvSpPr>
+            <a:spLocks noGrp="1"/>
+          </p:cNvSpPr>
+          <p:nvPr>
+            <p:ph type="body" idx="1"/>
+          </p:nvPr>
+        </p:nvSpPr>
+        <p:spPr/>
+        <p:txBody>
+          <a:bodyPr/>
+          <a:lstStyle/>
+          <a:p>
+            <a:r>
+              <a:rPr lang="en-US" dirty="0" smtClean="0"/>
+              <a:t>20210803 </a:t>
+            </a:r>
+            <a:r>
+              <a:rPr lang="en-US" dirty="0" smtClean="0"/>
+              <a:t>Content</a:t>
+            </a:r>
+            <a:endParaRPr lang="en-US" dirty="0"/>
+          </a:p>
+        </p:txBody>
+      </p:sp>
+      <p:sp>
+        <p:nvSpPr>
+          <p:cNvPr id="5" name="Slide Number Placeholder 4"/>
+          <p:cNvSpPr>
+            <a:spLocks noGrp="1"/>
+          </p:cNvSpPr>
+          <p:nvPr>
+            <p:ph type="sldNum" sz="quarter" idx="12"/>
+          </p:nvPr>
+        </p:nvSpPr>
+        <p:spPr/>
+        <p:txBody>
+          <a:bodyPr/>
+          <a:lstStyle/>
+          <a:p>
+            <a:fld id="{46161DA3-73C7-4437-81E3-70B52544EB7F}" type="slidenum">
+              <a:rPr lang="en-US" smtClean="0"/>
+              <a:t>12</a:t>
+            </a:fld>
+            <a:endParaRPr lang="en-US"/>
+          </a:p>
+        </p:txBody>
+      </p:sp>
+      <p:sp>
+        <p:nvSpPr>
+          <p:cNvPr id="6" name="Date Placeholder 5"/>
+          <p:cNvSpPr>
+            <a:spLocks noGrp="1"/>
+          </p:cNvSpPr>
+          <p:nvPr>
+            <p:ph type="dt" sz="half" idx="10"/>
+          </p:nvPr>
+        </p:nvSpPr>
+        <p:spPr/>
+        <p:txBody>
+          <a:bodyPr/>
+          <a:lstStyle/>
+          <a:p>
+            <a:fld id="{4A801B98-1692-4127-BF3F-98D191A0D2DF}" type="datetime1">
+              <a:rPr lang="en-US" smtClean="0"/>
+              <a:t>8/3/2021</a:t>
+            </a:fld>
+            <a:endParaRPr lang="en-US"/>
+          </a:p>
+        </p:txBody>
+      </p:sp>
+    </p:spTree>
+    <p:extLst>
+      <p:ext uri="{BB962C8B-B14F-4D97-AF65-F5344CB8AC3E}">
+        <p14:creationId xmlns:p14="http://schemas.microsoft.com/office/powerpoint/2010/main" val="2097752015"/>
+      </p:ext>
+    </p:extLst>
+  </p:cSld>
+  <p:clrMapOvr>
+    <a:masterClrMapping/>
+  </p:clrMapOvr>
+</p:sld>
+</file>
+
+<file path=ppt/slides/slide13.xml><?xml version="1.0" encoding="utf-8"?>
+<p:sld xmlns:a="http://schemas.openxmlformats.org/drawingml/2006/main" xmlns:r="http://schemas.openxmlformats.org/officeDocument/2006/relationships" xmlns:p="http://schemas.openxmlformats.org/presentationml/2006/main">
+  <p:cSld>
+    <p:spTree>
+      <p:nvGrpSpPr>
+        <p:cNvPr id="1" name=""/>
+        <p:cNvGrpSpPr/>
+        <p:nvPr/>
+      </p:nvGrpSpPr>
+      <p:grpSpPr>
+        <a:xfrm>
+          <a:off x="0" y="0"/>
+          <a:ext cx="0" cy="0"/>
+          <a:chOff x="0" y="0"/>
+          <a:chExt cx="0" cy="0"/>
+        </a:xfrm>
+      </p:grpSpPr>
+      <p:sp>
+        <p:nvSpPr>
+          <p:cNvPr id="4" name="Title 3"/>
+          <p:cNvSpPr>
+            <a:spLocks noGrp="1"/>
+          </p:cNvSpPr>
+          <p:nvPr>
+            <p:ph type="title"/>
+          </p:nvPr>
+        </p:nvSpPr>
+        <p:spPr>
+          <a:xfrm>
+            <a:off x="457200" y="-533400"/>
+            <a:ext cx="8229600" cy="1600200"/>
+          </a:xfrm>
+        </p:spPr>
+        <p:txBody>
+          <a:bodyPr/>
+          <a:lstStyle/>
+          <a:p>
+            <a:pPr>
+              <a:lnSpc>
+                <a:spcPts val="3000"/>
+              </a:lnSpc>
+            </a:pPr>
+            <a:r>
+              <a:rPr lang="en-US" sz="3600" dirty="0" smtClean="0"/>
+              <a:t>Correlating P2654Demo2 to Concept</a:t>
+            </a:r>
+            <a:br>
+              <a:rPr lang="en-US" sz="3600" dirty="0" smtClean="0"/>
+            </a:br>
+            <a:r>
+              <a:rPr lang="en-US" sz="2000" dirty="0" smtClean="0"/>
+              <a:t>How it correlates to slide 10</a:t>
+            </a:r>
+            <a:endParaRPr lang="en-US" sz="3600" dirty="0"/>
+          </a:p>
+        </p:txBody>
+      </p:sp>
+      <p:grpSp>
+        <p:nvGrpSpPr>
+          <p:cNvPr id="32" name="Group 31"/>
+          <p:cNvGrpSpPr/>
+          <p:nvPr/>
+        </p:nvGrpSpPr>
+        <p:grpSpPr>
+          <a:xfrm>
+            <a:off x="609600" y="2362200"/>
+            <a:ext cx="7620000" cy="3312225"/>
+            <a:chOff x="533400" y="1316925"/>
+            <a:chExt cx="7620000" cy="3312225"/>
+          </a:xfrm>
+        </p:grpSpPr>
+        <p:sp>
+          <p:nvSpPr>
+            <p:cNvPr id="5" name="Rounded Rectangle 4"/>
+            <p:cNvSpPr/>
+            <p:nvPr/>
+          </p:nvSpPr>
+          <p:spPr>
+            <a:xfrm>
+              <a:off x="3886200" y="2647950"/>
+              <a:ext cx="1219200" cy="685800"/>
+            </a:xfrm>
+            <a:prstGeom prst="roundRect">
+              <a:avLst/>
+            </a:prstGeom>
+            <a:solidFill>
+              <a:srgbClr val="FFC000"/>
+            </a:solidFill>
+            <a:ln>
+              <a:solidFill>
+                <a:schemeClr val="tx1"/>
+              </a:solidFill>
+            </a:ln>
+          </p:spPr>
+          <p:style>
+            <a:lnRef idx="2">
+              <a:schemeClr val="accent1">
+                <a:shade val="50000"/>
+              </a:schemeClr>
+            </a:lnRef>
+            <a:fillRef idx="1">
+              <a:schemeClr val="accent1"/>
+            </a:fillRef>
+            <a:effectRef idx="0">
+              <a:schemeClr val="accent1"/>
+            </a:effectRef>
+            <a:fontRef idx="minor">
+              <a:schemeClr val="lt1"/>
+            </a:fontRef>
+          </p:style>
+          <p:txBody>
+            <a:bodyPr rtlCol="0" anchor="ctr"/>
+            <a:lstStyle/>
+            <a:p>
+              <a:pPr algn="ctr"/>
+              <a:r>
+                <a:rPr lang="en-US" dirty="0" smtClean="0">
+                  <a:solidFill>
+                    <a:schemeClr val="tx1"/>
+                  </a:solidFill>
+                </a:rPr>
+                <a:t>Model</a:t>
+              </a:r>
+              <a:br>
+                <a:rPr lang="en-US" dirty="0" smtClean="0">
+                  <a:solidFill>
+                    <a:schemeClr val="tx1"/>
+                  </a:solidFill>
+                </a:rPr>
+              </a:br>
+              <a:r>
+                <a:rPr lang="en-US" dirty="0" smtClean="0">
+                  <a:solidFill>
+                    <a:schemeClr val="tx1"/>
+                  </a:solidFill>
+                </a:rPr>
+                <a:t>Node</a:t>
+              </a:r>
+              <a:endParaRPr lang="en-US" dirty="0">
+                <a:solidFill>
+                  <a:schemeClr val="tx1"/>
+                </a:solidFill>
+              </a:endParaRPr>
+            </a:p>
+          </p:txBody>
+        </p:sp>
+        <p:sp>
+          <p:nvSpPr>
+            <p:cNvPr id="6" name="Rounded Rectangle 5"/>
+            <p:cNvSpPr/>
+            <p:nvPr/>
+          </p:nvSpPr>
+          <p:spPr>
+            <a:xfrm>
+              <a:off x="6324600" y="2647950"/>
+              <a:ext cx="1828800" cy="685800"/>
+            </a:xfrm>
+            <a:prstGeom prst="roundRect">
+              <a:avLst/>
+            </a:prstGeom>
+            <a:solidFill>
+              <a:srgbClr val="FFC000"/>
+            </a:solidFill>
+            <a:ln>
+              <a:solidFill>
+                <a:schemeClr val="tx1"/>
+              </a:solidFill>
+            </a:ln>
+          </p:spPr>
+          <p:style>
+            <a:lnRef idx="2">
+              <a:schemeClr val="accent1">
+                <a:shade val="50000"/>
+              </a:schemeClr>
+            </a:lnRef>
+            <a:fillRef idx="1">
+              <a:schemeClr val="accent1"/>
+            </a:fillRef>
+            <a:effectRef idx="0">
+              <a:schemeClr val="accent1"/>
+            </a:effectRef>
+            <a:fontRef idx="minor">
+              <a:schemeClr val="lt1"/>
+            </a:fontRef>
+          </p:style>
+          <p:txBody>
+            <a:bodyPr rtlCol="0" anchor="ctr"/>
+            <a:lstStyle/>
+            <a:p>
+              <a:pPr algn="ctr"/>
+              <a:r>
+                <a:rPr lang="en-US" dirty="0" smtClean="0">
+                  <a:solidFill>
+                    <a:schemeClr val="tx1"/>
+                  </a:solidFill>
+                </a:rPr>
+                <a:t>Transformation</a:t>
+              </a:r>
+              <a:br>
+                <a:rPr lang="en-US" dirty="0" smtClean="0">
+                  <a:solidFill>
+                    <a:schemeClr val="tx1"/>
+                  </a:solidFill>
+                </a:rPr>
+              </a:br>
+              <a:r>
+                <a:rPr lang="en-US" dirty="0" smtClean="0">
+                  <a:solidFill>
+                    <a:schemeClr val="tx1"/>
+                  </a:solidFill>
+                </a:rPr>
+                <a:t>Strategy</a:t>
+              </a:r>
+              <a:endParaRPr lang="en-US" dirty="0">
+                <a:solidFill>
+                  <a:schemeClr val="tx1"/>
+                </a:solidFill>
+              </a:endParaRPr>
+            </a:p>
+          </p:txBody>
+        </p:sp>
+        <p:sp>
+          <p:nvSpPr>
+            <p:cNvPr id="7" name="Rounded Rectangle 6"/>
+            <p:cNvSpPr/>
+            <p:nvPr/>
+          </p:nvSpPr>
+          <p:spPr>
+            <a:xfrm>
+              <a:off x="4724400" y="3943350"/>
+              <a:ext cx="1219200" cy="685800"/>
+            </a:xfrm>
+            <a:prstGeom prst="roundRect">
+              <a:avLst/>
+            </a:prstGeom>
+            <a:solidFill>
+              <a:schemeClr val="bg1">
+                <a:lumMod val="75000"/>
+              </a:schemeClr>
+            </a:solidFill>
+            <a:ln>
+              <a:solidFill>
+                <a:schemeClr val="tx1"/>
+              </a:solidFill>
+            </a:ln>
+          </p:spPr>
+          <p:style>
+            <a:lnRef idx="2">
+              <a:schemeClr val="accent1">
+                <a:shade val="50000"/>
+              </a:schemeClr>
+            </a:lnRef>
+            <a:fillRef idx="1">
+              <a:schemeClr val="accent1"/>
+            </a:fillRef>
+            <a:effectRef idx="0">
+              <a:schemeClr val="accent1"/>
+            </a:effectRef>
+            <a:fontRef idx="minor">
+              <a:schemeClr val="lt1"/>
+            </a:fontRef>
+          </p:style>
+          <p:txBody>
+            <a:bodyPr rtlCol="0" anchor="ctr"/>
+            <a:lstStyle/>
+            <a:p>
+              <a:pPr algn="ctr"/>
+              <a:r>
+                <a:rPr lang="en-US" dirty="0" smtClean="0">
+                  <a:solidFill>
+                    <a:schemeClr val="tx1"/>
+                  </a:solidFill>
+                </a:rPr>
+                <a:t>Injection</a:t>
+              </a:r>
+              <a:br>
+                <a:rPr lang="en-US" dirty="0" smtClean="0">
+                  <a:solidFill>
+                    <a:schemeClr val="tx1"/>
+                  </a:solidFill>
+                </a:rPr>
+              </a:br>
+              <a:r>
+                <a:rPr lang="en-US" dirty="0" smtClean="0">
+                  <a:solidFill>
+                    <a:schemeClr val="tx1"/>
+                  </a:solidFill>
+                </a:rPr>
+                <a:t>Node</a:t>
+              </a:r>
+              <a:endParaRPr lang="en-US" dirty="0">
+                <a:solidFill>
+                  <a:schemeClr val="tx1"/>
+                </a:solidFill>
+              </a:endParaRPr>
+            </a:p>
+          </p:txBody>
+        </p:sp>
+        <p:sp>
+          <p:nvSpPr>
+            <p:cNvPr id="8" name="Rounded Rectangle 7"/>
+            <p:cNvSpPr/>
+            <p:nvPr/>
+          </p:nvSpPr>
+          <p:spPr>
+            <a:xfrm>
+              <a:off x="3200400" y="1325582"/>
+              <a:ext cx="1219200" cy="685800"/>
+            </a:xfrm>
+            <a:prstGeom prst="roundRect">
+              <a:avLst/>
+            </a:prstGeom>
+            <a:solidFill>
+              <a:srgbClr val="FFC000"/>
+            </a:solidFill>
+            <a:ln>
+              <a:solidFill>
+                <a:schemeClr val="tx1"/>
+              </a:solidFill>
+            </a:ln>
+          </p:spPr>
+          <p:style>
+            <a:lnRef idx="2">
+              <a:schemeClr val="accent1">
+                <a:shade val="50000"/>
+              </a:schemeClr>
+            </a:lnRef>
+            <a:fillRef idx="1">
+              <a:schemeClr val="accent1"/>
+            </a:fillRef>
+            <a:effectRef idx="0">
+              <a:schemeClr val="accent1"/>
+            </a:effectRef>
+            <a:fontRef idx="minor">
+              <a:schemeClr val="lt1"/>
+            </a:fontRef>
+          </p:style>
+          <p:txBody>
+            <a:bodyPr rtlCol="0" anchor="ctr"/>
+            <a:lstStyle/>
+            <a:p>
+              <a:pPr algn="ctr"/>
+              <a:r>
+                <a:rPr lang="en-US" dirty="0" smtClean="0">
+                  <a:solidFill>
+                    <a:schemeClr val="tx1"/>
+                  </a:solidFill>
+                </a:rPr>
+                <a:t>Model</a:t>
+              </a:r>
+              <a:br>
+                <a:rPr lang="en-US" dirty="0" smtClean="0">
+                  <a:solidFill>
+                    <a:schemeClr val="tx1"/>
+                  </a:solidFill>
+                </a:rPr>
+              </a:br>
+              <a:r>
+                <a:rPr lang="en-US" dirty="0" smtClean="0">
+                  <a:solidFill>
+                    <a:schemeClr val="tx1"/>
+                  </a:solidFill>
+                </a:rPr>
+                <a:t>Node</a:t>
+              </a:r>
+              <a:endParaRPr lang="en-US" dirty="0">
+                <a:solidFill>
+                  <a:schemeClr val="tx1"/>
+                </a:solidFill>
+              </a:endParaRPr>
+            </a:p>
+          </p:txBody>
+        </p:sp>
+        <p:sp>
+          <p:nvSpPr>
+            <p:cNvPr id="9" name="Rounded Rectangle 8"/>
+            <p:cNvSpPr/>
+            <p:nvPr/>
+          </p:nvSpPr>
+          <p:spPr>
+            <a:xfrm>
+              <a:off x="6553200" y="3943350"/>
+              <a:ext cx="1219200" cy="685800"/>
+            </a:xfrm>
+            <a:prstGeom prst="roundRect">
+              <a:avLst/>
+            </a:prstGeom>
+            <a:solidFill>
+              <a:schemeClr val="bg1">
+                <a:lumMod val="75000"/>
+              </a:schemeClr>
+            </a:solidFill>
+            <a:ln>
+              <a:solidFill>
+                <a:schemeClr val="tx1"/>
+              </a:solidFill>
+            </a:ln>
+          </p:spPr>
+          <p:style>
+            <a:lnRef idx="2">
+              <a:schemeClr val="accent1">
+                <a:shade val="50000"/>
+              </a:schemeClr>
+            </a:lnRef>
+            <a:fillRef idx="1">
+              <a:schemeClr val="accent1"/>
+            </a:fillRef>
+            <a:effectRef idx="0">
+              <a:schemeClr val="accent1"/>
+            </a:effectRef>
+            <a:fontRef idx="minor">
+              <a:schemeClr val="lt1"/>
+            </a:fontRef>
+          </p:style>
+          <p:txBody>
+            <a:bodyPr rtlCol="0" anchor="ctr"/>
+            <a:lstStyle/>
+            <a:p>
+              <a:pPr algn="ctr"/>
+              <a:r>
+                <a:rPr lang="en-US" dirty="0" smtClean="0">
+                  <a:solidFill>
+                    <a:schemeClr val="tx1"/>
+                  </a:solidFill>
+                </a:rPr>
+                <a:t>Injection</a:t>
+              </a:r>
+              <a:br>
+                <a:rPr lang="en-US" dirty="0" smtClean="0">
+                  <a:solidFill>
+                    <a:schemeClr val="tx1"/>
+                  </a:solidFill>
+                </a:rPr>
+              </a:br>
+              <a:r>
+                <a:rPr lang="en-US" dirty="0" smtClean="0">
+                  <a:solidFill>
+                    <a:schemeClr val="tx1"/>
+                  </a:solidFill>
+                </a:rPr>
+                <a:t>Node</a:t>
+              </a:r>
+              <a:endParaRPr lang="en-US" dirty="0">
+                <a:solidFill>
+                  <a:schemeClr val="tx1"/>
+                </a:solidFill>
+              </a:endParaRPr>
+            </a:p>
+          </p:txBody>
+        </p:sp>
+        <p:sp>
+          <p:nvSpPr>
+            <p:cNvPr id="10" name="Rounded Rectangle 9"/>
+            <p:cNvSpPr/>
+            <p:nvPr/>
+          </p:nvSpPr>
+          <p:spPr>
+            <a:xfrm>
+              <a:off x="1447800" y="3943350"/>
+              <a:ext cx="1219200" cy="685800"/>
+            </a:xfrm>
+            <a:prstGeom prst="roundRect">
+              <a:avLst/>
+            </a:prstGeom>
+            <a:solidFill>
+              <a:srgbClr val="FFC000"/>
+            </a:solidFill>
+            <a:ln>
+              <a:solidFill>
+                <a:schemeClr val="tx1"/>
+              </a:solidFill>
+            </a:ln>
+          </p:spPr>
+          <p:style>
+            <a:lnRef idx="2">
+              <a:schemeClr val="accent1">
+                <a:shade val="50000"/>
+              </a:schemeClr>
+            </a:lnRef>
+            <a:fillRef idx="1">
+              <a:schemeClr val="accent1"/>
+            </a:fillRef>
+            <a:effectRef idx="0">
+              <a:schemeClr val="accent1"/>
+            </a:effectRef>
+            <a:fontRef idx="minor">
+              <a:schemeClr val="lt1"/>
+            </a:fontRef>
+          </p:style>
+          <p:txBody>
+            <a:bodyPr rtlCol="0" anchor="ctr"/>
+            <a:lstStyle/>
+            <a:p>
+              <a:pPr algn="ctr"/>
+              <a:r>
+                <a:rPr lang="en-US" dirty="0" smtClean="0">
+                  <a:solidFill>
+                    <a:schemeClr val="tx1"/>
+                  </a:solidFill>
+                </a:rPr>
+                <a:t>Model</a:t>
+              </a:r>
+              <a:br>
+                <a:rPr lang="en-US" dirty="0" smtClean="0">
+                  <a:solidFill>
+                    <a:schemeClr val="tx1"/>
+                  </a:solidFill>
+                </a:rPr>
+              </a:br>
+              <a:r>
+                <a:rPr lang="en-US" dirty="0" smtClean="0">
+                  <a:solidFill>
+                    <a:schemeClr val="tx1"/>
+                  </a:solidFill>
+                </a:rPr>
+                <a:t>Node</a:t>
+              </a:r>
+              <a:endParaRPr lang="en-US" dirty="0">
+                <a:solidFill>
+                  <a:schemeClr val="tx1"/>
+                </a:solidFill>
+              </a:endParaRPr>
+            </a:p>
+          </p:txBody>
+        </p:sp>
+        <p:sp>
+          <p:nvSpPr>
+            <p:cNvPr id="11" name="Rounded Rectangle 10"/>
+            <p:cNvSpPr/>
+            <p:nvPr/>
+          </p:nvSpPr>
+          <p:spPr>
+            <a:xfrm>
+              <a:off x="3276600" y="3943350"/>
+              <a:ext cx="1219200" cy="685800"/>
+            </a:xfrm>
+            <a:prstGeom prst="roundRect">
+              <a:avLst/>
+            </a:prstGeom>
+            <a:solidFill>
+              <a:srgbClr val="FFC000"/>
+            </a:solidFill>
+            <a:ln>
+              <a:solidFill>
+                <a:schemeClr val="tx1"/>
+              </a:solidFill>
+            </a:ln>
+          </p:spPr>
+          <p:style>
+            <a:lnRef idx="2">
+              <a:schemeClr val="accent1">
+                <a:shade val="50000"/>
+              </a:schemeClr>
+            </a:lnRef>
+            <a:fillRef idx="1">
+              <a:schemeClr val="accent1"/>
+            </a:fillRef>
+            <a:effectRef idx="0">
+              <a:schemeClr val="accent1"/>
+            </a:effectRef>
+            <a:fontRef idx="minor">
+              <a:schemeClr val="lt1"/>
+            </a:fontRef>
+          </p:style>
+          <p:txBody>
+            <a:bodyPr rtlCol="0" anchor="ctr"/>
+            <a:lstStyle/>
+            <a:p>
+              <a:pPr algn="ctr"/>
+              <a:r>
+                <a:rPr lang="en-US" dirty="0" smtClean="0">
+                  <a:solidFill>
+                    <a:schemeClr val="tx1"/>
+                  </a:solidFill>
+                </a:rPr>
+                <a:t>Model</a:t>
+              </a:r>
+              <a:br>
+                <a:rPr lang="en-US" dirty="0" smtClean="0">
+                  <a:solidFill>
+                    <a:schemeClr val="tx1"/>
+                  </a:solidFill>
+                </a:rPr>
+              </a:br>
+              <a:r>
+                <a:rPr lang="en-US" dirty="0" smtClean="0">
+                  <a:solidFill>
+                    <a:schemeClr val="tx1"/>
+                  </a:solidFill>
+                </a:rPr>
+                <a:t>Node</a:t>
+              </a:r>
+              <a:endParaRPr lang="en-US" dirty="0">
+                <a:solidFill>
+                  <a:schemeClr val="tx1"/>
+                </a:solidFill>
+              </a:endParaRPr>
+            </a:p>
+          </p:txBody>
+        </p:sp>
+        <p:sp>
+          <p:nvSpPr>
+            <p:cNvPr id="12" name="Rounded Rectangle 11"/>
+            <p:cNvSpPr/>
+            <p:nvPr/>
+          </p:nvSpPr>
+          <p:spPr>
+            <a:xfrm>
+              <a:off x="1295400" y="2647950"/>
+              <a:ext cx="1219200" cy="685800"/>
+            </a:xfrm>
+            <a:prstGeom prst="roundRect">
+              <a:avLst/>
+            </a:prstGeom>
+            <a:solidFill>
+              <a:schemeClr val="tx1">
+                <a:lumMod val="85000"/>
+                <a:lumOff val="15000"/>
+              </a:schemeClr>
+            </a:solidFill>
+            <a:ln>
+              <a:solidFill>
+                <a:schemeClr val="tx1"/>
+              </a:solidFill>
+            </a:ln>
+          </p:spPr>
+          <p:style>
+            <a:lnRef idx="2">
+              <a:schemeClr val="accent1">
+                <a:shade val="50000"/>
+              </a:schemeClr>
+            </a:lnRef>
+            <a:fillRef idx="1">
+              <a:schemeClr val="accent1"/>
+            </a:fillRef>
+            <a:effectRef idx="0">
+              <a:schemeClr val="accent1"/>
+            </a:effectRef>
+            <a:fontRef idx="minor">
+              <a:schemeClr val="lt1"/>
+            </a:fontRef>
+          </p:style>
+          <p:txBody>
+            <a:bodyPr rtlCol="0" anchor="ctr"/>
+            <a:lstStyle/>
+            <a:p>
+              <a:pPr algn="ctr"/>
+              <a:r>
+                <a:rPr lang="en-US" dirty="0" smtClean="0">
+                  <a:solidFill>
+                    <a:schemeClr val="bg1"/>
+                  </a:solidFill>
+                </a:rPr>
+                <a:t>Debug</a:t>
+              </a:r>
+              <a:br>
+                <a:rPr lang="en-US" dirty="0" smtClean="0">
+                  <a:solidFill>
+                    <a:schemeClr val="bg1"/>
+                  </a:solidFill>
+                </a:rPr>
+              </a:br>
+              <a:r>
+                <a:rPr lang="en-US" dirty="0" smtClean="0">
+                  <a:solidFill>
+                    <a:schemeClr val="bg1"/>
+                  </a:solidFill>
+                </a:rPr>
+                <a:t>Strategy</a:t>
+              </a:r>
+              <a:endParaRPr lang="en-US" dirty="0">
+                <a:solidFill>
+                  <a:schemeClr val="bg1"/>
+                </a:solidFill>
+              </a:endParaRPr>
+            </a:p>
+          </p:txBody>
+        </p:sp>
+        <p:cxnSp>
+          <p:nvCxnSpPr>
+            <p:cNvPr id="13" name="Elbow Connector 12"/>
+            <p:cNvCxnSpPr>
+              <a:stCxn id="8" idx="2"/>
+            </p:cNvCxnSpPr>
+            <p:nvPr/>
+          </p:nvCxnSpPr>
+          <p:spPr>
+            <a:xfrm rot="16200000" flipH="1">
+              <a:off x="3663166" y="2158216"/>
+              <a:ext cx="636568" cy="342900"/>
+            </a:xfrm>
+            <a:prstGeom prst="bentConnector3">
+              <a:avLst/>
+            </a:prstGeom>
+            <a:ln w="76200" cmpd="tri">
+              <a:solidFill>
+                <a:srgbClr val="FFC000"/>
+              </a:solidFill>
+              <a:headEnd type="triangle" w="med" len="sm"/>
+              <a:tailEnd type="triangle" w="med" len="sm"/>
+            </a:ln>
+          </p:spPr>
+          <p:style>
+            <a:lnRef idx="1">
+              <a:schemeClr val="accent1"/>
+            </a:lnRef>
+            <a:fillRef idx="0">
+              <a:schemeClr val="accent1"/>
+            </a:fillRef>
+            <a:effectRef idx="0">
+              <a:schemeClr val="accent1"/>
+            </a:effectRef>
+            <a:fontRef idx="minor">
+              <a:schemeClr val="tx1"/>
+            </a:fontRef>
+          </p:style>
+        </p:cxnSp>
+        <p:cxnSp>
+          <p:nvCxnSpPr>
+            <p:cNvPr id="14" name="Elbow Connector 13"/>
+            <p:cNvCxnSpPr>
+              <a:endCxn id="11" idx="0"/>
+            </p:cNvCxnSpPr>
+            <p:nvPr/>
+          </p:nvCxnSpPr>
+          <p:spPr>
+            <a:xfrm rot="5400000">
+              <a:off x="3695700" y="3524250"/>
+              <a:ext cx="609600" cy="228600"/>
+            </a:xfrm>
+            <a:prstGeom prst="bentConnector3">
+              <a:avLst>
+                <a:gd name="adj1" fmla="val 57792"/>
+              </a:avLst>
+            </a:prstGeom>
+            <a:ln w="76200" cmpd="tri">
+              <a:solidFill>
+                <a:srgbClr val="FFC000"/>
+              </a:solidFill>
+              <a:headEnd type="triangle" w="med" len="sm"/>
+              <a:tailEnd type="triangle" w="med" len="sm"/>
+            </a:ln>
+          </p:spPr>
+          <p:style>
+            <a:lnRef idx="1">
+              <a:schemeClr val="accent1"/>
+            </a:lnRef>
+            <a:fillRef idx="0">
+              <a:schemeClr val="accent1"/>
+            </a:fillRef>
+            <a:effectRef idx="0">
+              <a:schemeClr val="accent1"/>
+            </a:effectRef>
+            <a:fontRef idx="minor">
+              <a:schemeClr val="tx1"/>
+            </a:fontRef>
+          </p:style>
+        </p:cxnSp>
+        <p:cxnSp>
+          <p:nvCxnSpPr>
+            <p:cNvPr id="15" name="Elbow Connector 14"/>
+            <p:cNvCxnSpPr>
+              <a:stCxn id="10" idx="0"/>
+              <a:endCxn id="11" idx="0"/>
+            </p:cNvCxnSpPr>
+            <p:nvPr/>
+          </p:nvCxnSpPr>
+          <p:spPr>
+            <a:xfrm rot="5400000" flipH="1" flipV="1">
+              <a:off x="2971800" y="3028950"/>
+              <a:ext cx="12700" cy="1828800"/>
+            </a:xfrm>
+            <a:prstGeom prst="bentConnector3">
+              <a:avLst>
+                <a:gd name="adj1" fmla="val 2267535"/>
+              </a:avLst>
+            </a:prstGeom>
+            <a:ln w="76200" cmpd="tri">
+              <a:solidFill>
+                <a:srgbClr val="FFC000"/>
+              </a:solidFill>
+              <a:headEnd type="triangle" w="med" len="sm"/>
+              <a:tailEnd type="triangle" w="med" len="sm"/>
+            </a:ln>
+          </p:spPr>
+          <p:style>
+            <a:lnRef idx="1">
+              <a:schemeClr val="accent1"/>
+            </a:lnRef>
+            <a:fillRef idx="0">
+              <a:schemeClr val="accent1"/>
+            </a:fillRef>
+            <a:effectRef idx="0">
+              <a:schemeClr val="accent1"/>
+            </a:effectRef>
+            <a:fontRef idx="minor">
+              <a:schemeClr val="tx1"/>
+            </a:fontRef>
+          </p:style>
+        </p:cxnSp>
+        <p:cxnSp>
+          <p:nvCxnSpPr>
+            <p:cNvPr id="16" name="Elbow Connector 15"/>
+            <p:cNvCxnSpPr>
+              <a:endCxn id="7" idx="0"/>
+            </p:cNvCxnSpPr>
+            <p:nvPr/>
+          </p:nvCxnSpPr>
+          <p:spPr>
+            <a:xfrm rot="16200000" flipH="1">
+              <a:off x="4800600" y="3409950"/>
+              <a:ext cx="609600" cy="457200"/>
+            </a:xfrm>
+            <a:prstGeom prst="bentConnector3">
+              <a:avLst/>
+            </a:prstGeom>
+            <a:ln w="76200" cmpd="sng">
+              <a:solidFill>
+                <a:schemeClr val="tx1"/>
+              </a:solidFill>
+              <a:headEnd type="triangle" w="med" len="sm"/>
+              <a:tailEnd type="triangle" w="med" len="sm"/>
+            </a:ln>
+          </p:spPr>
+          <p:style>
+            <a:lnRef idx="1">
+              <a:schemeClr val="accent1"/>
+            </a:lnRef>
+            <a:fillRef idx="0">
+              <a:schemeClr val="accent1"/>
+            </a:fillRef>
+            <a:effectRef idx="0">
+              <a:schemeClr val="accent1"/>
+            </a:effectRef>
+            <a:fontRef idx="minor">
+              <a:schemeClr val="tx1"/>
+            </a:fontRef>
+          </p:style>
+        </p:cxnSp>
+        <p:cxnSp>
+          <p:nvCxnSpPr>
+            <p:cNvPr id="17" name="Elbow Connector 16"/>
+            <p:cNvCxnSpPr>
+              <a:stCxn id="9" idx="0"/>
+              <a:endCxn id="7" idx="0"/>
+            </p:cNvCxnSpPr>
+            <p:nvPr/>
+          </p:nvCxnSpPr>
+          <p:spPr>
+            <a:xfrm rot="16200000" flipV="1">
+              <a:off x="6248400" y="3028950"/>
+              <a:ext cx="12700" cy="1828800"/>
+            </a:xfrm>
+            <a:prstGeom prst="bentConnector3">
+              <a:avLst>
+                <a:gd name="adj1" fmla="val 2454543"/>
+              </a:avLst>
+            </a:prstGeom>
+            <a:ln w="76200" cmpd="sng">
+              <a:solidFill>
+                <a:schemeClr val="tx1"/>
+              </a:solidFill>
+              <a:headEnd type="triangle" w="med" len="sm"/>
+              <a:tailEnd type="triangle" w="med" len="sm"/>
+            </a:ln>
+          </p:spPr>
+          <p:style>
+            <a:lnRef idx="1">
+              <a:schemeClr val="accent1"/>
+            </a:lnRef>
+            <a:fillRef idx="0">
+              <a:schemeClr val="accent1"/>
+            </a:fillRef>
+            <a:effectRef idx="0">
+              <a:schemeClr val="accent1"/>
+            </a:effectRef>
+            <a:fontRef idx="minor">
+              <a:schemeClr val="tx1"/>
+            </a:fontRef>
+          </p:style>
+        </p:cxnSp>
+        <p:cxnSp>
+          <p:nvCxnSpPr>
+            <p:cNvPr id="18" name="Elbow Connector 17"/>
+            <p:cNvCxnSpPr>
+              <a:stCxn id="5" idx="3"/>
+              <a:endCxn id="6" idx="1"/>
+            </p:cNvCxnSpPr>
+            <p:nvPr/>
+          </p:nvCxnSpPr>
+          <p:spPr>
+            <a:xfrm>
+              <a:off x="5105400" y="2990850"/>
+              <a:ext cx="1219200" cy="12700"/>
+            </a:xfrm>
+            <a:prstGeom prst="bentConnector3">
+              <a:avLst/>
+            </a:prstGeom>
+            <a:ln w="76200" cmpd="dbl">
+              <a:solidFill>
+                <a:srgbClr val="FFC000"/>
+              </a:solidFill>
+              <a:headEnd type="triangle" w="med" len="sm"/>
+              <a:tailEnd type="triangle" w="med" len="sm"/>
+            </a:ln>
+          </p:spPr>
+          <p:style>
+            <a:lnRef idx="1">
+              <a:schemeClr val="accent1"/>
+            </a:lnRef>
+            <a:fillRef idx="0">
+              <a:schemeClr val="accent1"/>
+            </a:fillRef>
+            <a:effectRef idx="0">
+              <a:schemeClr val="accent1"/>
+            </a:effectRef>
+            <a:fontRef idx="minor">
+              <a:schemeClr val="tx1"/>
+            </a:fontRef>
+          </p:style>
+        </p:cxnSp>
+        <p:cxnSp>
+          <p:nvCxnSpPr>
+            <p:cNvPr id="19" name="Elbow Connector 18"/>
+            <p:cNvCxnSpPr>
+              <a:stCxn id="12" idx="3"/>
+              <a:endCxn id="5" idx="1"/>
+            </p:cNvCxnSpPr>
+            <p:nvPr/>
+          </p:nvCxnSpPr>
+          <p:spPr>
+            <a:xfrm>
+              <a:off x="2514600" y="2990850"/>
+              <a:ext cx="1371600" cy="12700"/>
+            </a:xfrm>
+            <a:prstGeom prst="bentConnector3">
+              <a:avLst/>
+            </a:prstGeom>
+            <a:ln w="76200" cmpd="dbl">
+              <a:solidFill>
+                <a:schemeClr val="tx1"/>
+              </a:solidFill>
+              <a:headEnd type="triangle" w="med" len="sm"/>
+              <a:tailEnd type="triangle" w="med" len="sm"/>
+            </a:ln>
+          </p:spPr>
+          <p:style>
+            <a:lnRef idx="1">
+              <a:schemeClr val="accent1"/>
+            </a:lnRef>
+            <a:fillRef idx="0">
+              <a:schemeClr val="accent1"/>
+            </a:fillRef>
+            <a:effectRef idx="0">
+              <a:schemeClr val="accent1"/>
+            </a:effectRef>
+            <a:fontRef idx="minor">
+              <a:schemeClr val="tx1"/>
+            </a:fontRef>
+          </p:style>
+        </p:cxnSp>
+        <p:sp>
+          <p:nvSpPr>
+            <p:cNvPr id="20" name="TextBox 19"/>
+            <p:cNvSpPr txBox="1"/>
+            <p:nvPr/>
+          </p:nvSpPr>
+          <p:spPr>
+            <a:xfrm>
+              <a:off x="1752600" y="2038350"/>
+              <a:ext cx="2051050" cy="276999"/>
+            </a:xfrm>
+            <a:prstGeom prst="rect">
+              <a:avLst/>
+            </a:prstGeom>
+            <a:noFill/>
+          </p:spPr>
+          <p:txBody>
+            <a:bodyPr wrap="square" rtlCol="0">
+              <a:spAutoFit/>
+            </a:bodyPr>
+            <a:lstStyle/>
+            <a:p>
+              <a:r>
+                <a:rPr lang="en-US" sz="1200" dirty="0" smtClean="0"/>
+                <a:t>Client/Host </a:t>
+              </a:r>
+              <a:r>
+                <a:rPr lang="en-US" sz="1200" dirty="0" err="1" smtClean="0"/>
+                <a:t>AccessInterface</a:t>
+              </a:r>
+              <a:endParaRPr lang="en-US" sz="1200" dirty="0"/>
+            </a:p>
+          </p:txBody>
+        </p:sp>
+        <p:sp>
+          <p:nvSpPr>
+            <p:cNvPr id="21" name="TextBox 20"/>
+            <p:cNvSpPr txBox="1"/>
+            <p:nvPr/>
+          </p:nvSpPr>
+          <p:spPr>
+            <a:xfrm>
+              <a:off x="1905000" y="3381299"/>
+              <a:ext cx="2203450" cy="276999"/>
+            </a:xfrm>
+            <a:prstGeom prst="rect">
+              <a:avLst/>
+            </a:prstGeom>
+            <a:noFill/>
+            <a:ln>
+              <a:noFill/>
+            </a:ln>
+          </p:spPr>
+          <p:txBody>
+            <a:bodyPr wrap="square" rtlCol="0">
+              <a:spAutoFit/>
+            </a:bodyPr>
+            <a:lstStyle/>
+            <a:p>
+              <a:r>
+                <a:rPr lang="en-US" sz="1200" dirty="0" smtClean="0"/>
+                <a:t>Host/Client </a:t>
+              </a:r>
+              <a:r>
+                <a:rPr lang="en-US" sz="1200" dirty="0" err="1" smtClean="0"/>
+                <a:t>AccessInterface</a:t>
+              </a:r>
+              <a:endParaRPr lang="en-US" sz="1200" dirty="0"/>
+            </a:p>
+          </p:txBody>
+        </p:sp>
+        <p:sp>
+          <p:nvSpPr>
+            <p:cNvPr id="22" name="TextBox 21"/>
+            <p:cNvSpPr txBox="1"/>
+            <p:nvPr/>
+          </p:nvSpPr>
+          <p:spPr>
+            <a:xfrm>
+              <a:off x="5257800" y="3333750"/>
+              <a:ext cx="1752600" cy="276999"/>
+            </a:xfrm>
+            <a:prstGeom prst="rect">
+              <a:avLst/>
+            </a:prstGeom>
+            <a:noFill/>
+          </p:spPr>
+          <p:txBody>
+            <a:bodyPr wrap="square" rtlCol="0">
+              <a:spAutoFit/>
+            </a:bodyPr>
+            <a:lstStyle/>
+            <a:p>
+              <a:r>
+                <a:rPr lang="en-US" sz="1200" dirty="0" err="1" smtClean="0"/>
+                <a:t>TestInjectionInterface</a:t>
+              </a:r>
+              <a:endParaRPr lang="en-US" sz="1200" dirty="0"/>
+            </a:p>
+          </p:txBody>
+        </p:sp>
+        <p:sp>
+          <p:nvSpPr>
+            <p:cNvPr id="23" name="TextBox 22"/>
+            <p:cNvSpPr txBox="1"/>
+            <p:nvPr/>
+          </p:nvSpPr>
+          <p:spPr>
+            <a:xfrm>
+              <a:off x="5091050" y="2541885"/>
+              <a:ext cx="1295400" cy="461665"/>
+            </a:xfrm>
+            <a:prstGeom prst="rect">
+              <a:avLst/>
+            </a:prstGeom>
+            <a:noFill/>
+          </p:spPr>
+          <p:txBody>
+            <a:bodyPr wrap="square" rtlCol="0">
+              <a:spAutoFit/>
+            </a:bodyPr>
+            <a:lstStyle/>
+            <a:p>
+              <a:pPr algn="ctr"/>
+              <a:r>
+                <a:rPr lang="en-US" sz="1200" dirty="0" smtClean="0"/>
+                <a:t>Transformation Interface</a:t>
+              </a:r>
+              <a:endParaRPr lang="en-US" sz="1200" dirty="0"/>
+            </a:p>
+          </p:txBody>
+        </p:sp>
+        <p:sp>
+          <p:nvSpPr>
+            <p:cNvPr id="24" name="TextBox 23"/>
+            <p:cNvSpPr txBox="1"/>
+            <p:nvPr/>
+          </p:nvSpPr>
+          <p:spPr>
+            <a:xfrm>
+              <a:off x="2825750" y="2517887"/>
+              <a:ext cx="908050" cy="461665"/>
+            </a:xfrm>
+            <a:prstGeom prst="rect">
+              <a:avLst/>
+            </a:prstGeom>
+            <a:noFill/>
+          </p:spPr>
+          <p:txBody>
+            <a:bodyPr wrap="square" rtlCol="0">
+              <a:spAutoFit/>
+            </a:bodyPr>
+            <a:lstStyle/>
+            <a:p>
+              <a:pPr algn="ctr"/>
+              <a:r>
+                <a:rPr lang="en-US" sz="1200" dirty="0" smtClean="0"/>
+                <a:t>Debug</a:t>
+              </a:r>
+              <a:br>
+                <a:rPr lang="en-US" sz="1200" dirty="0" smtClean="0"/>
+              </a:br>
+              <a:r>
+                <a:rPr lang="en-US" sz="1200" dirty="0" smtClean="0"/>
+                <a:t>Interface</a:t>
+              </a:r>
+              <a:endParaRPr lang="en-US" sz="1200" dirty="0"/>
+            </a:p>
+          </p:txBody>
+        </p:sp>
+        <p:sp>
+          <p:nvSpPr>
+            <p:cNvPr id="25" name="Rounded Rectangle 24"/>
+            <p:cNvSpPr/>
+            <p:nvPr/>
+          </p:nvSpPr>
+          <p:spPr>
+            <a:xfrm>
+              <a:off x="4724400" y="1316925"/>
+              <a:ext cx="1143000" cy="685800"/>
+            </a:xfrm>
+            <a:prstGeom prst="roundRect">
+              <a:avLst/>
+            </a:prstGeom>
+            <a:solidFill>
+              <a:schemeClr val="tx1">
+                <a:lumMod val="85000"/>
+                <a:lumOff val="15000"/>
+              </a:schemeClr>
+            </a:solidFill>
+            <a:ln>
+              <a:solidFill>
+                <a:schemeClr val="tx1"/>
+              </a:solidFill>
+            </a:ln>
+          </p:spPr>
+          <p:style>
+            <a:lnRef idx="2">
+              <a:schemeClr val="accent1">
+                <a:shade val="50000"/>
+              </a:schemeClr>
+            </a:lnRef>
+            <a:fillRef idx="1">
+              <a:schemeClr val="accent1"/>
+            </a:fillRef>
+            <a:effectRef idx="0">
+              <a:schemeClr val="accent1"/>
+            </a:effectRef>
+            <a:fontRef idx="minor">
+              <a:schemeClr val="lt1"/>
+            </a:fontRef>
+          </p:style>
+          <p:txBody>
+            <a:bodyPr rtlCol="0" anchor="ctr"/>
+            <a:lstStyle/>
+            <a:p>
+              <a:pPr algn="ctr"/>
+              <a:r>
+                <a:rPr lang="en-US" dirty="0" smtClean="0">
+                  <a:solidFill>
+                    <a:schemeClr val="bg1"/>
+                  </a:solidFill>
+                </a:rPr>
+                <a:t>Injection</a:t>
+              </a:r>
+              <a:br>
+                <a:rPr lang="en-US" dirty="0" smtClean="0">
+                  <a:solidFill>
+                    <a:schemeClr val="bg1"/>
+                  </a:solidFill>
+                </a:rPr>
+              </a:br>
+              <a:r>
+                <a:rPr lang="en-US" dirty="0" smtClean="0">
+                  <a:solidFill>
+                    <a:schemeClr val="bg1"/>
+                  </a:solidFill>
+                </a:rPr>
+                <a:t>Strategy</a:t>
+              </a:r>
+              <a:endParaRPr lang="en-US" dirty="0">
+                <a:solidFill>
+                  <a:schemeClr val="bg1"/>
+                </a:solidFill>
+              </a:endParaRPr>
+            </a:p>
+          </p:txBody>
+        </p:sp>
+        <p:cxnSp>
+          <p:nvCxnSpPr>
+            <p:cNvPr id="26" name="Elbow Connector 25"/>
+            <p:cNvCxnSpPr>
+              <a:stCxn id="25" idx="2"/>
+            </p:cNvCxnSpPr>
+            <p:nvPr/>
+          </p:nvCxnSpPr>
+          <p:spPr>
+            <a:xfrm rot="5400000">
+              <a:off x="4687537" y="2039588"/>
+              <a:ext cx="645227" cy="571500"/>
+            </a:xfrm>
+            <a:prstGeom prst="bentConnector3">
+              <a:avLst>
+                <a:gd name="adj1" fmla="val 50000"/>
+              </a:avLst>
+            </a:prstGeom>
+            <a:ln w="76200" cmpd="dbl">
+              <a:solidFill>
+                <a:schemeClr val="tx1"/>
+              </a:solidFill>
+              <a:headEnd type="triangle" w="med" len="sm"/>
+              <a:tailEnd type="triangle" w="med" len="sm"/>
+            </a:ln>
+          </p:spPr>
+          <p:style>
+            <a:lnRef idx="1">
+              <a:schemeClr val="accent1"/>
+            </a:lnRef>
+            <a:fillRef idx="0">
+              <a:schemeClr val="accent1"/>
+            </a:fillRef>
+            <a:effectRef idx="0">
+              <a:schemeClr val="accent1"/>
+            </a:effectRef>
+            <a:fontRef idx="minor">
+              <a:schemeClr val="tx1"/>
+            </a:fontRef>
+          </p:style>
+        </p:cxnSp>
+        <p:sp>
+          <p:nvSpPr>
+            <p:cNvPr id="27" name="TextBox 26"/>
+            <p:cNvSpPr txBox="1"/>
+            <p:nvPr/>
+          </p:nvSpPr>
+          <p:spPr>
+            <a:xfrm>
+              <a:off x="5334000" y="2033885"/>
+              <a:ext cx="1447800" cy="276999"/>
+            </a:xfrm>
+            <a:prstGeom prst="rect">
+              <a:avLst/>
+            </a:prstGeom>
+            <a:noFill/>
+          </p:spPr>
+          <p:txBody>
+            <a:bodyPr wrap="square" rtlCol="0">
+              <a:spAutoFit/>
+            </a:bodyPr>
+            <a:lstStyle/>
+            <a:p>
+              <a:pPr algn="ctr"/>
+              <a:r>
+                <a:rPr lang="en-US" sz="1200" dirty="0" smtClean="0"/>
+                <a:t>Injection Interface</a:t>
+              </a:r>
+              <a:endParaRPr lang="en-US" sz="1200" dirty="0"/>
+            </a:p>
+          </p:txBody>
+        </p:sp>
+        <p:sp>
+          <p:nvSpPr>
+            <p:cNvPr id="28" name="TextBox 27"/>
+            <p:cNvSpPr txBox="1"/>
+            <p:nvPr/>
+          </p:nvSpPr>
+          <p:spPr>
+            <a:xfrm>
+              <a:off x="2655125" y="4101584"/>
+              <a:ext cx="685800" cy="369332"/>
+            </a:xfrm>
+            <a:prstGeom prst="rect">
+              <a:avLst/>
+            </a:prstGeom>
+            <a:noFill/>
+          </p:spPr>
+          <p:txBody>
+            <a:bodyPr wrap="square" rtlCol="0">
+              <a:spAutoFit/>
+            </a:bodyPr>
+            <a:lstStyle/>
+            <a:p>
+              <a:r>
+                <a:rPr lang="en-US" dirty="0"/>
+                <a:t>o</a:t>
+              </a:r>
+              <a:r>
+                <a:rPr lang="en-US" dirty="0" smtClean="0"/>
+                <a:t> </a:t>
+              </a:r>
+              <a:r>
+                <a:rPr lang="en-US" dirty="0" err="1" smtClean="0"/>
+                <a:t>o</a:t>
+              </a:r>
+              <a:r>
+                <a:rPr lang="en-US" dirty="0" smtClean="0"/>
+                <a:t> </a:t>
+              </a:r>
+              <a:r>
+                <a:rPr lang="en-US" dirty="0" err="1" smtClean="0"/>
+                <a:t>o</a:t>
+              </a:r>
+              <a:endParaRPr lang="en-US" dirty="0"/>
+            </a:p>
+          </p:txBody>
+        </p:sp>
+        <p:sp>
+          <p:nvSpPr>
+            <p:cNvPr id="29" name="TextBox 28"/>
+            <p:cNvSpPr txBox="1"/>
+            <p:nvPr/>
+          </p:nvSpPr>
+          <p:spPr>
+            <a:xfrm>
+              <a:off x="5903025" y="4095750"/>
+              <a:ext cx="685800" cy="369332"/>
+            </a:xfrm>
+            <a:prstGeom prst="rect">
+              <a:avLst/>
+            </a:prstGeom>
+            <a:noFill/>
+          </p:spPr>
+          <p:txBody>
+            <a:bodyPr wrap="square" rtlCol="0">
+              <a:spAutoFit/>
+            </a:bodyPr>
+            <a:lstStyle/>
+            <a:p>
+              <a:r>
+                <a:rPr lang="en-US" dirty="0"/>
+                <a:t>o</a:t>
+              </a:r>
+              <a:r>
+                <a:rPr lang="en-US" dirty="0" smtClean="0"/>
+                <a:t> </a:t>
+              </a:r>
+              <a:r>
+                <a:rPr lang="en-US" dirty="0" err="1" smtClean="0"/>
+                <a:t>o</a:t>
+              </a:r>
+              <a:r>
+                <a:rPr lang="en-US" dirty="0" smtClean="0"/>
+                <a:t> </a:t>
+              </a:r>
+              <a:r>
+                <a:rPr lang="en-US" dirty="0" err="1" smtClean="0"/>
+                <a:t>o</a:t>
+              </a:r>
+              <a:endParaRPr lang="en-US" dirty="0"/>
+            </a:p>
+          </p:txBody>
+        </p:sp>
+        <p:sp>
+          <p:nvSpPr>
+            <p:cNvPr id="30" name="TextBox 29"/>
+            <p:cNvSpPr txBox="1"/>
+            <p:nvPr/>
+          </p:nvSpPr>
+          <p:spPr>
+            <a:xfrm>
+              <a:off x="533400" y="4095750"/>
+              <a:ext cx="990600" cy="369332"/>
+            </a:xfrm>
+            <a:prstGeom prst="rect">
+              <a:avLst/>
+            </a:prstGeom>
+            <a:noFill/>
+          </p:spPr>
+          <p:txBody>
+            <a:bodyPr wrap="square" rtlCol="0">
+              <a:spAutoFit/>
+            </a:bodyPr>
+            <a:lstStyle/>
+            <a:p>
+              <a:r>
+                <a:rPr lang="en-US" i="1" dirty="0" smtClean="0"/>
+                <a:t>Clients</a:t>
+              </a:r>
+              <a:endParaRPr lang="en-US" i="1" dirty="0"/>
+            </a:p>
+          </p:txBody>
+        </p:sp>
+        <p:sp>
+          <p:nvSpPr>
+            <p:cNvPr id="31" name="TextBox 30"/>
+            <p:cNvSpPr txBox="1"/>
+            <p:nvPr/>
+          </p:nvSpPr>
+          <p:spPr>
+            <a:xfrm>
+              <a:off x="2514600" y="1475159"/>
+              <a:ext cx="679450" cy="369332"/>
+            </a:xfrm>
+            <a:prstGeom prst="rect">
+              <a:avLst/>
+            </a:prstGeom>
+            <a:noFill/>
+          </p:spPr>
+          <p:txBody>
+            <a:bodyPr wrap="square" rtlCol="0">
+              <a:spAutoFit/>
+            </a:bodyPr>
+            <a:lstStyle/>
+            <a:p>
+              <a:r>
+                <a:rPr lang="en-US" i="1" dirty="0" smtClean="0"/>
+                <a:t>Host</a:t>
+              </a:r>
+              <a:endParaRPr lang="en-US" i="1" dirty="0"/>
+            </a:p>
+          </p:txBody>
+        </p:sp>
+      </p:grpSp>
+      <p:sp>
+        <p:nvSpPr>
+          <p:cNvPr id="33" name="Rectangular Callout 32"/>
+          <p:cNvSpPr/>
+          <p:nvPr/>
+        </p:nvSpPr>
+        <p:spPr>
+          <a:xfrm>
+            <a:off x="7391400" y="2362200"/>
+            <a:ext cx="1676400" cy="721425"/>
+          </a:xfrm>
+          <a:prstGeom prst="wedgeRectCallout">
+            <a:avLst>
+              <a:gd name="adj1" fmla="val -44210"/>
+              <a:gd name="adj2" fmla="val 153035"/>
+            </a:avLst>
+          </a:prstGeom>
+          <a:solidFill>
+            <a:srgbClr val="FFFF00"/>
+          </a:solidFill>
+          <a:ln>
+            <a:solidFill>
+              <a:schemeClr val="tx1"/>
+            </a:solidFill>
+          </a:ln>
+        </p:spPr>
+        <p:style>
+          <a:lnRef idx="2">
+            <a:schemeClr val="accent1">
+              <a:shade val="50000"/>
+            </a:schemeClr>
+          </a:lnRef>
+          <a:fillRef idx="1">
+            <a:schemeClr val="accent1"/>
+          </a:fillRef>
+          <a:effectRef idx="0">
+            <a:schemeClr val="accent1"/>
+          </a:effectRef>
+          <a:fontRef idx="minor">
+            <a:schemeClr val="lt1"/>
+          </a:fontRef>
+        </p:style>
+        <p:txBody>
+          <a:bodyPr rtlCol="0" anchor="ctr"/>
+          <a:lstStyle/>
+          <a:p>
+            <a:pPr algn="ctr"/>
+            <a:r>
+              <a:rPr lang="en-US" dirty="0" smtClean="0">
+                <a:solidFill>
+                  <a:schemeClr val="tx1"/>
+                </a:solidFill>
+              </a:rPr>
+              <a:t>Transform Library</a:t>
+            </a:r>
+            <a:endParaRPr lang="en-US" dirty="0">
+              <a:solidFill>
+                <a:schemeClr val="tx1"/>
+              </a:solidFill>
+            </a:endParaRPr>
+          </a:p>
+        </p:txBody>
+      </p:sp>
+      <p:sp>
+        <p:nvSpPr>
+          <p:cNvPr id="34" name="Rectangular Callout 33"/>
+          <p:cNvSpPr/>
+          <p:nvPr/>
+        </p:nvSpPr>
+        <p:spPr>
+          <a:xfrm>
+            <a:off x="5867400" y="1219200"/>
+            <a:ext cx="1676400" cy="721425"/>
+          </a:xfrm>
+          <a:prstGeom prst="wedgeRectCallout">
+            <a:avLst>
+              <a:gd name="adj1" fmla="val -59086"/>
+              <a:gd name="adj2" fmla="val 131636"/>
+            </a:avLst>
+          </a:prstGeom>
+          <a:solidFill>
+            <a:srgbClr val="FFFF00"/>
+          </a:solidFill>
+          <a:ln>
+            <a:solidFill>
+              <a:schemeClr val="tx1"/>
+            </a:solidFill>
+          </a:ln>
+        </p:spPr>
+        <p:style>
+          <a:lnRef idx="2">
+            <a:schemeClr val="accent1">
+              <a:shade val="50000"/>
+            </a:schemeClr>
+          </a:lnRef>
+          <a:fillRef idx="1">
+            <a:schemeClr val="accent1"/>
+          </a:fillRef>
+          <a:effectRef idx="0">
+            <a:schemeClr val="accent1"/>
+          </a:effectRef>
+          <a:fontRef idx="minor">
+            <a:schemeClr val="lt1"/>
+          </a:fontRef>
+        </p:style>
+        <p:txBody>
+          <a:bodyPr rtlCol="0" anchor="ctr"/>
+          <a:lstStyle/>
+          <a:p>
+            <a:pPr algn="ctr"/>
+            <a:r>
+              <a:rPr lang="en-US" dirty="0" smtClean="0">
+                <a:solidFill>
+                  <a:schemeClr val="tx1"/>
+                </a:solidFill>
+              </a:rPr>
+              <a:t>Injection</a:t>
+            </a:r>
+          </a:p>
+          <a:p>
+            <a:pPr algn="ctr"/>
+            <a:r>
+              <a:rPr lang="en-US" dirty="0" smtClean="0">
+                <a:solidFill>
+                  <a:schemeClr val="tx1"/>
+                </a:solidFill>
+              </a:rPr>
+              <a:t>Library</a:t>
+            </a:r>
+            <a:endParaRPr lang="en-US" dirty="0">
+              <a:solidFill>
+                <a:schemeClr val="tx1"/>
+              </a:solidFill>
+            </a:endParaRPr>
+          </a:p>
+        </p:txBody>
+      </p:sp>
+      <p:sp>
+        <p:nvSpPr>
+          <p:cNvPr id="35" name="Rectangular Callout 34"/>
+          <p:cNvSpPr/>
+          <p:nvPr/>
+        </p:nvSpPr>
+        <p:spPr>
+          <a:xfrm>
+            <a:off x="152400" y="2643250"/>
+            <a:ext cx="1676400" cy="721425"/>
+          </a:xfrm>
+          <a:prstGeom prst="wedgeRectCallout">
+            <a:avLst>
+              <a:gd name="adj1" fmla="val 45046"/>
+              <a:gd name="adj2" fmla="val 111883"/>
+            </a:avLst>
+          </a:prstGeom>
+          <a:solidFill>
+            <a:srgbClr val="FFFF00"/>
+          </a:solidFill>
+          <a:ln>
+            <a:solidFill>
+              <a:schemeClr val="tx1"/>
+            </a:solidFill>
+          </a:ln>
+        </p:spPr>
+        <p:style>
+          <a:lnRef idx="2">
+            <a:schemeClr val="accent1">
+              <a:shade val="50000"/>
+            </a:schemeClr>
+          </a:lnRef>
+          <a:fillRef idx="1">
+            <a:schemeClr val="accent1"/>
+          </a:fillRef>
+          <a:effectRef idx="0">
+            <a:schemeClr val="accent1"/>
+          </a:effectRef>
+          <a:fontRef idx="minor">
+            <a:schemeClr val="lt1"/>
+          </a:fontRef>
+        </p:style>
+        <p:txBody>
+          <a:bodyPr rtlCol="0" anchor="ctr"/>
+          <a:lstStyle/>
+          <a:p>
+            <a:pPr algn="ctr"/>
+            <a:r>
+              <a:rPr lang="en-US" dirty="0" smtClean="0">
+                <a:solidFill>
+                  <a:schemeClr val="tx1"/>
+                </a:solidFill>
+              </a:rPr>
+              <a:t>Debug</a:t>
+            </a:r>
+          </a:p>
+          <a:p>
+            <a:pPr algn="ctr"/>
+            <a:r>
+              <a:rPr lang="en-US" dirty="0" smtClean="0">
+                <a:solidFill>
+                  <a:schemeClr val="tx1"/>
+                </a:solidFill>
+              </a:rPr>
+              <a:t>Library</a:t>
+            </a:r>
+            <a:endParaRPr lang="en-US" dirty="0">
+              <a:solidFill>
+                <a:schemeClr val="tx1"/>
+              </a:solidFill>
+            </a:endParaRPr>
+          </a:p>
+        </p:txBody>
+      </p:sp>
+      <p:sp>
+        <p:nvSpPr>
+          <p:cNvPr id="36" name="Rectangular Callout 35"/>
+          <p:cNvSpPr/>
+          <p:nvPr/>
+        </p:nvSpPr>
+        <p:spPr>
+          <a:xfrm>
+            <a:off x="1828800" y="1010887"/>
+            <a:ext cx="1676400" cy="817913"/>
+          </a:xfrm>
+          <a:prstGeom prst="wedgeRectCallout">
+            <a:avLst>
+              <a:gd name="adj1" fmla="val 49297"/>
+              <a:gd name="adj2" fmla="val 135992"/>
+            </a:avLst>
+          </a:prstGeom>
+          <a:solidFill>
+            <a:srgbClr val="FFFF00"/>
+          </a:solidFill>
+          <a:ln>
+            <a:solidFill>
+              <a:schemeClr val="tx1"/>
+            </a:solidFill>
+          </a:ln>
+        </p:spPr>
+        <p:style>
+          <a:lnRef idx="2">
+            <a:schemeClr val="accent1">
+              <a:shade val="50000"/>
+            </a:schemeClr>
+          </a:lnRef>
+          <a:fillRef idx="1">
+            <a:schemeClr val="accent1"/>
+          </a:fillRef>
+          <a:effectRef idx="0">
+            <a:schemeClr val="accent1"/>
+          </a:effectRef>
+          <a:fontRef idx="minor">
+            <a:schemeClr val="lt1"/>
+          </a:fontRef>
+        </p:style>
+        <p:txBody>
+          <a:bodyPr rtlCol="0" anchor="ctr"/>
+          <a:lstStyle/>
+          <a:p>
+            <a:pPr algn="ctr"/>
+            <a:r>
+              <a:rPr lang="en-US" i="1" dirty="0" smtClean="0">
+                <a:solidFill>
+                  <a:schemeClr val="tx1"/>
+                </a:solidFill>
+              </a:rPr>
+              <a:t>Insertion from Bottom </a:t>
+            </a:r>
+            <a:r>
+              <a:rPr lang="en-US" dirty="0" smtClean="0">
+                <a:solidFill>
+                  <a:schemeClr val="tx1"/>
+                </a:solidFill>
+              </a:rPr>
+              <a:t>Half of P2654Node</a:t>
+            </a:r>
+            <a:endParaRPr lang="en-US" dirty="0">
+              <a:solidFill>
+                <a:schemeClr val="tx1"/>
+              </a:solidFill>
+            </a:endParaRPr>
+          </a:p>
+        </p:txBody>
+      </p:sp>
+      <p:sp>
+        <p:nvSpPr>
+          <p:cNvPr id="37" name="Rectangular Callout 36"/>
+          <p:cNvSpPr/>
+          <p:nvPr/>
+        </p:nvSpPr>
+        <p:spPr>
+          <a:xfrm>
+            <a:off x="7391400" y="5867400"/>
+            <a:ext cx="1676400" cy="817913"/>
+          </a:xfrm>
+          <a:prstGeom prst="wedgeRectCallout">
+            <a:avLst>
+              <a:gd name="adj1" fmla="val -32875"/>
+              <a:gd name="adj2" fmla="val -100669"/>
+            </a:avLst>
+          </a:prstGeom>
+          <a:solidFill>
+            <a:srgbClr val="FFFF00"/>
+          </a:solidFill>
+          <a:ln>
+            <a:solidFill>
+              <a:schemeClr val="tx1"/>
+            </a:solidFill>
+          </a:ln>
+        </p:spPr>
+        <p:style>
+          <a:lnRef idx="2">
+            <a:schemeClr val="accent1">
+              <a:shade val="50000"/>
+            </a:schemeClr>
+          </a:lnRef>
+          <a:fillRef idx="1">
+            <a:schemeClr val="accent1"/>
+          </a:fillRef>
+          <a:effectRef idx="0">
+            <a:schemeClr val="accent1"/>
+          </a:effectRef>
+          <a:fontRef idx="minor">
+            <a:schemeClr val="lt1"/>
+          </a:fontRef>
+        </p:style>
+        <p:txBody>
+          <a:bodyPr rtlCol="0" anchor="ctr"/>
+          <a:lstStyle/>
+          <a:p>
+            <a:pPr algn="ctr"/>
+            <a:r>
+              <a:rPr lang="en-US" i="1" dirty="0" smtClean="0">
+                <a:solidFill>
+                  <a:schemeClr val="tx1"/>
+                </a:solidFill>
+              </a:rPr>
+              <a:t>Insertion from Top</a:t>
+            </a:r>
+            <a:r>
+              <a:rPr lang="en-US" dirty="0" smtClean="0">
+                <a:solidFill>
+                  <a:schemeClr val="tx1"/>
+                </a:solidFill>
+              </a:rPr>
+              <a:t> Half of P2654Node</a:t>
+            </a:r>
+            <a:endParaRPr lang="en-US" dirty="0">
+              <a:solidFill>
+                <a:schemeClr val="tx1"/>
+              </a:solidFill>
+            </a:endParaRPr>
+          </a:p>
+        </p:txBody>
+      </p:sp>
+      <p:sp>
+        <p:nvSpPr>
+          <p:cNvPr id="39" name="Slide Number Placeholder 38"/>
+          <p:cNvSpPr>
+            <a:spLocks noGrp="1"/>
+          </p:cNvSpPr>
+          <p:nvPr>
+            <p:ph type="sldNum" sz="quarter" idx="12"/>
+          </p:nvPr>
+        </p:nvSpPr>
+        <p:spPr/>
+        <p:txBody>
+          <a:bodyPr/>
+          <a:lstStyle/>
+          <a:p>
+            <a:fld id="{46161DA3-73C7-4437-81E3-70B52544EB7F}" type="slidenum">
+              <a:rPr lang="en-US" smtClean="0"/>
+              <a:t>13</a:t>
+            </a:fld>
+            <a:endParaRPr lang="en-US"/>
+          </a:p>
+        </p:txBody>
+      </p:sp>
+      <p:sp>
+        <p:nvSpPr>
+          <p:cNvPr id="40" name="Date Placeholder 39"/>
+          <p:cNvSpPr>
+            <a:spLocks noGrp="1"/>
+          </p:cNvSpPr>
+          <p:nvPr>
+            <p:ph type="dt" sz="half" idx="10"/>
+          </p:nvPr>
+        </p:nvSpPr>
+        <p:spPr/>
+        <p:txBody>
+          <a:bodyPr/>
+          <a:lstStyle/>
+          <a:p>
+            <a:fld id="{BD7B667A-5680-411A-B912-EC03B0167620}" type="datetime1">
+              <a:rPr lang="en-US" smtClean="0"/>
+              <a:t>8/3/2021</a:t>
+            </a:fld>
+            <a:endParaRPr lang="en-US"/>
+          </a:p>
+        </p:txBody>
+      </p:sp>
+    </p:spTree>
+    <p:extLst>
+      <p:ext uri="{BB962C8B-B14F-4D97-AF65-F5344CB8AC3E}">
+        <p14:creationId xmlns:p14="http://schemas.microsoft.com/office/powerpoint/2010/main" val="293492157"/>
+      </p:ext>
+    </p:extLst>
+  </p:cSld>
+  <p:clrMapOvr>
+    <a:masterClrMapping/>
+  </p:clrMapOvr>
+</p:sld>
+</file>
+
+<file path=ppt/slides/slide14.xml><?xml version="1.0" encoding="utf-8"?>
+<p:sld xmlns:a="http://schemas.openxmlformats.org/drawingml/2006/main" xmlns:r="http://schemas.openxmlformats.org/officeDocument/2006/relationships" xmlns:p="http://schemas.openxmlformats.org/presentationml/2006/main">
+  <p:cSld>
+    <p:spTree>
+      <p:nvGrpSpPr>
+        <p:cNvPr id="1" name=""/>
+        <p:cNvGrpSpPr/>
+        <p:nvPr/>
+      </p:nvGrpSpPr>
+      <p:grpSpPr>
+        <a:xfrm>
+          <a:off x="0" y="0"/>
+          <a:ext cx="0" cy="0"/>
+          <a:chOff x="0" y="0"/>
+          <a:chExt cx="0" cy="0"/>
+        </a:xfrm>
+      </p:grpSpPr>
+      <p:sp>
+        <p:nvSpPr>
+          <p:cNvPr id="2" name="Title 1"/>
+          <p:cNvSpPr>
+            <a:spLocks noGrp="1"/>
+          </p:cNvSpPr>
+          <p:nvPr>
+            <p:ph type="title"/>
+          </p:nvPr>
+        </p:nvSpPr>
+        <p:spPr>
+          <a:xfrm>
+            <a:off x="374096" y="-533400"/>
+            <a:ext cx="8229600" cy="1600200"/>
+          </a:xfrm>
+        </p:spPr>
+        <p:txBody>
+          <a:bodyPr/>
+          <a:lstStyle/>
+          <a:p>
+            <a:pPr>
+              <a:lnSpc>
+                <a:spcPts val="3000"/>
+              </a:lnSpc>
+            </a:pPr>
+            <a:r>
+              <a:rPr lang="en-US" sz="3200" dirty="0" smtClean="0"/>
+              <a:t>P2654 and P1687.1 Callbacks are really Strategy Pattern and not Callback Pattern</a:t>
+            </a:r>
+            <a:endParaRPr lang="en-US" sz="3200" dirty="0"/>
+          </a:p>
+        </p:txBody>
+      </p:sp>
+      <p:sp>
+        <p:nvSpPr>
+          <p:cNvPr id="3" name="Slide Number Placeholder 2"/>
+          <p:cNvSpPr>
+            <a:spLocks noGrp="1"/>
+          </p:cNvSpPr>
+          <p:nvPr>
+            <p:ph type="sldNum" sz="quarter" idx="12"/>
+          </p:nvPr>
+        </p:nvSpPr>
+        <p:spPr/>
+        <p:txBody>
+          <a:bodyPr/>
+          <a:lstStyle/>
+          <a:p>
+            <a:fld id="{46161DA3-73C7-4437-81E3-70B52544EB7F}" type="slidenum">
+              <a:rPr lang="en-US" smtClean="0"/>
+              <a:t>14</a:t>
+            </a:fld>
+            <a:endParaRPr lang="en-US"/>
+          </a:p>
+        </p:txBody>
+      </p:sp>
+      <p:sp>
+        <p:nvSpPr>
+          <p:cNvPr id="4" name="Date Placeholder 3"/>
+          <p:cNvSpPr>
+            <a:spLocks noGrp="1"/>
+          </p:cNvSpPr>
+          <p:nvPr>
+            <p:ph type="dt" sz="half" idx="10"/>
+          </p:nvPr>
+        </p:nvSpPr>
+        <p:spPr/>
+        <p:txBody>
+          <a:bodyPr/>
+          <a:lstStyle/>
+          <a:p>
+            <a:fld id="{A09E05B6-51AD-4D91-8114-487F17344387}" type="datetime1">
+              <a:rPr lang="en-US" smtClean="0"/>
+              <a:t>8/3/2021</a:t>
+            </a:fld>
+            <a:endParaRPr lang="en-US"/>
+          </a:p>
+        </p:txBody>
+      </p:sp>
+      <p:grpSp>
+        <p:nvGrpSpPr>
+          <p:cNvPr id="5" name="Group 4"/>
+          <p:cNvGrpSpPr/>
+          <p:nvPr/>
+        </p:nvGrpSpPr>
+        <p:grpSpPr>
+          <a:xfrm>
+            <a:off x="-381000" y="1082320"/>
+            <a:ext cx="4419600" cy="2546817"/>
+            <a:chOff x="166208" y="895350"/>
+            <a:chExt cx="3338992" cy="1924111"/>
+          </a:xfrm>
+        </p:grpSpPr>
+        <p:pic>
+          <p:nvPicPr>
+            <p:cNvPr id="6" name="Picture 2" descr="https://upload.wikimedia.org/wikipedia/commons/3/39/Strategy_Pattern_in_UML.png"/>
+            <p:cNvPicPr>
+              <a:picLocks noChangeAspect="1" noChangeArrowheads="1"/>
+            </p:cNvPicPr>
+            <p:nvPr/>
+          </p:nvPicPr>
+          <p:blipFill>
+            <a:blip r:embed="rId2">
+              <a:extLst>
+                <a:ext uri="{28A0092B-C50C-407E-A947-70E740481C1C}">
+                  <a14:useLocalDpi xmlns:a14="http://schemas.microsoft.com/office/drawing/2010/main" val="0"/>
+                </a:ext>
+              </a:extLst>
+            </a:blip>
+            <a:srcRect/>
+            <a:stretch>
+              <a:fillRect/>
+            </a:stretch>
+          </p:blipFill>
+          <p:spPr bwMode="auto">
+            <a:xfrm>
+              <a:off x="533400" y="895350"/>
+              <a:ext cx="2438400" cy="1524001"/>
+            </a:xfrm>
+            <a:prstGeom prst="rect">
+              <a:avLst/>
+            </a:prstGeom>
+            <a:noFill/>
+            <a:extLst>
+              <a:ext uri="{909E8E84-426E-40DD-AFC4-6F175D3DCCD1}">
+                <a14:hiddenFill xmlns:a14="http://schemas.microsoft.com/office/drawing/2010/main">
+                  <a:solidFill>
+                    <a:srgbClr val="FFFFFF"/>
+                  </a:solidFill>
+                </a14:hiddenFill>
+              </a:ext>
+            </a:extLst>
+          </p:spPr>
+        </p:pic>
+        <p:sp>
+          <p:nvSpPr>
+            <p:cNvPr id="7" name="TextBox 6"/>
+            <p:cNvSpPr txBox="1"/>
+            <p:nvPr/>
+          </p:nvSpPr>
+          <p:spPr>
+            <a:xfrm>
+              <a:off x="166208" y="2419351"/>
+              <a:ext cx="3338992" cy="400110"/>
+            </a:xfrm>
+            <a:prstGeom prst="rect">
+              <a:avLst/>
+            </a:prstGeom>
+            <a:noFill/>
+          </p:spPr>
+          <p:txBody>
+            <a:bodyPr wrap="square" rtlCol="0">
+              <a:spAutoFit/>
+            </a:bodyPr>
+            <a:lstStyle/>
+            <a:p>
+              <a:pPr algn="ctr"/>
+              <a:r>
+                <a:rPr lang="en-US" sz="1000" dirty="0"/>
+                <a:t>Strategy Pattern</a:t>
+              </a:r>
+              <a:br>
+                <a:rPr lang="en-US" sz="1000" dirty="0"/>
+              </a:br>
+              <a:r>
+                <a:rPr lang="en-US" sz="1000" dirty="0">
+                  <a:hlinkClick r:id="rId3"/>
+                </a:rPr>
+                <a:t>https://en.wikipedia.org/wiki/Strategy_pattern</a:t>
+              </a:r>
+              <a:endParaRPr lang="en-US" sz="1000" dirty="0"/>
+            </a:p>
+          </p:txBody>
+        </p:sp>
+      </p:grpSp>
+      <p:grpSp>
+        <p:nvGrpSpPr>
+          <p:cNvPr id="8" name="Group 7"/>
+          <p:cNvGrpSpPr/>
+          <p:nvPr/>
+        </p:nvGrpSpPr>
+        <p:grpSpPr>
+          <a:xfrm>
+            <a:off x="3330905" y="3048000"/>
+            <a:ext cx="5838825" cy="3376612"/>
+            <a:chOff x="3152775" y="1100138"/>
+            <a:chExt cx="5838825" cy="3376612"/>
+          </a:xfrm>
+        </p:grpSpPr>
+        <p:pic>
+          <p:nvPicPr>
+            <p:cNvPr id="9" name="Picture 2"/>
+            <p:cNvPicPr>
+              <a:picLocks noChangeAspect="1" noChangeArrowheads="1"/>
+            </p:cNvPicPr>
+            <p:nvPr/>
+          </p:nvPicPr>
+          <p:blipFill>
+            <a:blip r:embed="rId4">
+              <a:extLst>
+                <a:ext uri="{28A0092B-C50C-407E-A947-70E740481C1C}">
+                  <a14:useLocalDpi xmlns:a14="http://schemas.microsoft.com/office/drawing/2010/main" val="0"/>
+                </a:ext>
+              </a:extLst>
+            </a:blip>
+            <a:srcRect/>
+            <a:stretch>
+              <a:fillRect/>
+            </a:stretch>
+          </p:blipFill>
+          <p:spPr bwMode="auto">
+            <a:xfrm>
+              <a:off x="3152775" y="1100138"/>
+              <a:ext cx="5838825" cy="2943225"/>
+            </a:xfrm>
+            <a:prstGeom prst="rect">
+              <a:avLst/>
+            </a:prstGeom>
+            <a:noFill/>
+            <a:ln>
+              <a:noFill/>
+            </a:ln>
+            <a:extLst>
+              <a:ext uri="{909E8E84-426E-40DD-AFC4-6F175D3DCCD1}">
+                <a14:hiddenFill xmlns:a14="http://schemas.microsoft.com/office/drawing/2010/main">
+                  <a:solidFill>
+                    <a:schemeClr val="accent1"/>
+                  </a:solidFill>
+                </a14:hiddenFill>
+              </a:ext>
+              <a:ext uri="{91240B29-F687-4F45-9708-019B960494DF}">
+                <a14:hiddenLine xmlns:a14="http://schemas.microsoft.com/office/drawing/2010/main" w="9525">
+                  <a:solidFill>
+                    <a:schemeClr val="tx1"/>
+                  </a:solidFill>
+                  <a:miter lim="800000"/>
+                  <a:headEnd/>
+                  <a:tailEnd/>
+                </a14:hiddenLine>
+              </a:ext>
+            </a:extLst>
+          </p:spPr>
+        </p:pic>
+        <p:sp>
+          <p:nvSpPr>
+            <p:cNvPr id="10" name="TextBox 9"/>
+            <p:cNvSpPr txBox="1"/>
+            <p:nvPr/>
+          </p:nvSpPr>
+          <p:spPr>
+            <a:xfrm>
+              <a:off x="4182140" y="3922752"/>
+              <a:ext cx="3818860" cy="553998"/>
+            </a:xfrm>
+            <a:prstGeom prst="rect">
+              <a:avLst/>
+            </a:prstGeom>
+            <a:noFill/>
+          </p:spPr>
+          <p:txBody>
+            <a:bodyPr wrap="square" rtlCol="0">
+              <a:spAutoFit/>
+            </a:bodyPr>
+            <a:lstStyle/>
+            <a:p>
+              <a:pPr algn="ctr"/>
+              <a:r>
+                <a:rPr lang="en-US" sz="1000" dirty="0" smtClean="0"/>
+                <a:t>Callback Pattern</a:t>
+              </a:r>
+              <a:r>
+                <a:rPr lang="en-US" sz="1000" dirty="0"/>
+                <a:t/>
+              </a:r>
+              <a:br>
+                <a:rPr lang="en-US" sz="1000" dirty="0"/>
+              </a:br>
+              <a:r>
+                <a:rPr lang="en-US" sz="1000" dirty="0">
+                  <a:hlinkClick r:id="rId5"/>
+                </a:rPr>
+                <a:t>https://www.win.tue.nl/~wstomv/edu/2ip15/downloads/Series_04/callbacks.pdf</a:t>
+              </a:r>
+              <a:endParaRPr lang="en-US" sz="1000" dirty="0"/>
+            </a:p>
+          </p:txBody>
+        </p:sp>
+      </p:grpSp>
+      <p:sp>
+        <p:nvSpPr>
+          <p:cNvPr id="11" name="TextBox 10"/>
+          <p:cNvSpPr txBox="1"/>
+          <p:nvPr/>
+        </p:nvSpPr>
+        <p:spPr>
+          <a:xfrm>
+            <a:off x="4360270" y="1219200"/>
+            <a:ext cx="3488330" cy="1200329"/>
+          </a:xfrm>
+          <a:prstGeom prst="rect">
+            <a:avLst/>
+          </a:prstGeom>
+          <a:noFill/>
+        </p:spPr>
+        <p:txBody>
+          <a:bodyPr wrap="square" rtlCol="0">
+            <a:spAutoFit/>
+          </a:bodyPr>
+          <a:lstStyle/>
+          <a:p>
+            <a:r>
+              <a:rPr lang="en-US" dirty="0" smtClean="0"/>
+              <a:t>Handle processing a message based on the </a:t>
+            </a:r>
+            <a:r>
+              <a:rPr lang="en-US" dirty="0" err="1" smtClean="0"/>
+              <a:t>Metaname</a:t>
+            </a:r>
+            <a:r>
+              <a:rPr lang="en-US" dirty="0" smtClean="0"/>
+              <a:t> parameter to select which </a:t>
+            </a:r>
+            <a:r>
+              <a:rPr lang="en-US" dirty="0" err="1" smtClean="0"/>
+              <a:t>ConcreteStrategy</a:t>
+            </a:r>
+            <a:r>
+              <a:rPr lang="en-US" dirty="0" smtClean="0"/>
+              <a:t> to perform</a:t>
+            </a:r>
+            <a:endParaRPr lang="en-US" dirty="0"/>
+          </a:p>
+        </p:txBody>
+      </p:sp>
+    </p:spTree>
+    <p:extLst>
+      <p:ext uri="{BB962C8B-B14F-4D97-AF65-F5344CB8AC3E}">
+        <p14:creationId xmlns:p14="http://schemas.microsoft.com/office/powerpoint/2010/main" val="272093461"/>
+      </p:ext>
+    </p:extLst>
+  </p:cSld>
+  <p:clrMapOvr>
+    <a:masterClrMapping/>
+  </p:clrMapOvr>
+</p:sld>
+</file>
+
+<file path=ppt/slides/slide15.xml><?xml version="1.0" encoding="utf-8"?>
+<p:sld xmlns:a="http://schemas.openxmlformats.org/drawingml/2006/main" xmlns:r="http://schemas.openxmlformats.org/officeDocument/2006/relationships" xmlns:p="http://schemas.openxmlformats.org/presentationml/2006/main">
+  <p:cSld>
+    <p:spTree>
+      <p:nvGrpSpPr>
+        <p:cNvPr id="1" name=""/>
+        <p:cNvGrpSpPr/>
+        <p:nvPr/>
+      </p:nvGrpSpPr>
+      <p:grpSpPr>
+        <a:xfrm>
+          <a:off x="0" y="0"/>
+          <a:ext cx="0" cy="0"/>
+          <a:chOff x="0" y="0"/>
+          <a:chExt cx="0" cy="0"/>
+        </a:xfrm>
+      </p:grpSpPr>
+      <p:sp>
+        <p:nvSpPr>
+          <p:cNvPr id="2" name="Title 1"/>
+          <p:cNvSpPr>
+            <a:spLocks noGrp="1"/>
+          </p:cNvSpPr>
+          <p:nvPr>
+            <p:ph type="title"/>
+          </p:nvPr>
+        </p:nvSpPr>
+        <p:spPr>
+          <a:xfrm>
+            <a:off x="374096" y="-533400"/>
+            <a:ext cx="8229600" cy="1600200"/>
+          </a:xfrm>
+        </p:spPr>
+        <p:txBody>
+          <a:bodyPr/>
+          <a:lstStyle/>
+          <a:p>
+            <a:pPr>
+              <a:lnSpc>
+                <a:spcPts val="3000"/>
+              </a:lnSpc>
+            </a:pPr>
+            <a:r>
+              <a:rPr lang="en-US" sz="3200" dirty="0" smtClean="0"/>
+              <a:t>P2654 and P1687.1 Callbacks are not really Command Pattern</a:t>
+            </a:r>
+            <a:endParaRPr lang="en-US" sz="3200" dirty="0"/>
+          </a:p>
+        </p:txBody>
+      </p:sp>
+      <p:sp>
+        <p:nvSpPr>
+          <p:cNvPr id="3" name="Slide Number Placeholder 2"/>
+          <p:cNvSpPr>
+            <a:spLocks noGrp="1"/>
+          </p:cNvSpPr>
+          <p:nvPr>
+            <p:ph type="sldNum" sz="quarter" idx="12"/>
+          </p:nvPr>
+        </p:nvSpPr>
+        <p:spPr/>
+        <p:txBody>
+          <a:bodyPr/>
+          <a:lstStyle/>
+          <a:p>
+            <a:fld id="{46161DA3-73C7-4437-81E3-70B52544EB7F}" type="slidenum">
+              <a:rPr lang="en-US" smtClean="0"/>
+              <a:t>15</a:t>
+            </a:fld>
+            <a:endParaRPr lang="en-US"/>
+          </a:p>
+        </p:txBody>
+      </p:sp>
+      <p:sp>
+        <p:nvSpPr>
+          <p:cNvPr id="4" name="Date Placeholder 3"/>
+          <p:cNvSpPr>
+            <a:spLocks noGrp="1"/>
+          </p:cNvSpPr>
+          <p:nvPr>
+            <p:ph type="dt" sz="half" idx="10"/>
+          </p:nvPr>
+        </p:nvSpPr>
+        <p:spPr/>
+        <p:txBody>
+          <a:bodyPr/>
+          <a:lstStyle/>
+          <a:p>
+            <a:fld id="{A09E05B6-51AD-4D91-8114-487F17344387}" type="datetime1">
+              <a:rPr lang="en-US" smtClean="0"/>
+              <a:t>8/3/2021</a:t>
+            </a:fld>
+            <a:endParaRPr lang="en-US"/>
+          </a:p>
+        </p:txBody>
+      </p:sp>
+      <p:grpSp>
+        <p:nvGrpSpPr>
+          <p:cNvPr id="5" name="Group 4"/>
+          <p:cNvGrpSpPr/>
+          <p:nvPr/>
+        </p:nvGrpSpPr>
+        <p:grpSpPr>
+          <a:xfrm>
+            <a:off x="-381000" y="1082320"/>
+            <a:ext cx="4419600" cy="2546817"/>
+            <a:chOff x="166208" y="895350"/>
+            <a:chExt cx="3338992" cy="1924111"/>
+          </a:xfrm>
+        </p:grpSpPr>
+        <p:pic>
+          <p:nvPicPr>
+            <p:cNvPr id="6" name="Picture 2" descr="https://upload.wikimedia.org/wikipedia/commons/3/39/Strategy_Pattern_in_UML.png"/>
+            <p:cNvPicPr>
+              <a:picLocks noChangeAspect="1" noChangeArrowheads="1"/>
+            </p:cNvPicPr>
+            <p:nvPr/>
+          </p:nvPicPr>
+          <p:blipFill>
+            <a:blip r:embed="rId2">
+              <a:extLst>
+                <a:ext uri="{28A0092B-C50C-407E-A947-70E740481C1C}">
+                  <a14:useLocalDpi xmlns:a14="http://schemas.microsoft.com/office/drawing/2010/main" val="0"/>
+                </a:ext>
+              </a:extLst>
+            </a:blip>
+            <a:srcRect/>
+            <a:stretch>
+              <a:fillRect/>
+            </a:stretch>
+          </p:blipFill>
+          <p:spPr bwMode="auto">
+            <a:xfrm>
+              <a:off x="533400" y="895350"/>
+              <a:ext cx="2438400" cy="1524001"/>
+            </a:xfrm>
+            <a:prstGeom prst="rect">
+              <a:avLst/>
+            </a:prstGeom>
+            <a:noFill/>
+            <a:extLst>
+              <a:ext uri="{909E8E84-426E-40DD-AFC4-6F175D3DCCD1}">
+                <a14:hiddenFill xmlns:a14="http://schemas.microsoft.com/office/drawing/2010/main">
+                  <a:solidFill>
+                    <a:srgbClr val="FFFFFF"/>
+                  </a:solidFill>
+                </a14:hiddenFill>
+              </a:ext>
+            </a:extLst>
+          </p:spPr>
+        </p:pic>
+        <p:sp>
+          <p:nvSpPr>
+            <p:cNvPr id="7" name="TextBox 6"/>
+            <p:cNvSpPr txBox="1"/>
+            <p:nvPr/>
+          </p:nvSpPr>
+          <p:spPr>
+            <a:xfrm>
+              <a:off x="166208" y="2419351"/>
+              <a:ext cx="3338992" cy="400110"/>
+            </a:xfrm>
+            <a:prstGeom prst="rect">
+              <a:avLst/>
+            </a:prstGeom>
+            <a:noFill/>
+          </p:spPr>
+          <p:txBody>
+            <a:bodyPr wrap="square" rtlCol="0">
+              <a:spAutoFit/>
+            </a:bodyPr>
+            <a:lstStyle/>
+            <a:p>
+              <a:pPr algn="ctr"/>
+              <a:r>
+                <a:rPr lang="en-US" sz="1000" dirty="0"/>
+                <a:t>Strategy Pattern</a:t>
+              </a:r>
+              <a:br>
+                <a:rPr lang="en-US" sz="1000" dirty="0"/>
+              </a:br>
+              <a:r>
+                <a:rPr lang="en-US" sz="1000" dirty="0">
+                  <a:hlinkClick r:id="rId3"/>
+                </a:rPr>
+                <a:t>https://en.wikipedia.org/wiki/Strategy_pattern</a:t>
+              </a:r>
+              <a:endParaRPr lang="en-US" sz="1000" dirty="0"/>
+            </a:p>
+          </p:txBody>
+        </p:sp>
+      </p:grpSp>
+      <p:sp>
+        <p:nvSpPr>
+          <p:cNvPr id="11" name="TextBox 10"/>
+          <p:cNvSpPr txBox="1"/>
+          <p:nvPr/>
+        </p:nvSpPr>
+        <p:spPr>
+          <a:xfrm>
+            <a:off x="4360270" y="1219200"/>
+            <a:ext cx="4402730" cy="2031325"/>
+          </a:xfrm>
+          <a:prstGeom prst="rect">
+            <a:avLst/>
+          </a:prstGeom>
+          <a:noFill/>
+        </p:spPr>
+        <p:txBody>
+          <a:bodyPr wrap="square" rtlCol="0">
+            <a:spAutoFit/>
+          </a:bodyPr>
+          <a:lstStyle/>
+          <a:p>
+            <a:r>
+              <a:rPr lang="en-US" dirty="0" smtClean="0"/>
+              <a:t>Command uses the same method and parameters to call a command (same API) that in turn calls the specialized behaviors of that </a:t>
+            </a:r>
+            <a:r>
+              <a:rPr lang="en-US" dirty="0" err="1" smtClean="0"/>
+              <a:t>ConcreteCommand</a:t>
+            </a:r>
+            <a:r>
+              <a:rPr lang="en-US" dirty="0" smtClean="0"/>
+              <a:t>.  This may be useful for library API to HANDLER procedure that decodes the </a:t>
+            </a:r>
+            <a:r>
+              <a:rPr lang="en-US" dirty="0" err="1" smtClean="0"/>
+              <a:t>Metaname</a:t>
+            </a:r>
+            <a:r>
+              <a:rPr lang="en-US" dirty="0" smtClean="0"/>
+              <a:t>.</a:t>
+            </a:r>
+            <a:endParaRPr lang="en-US" dirty="0"/>
+          </a:p>
+        </p:txBody>
+      </p:sp>
+      <p:grpSp>
+        <p:nvGrpSpPr>
+          <p:cNvPr id="12" name="Group 11"/>
+          <p:cNvGrpSpPr/>
+          <p:nvPr/>
+        </p:nvGrpSpPr>
+        <p:grpSpPr>
+          <a:xfrm>
+            <a:off x="1694106" y="3629137"/>
+            <a:ext cx="7221295" cy="2847863"/>
+            <a:chOff x="4403517" y="3097508"/>
+            <a:chExt cx="4511883" cy="1779352"/>
+          </a:xfrm>
+        </p:grpSpPr>
+        <p:pic>
+          <p:nvPicPr>
+            <p:cNvPr id="13" name="Picture 10" descr="https://upload.wikimedia.org/wikipedia/commons/thumb/b/bf/Command_pattern.svg/1280px-Command_pattern.svg.png"/>
+            <p:cNvPicPr>
+              <a:picLocks noChangeAspect="1" noChangeArrowheads="1"/>
+            </p:cNvPicPr>
+            <p:nvPr/>
+          </p:nvPicPr>
+          <p:blipFill>
+            <a:blip r:embed="rId4" cstate="print">
+              <a:extLst>
+                <a:ext uri="{28A0092B-C50C-407E-A947-70E740481C1C}">
+                  <a14:useLocalDpi xmlns:a14="http://schemas.microsoft.com/office/drawing/2010/main" val="0"/>
+                </a:ext>
+              </a:extLst>
+            </a:blip>
+            <a:srcRect/>
+            <a:stretch>
+              <a:fillRect/>
+            </a:stretch>
+          </p:blipFill>
+          <p:spPr bwMode="auto">
+            <a:xfrm>
+              <a:off x="4403517" y="3097508"/>
+              <a:ext cx="4511883" cy="1483987"/>
+            </a:xfrm>
+            <a:prstGeom prst="rect">
+              <a:avLst/>
+            </a:prstGeom>
+            <a:noFill/>
+            <a:extLst>
+              <a:ext uri="{909E8E84-426E-40DD-AFC4-6F175D3DCCD1}">
+                <a14:hiddenFill xmlns:a14="http://schemas.microsoft.com/office/drawing/2010/main">
+                  <a:solidFill>
+                    <a:srgbClr val="FFFFFF"/>
+                  </a:solidFill>
+                </a14:hiddenFill>
+              </a:ext>
+            </a:extLst>
+          </p:spPr>
+        </p:pic>
+        <p:sp>
+          <p:nvSpPr>
+            <p:cNvPr id="14" name="TextBox 13"/>
+            <p:cNvSpPr txBox="1"/>
+            <p:nvPr/>
+          </p:nvSpPr>
+          <p:spPr>
+            <a:xfrm>
+              <a:off x="4894521" y="4476750"/>
+              <a:ext cx="3182679" cy="400110"/>
+            </a:xfrm>
+            <a:prstGeom prst="rect">
+              <a:avLst/>
+            </a:prstGeom>
+            <a:noFill/>
+          </p:spPr>
+          <p:txBody>
+            <a:bodyPr wrap="square" rtlCol="0">
+              <a:spAutoFit/>
+            </a:bodyPr>
+            <a:lstStyle/>
+            <a:p>
+              <a:pPr algn="ctr"/>
+              <a:r>
+                <a:rPr lang="en-US" sz="1000" dirty="0" smtClean="0"/>
+                <a:t>Command Pattern</a:t>
+              </a:r>
+              <a:r>
+                <a:rPr lang="en-US" sz="1000" dirty="0"/>
+                <a:t/>
+              </a:r>
+              <a:br>
+                <a:rPr lang="en-US" sz="1000" dirty="0"/>
+              </a:br>
+              <a:r>
+                <a:rPr lang="en-US" sz="1000" dirty="0">
+                  <a:hlinkClick r:id="rId5"/>
+                </a:rPr>
+                <a:t>https://en.wikipedia.org/wiki/Command_pattern</a:t>
+              </a:r>
+              <a:endParaRPr lang="en-US" sz="1000" dirty="0"/>
+            </a:p>
+          </p:txBody>
+        </p:sp>
+      </p:grpSp>
+    </p:spTree>
+    <p:extLst>
+      <p:ext uri="{BB962C8B-B14F-4D97-AF65-F5344CB8AC3E}">
+        <p14:creationId xmlns:p14="http://schemas.microsoft.com/office/powerpoint/2010/main" val="1075810738"/>
+      </p:ext>
+    </p:extLst>
+  </p:cSld>
+  <p:clrMapOvr>
+    <a:masterClrMapping/>
+  </p:clrMapOvr>
+</p:sld>
+</file>
+
+<file path=ppt/slides/slide16.xml><?xml version="1.0" encoding="utf-8"?>
+<p:sld xmlns:a="http://schemas.openxmlformats.org/drawingml/2006/main" xmlns:r="http://schemas.openxmlformats.org/officeDocument/2006/relationships" xmlns:p="http://schemas.openxmlformats.org/presentationml/2006/main">
+  <p:cSld>
+    <p:spTree>
+      <p:nvGrpSpPr>
+        <p:cNvPr id="1" name=""/>
+        <p:cNvGrpSpPr/>
+        <p:nvPr/>
+      </p:nvGrpSpPr>
+      <p:grpSpPr>
+        <a:xfrm>
+          <a:off x="0" y="0"/>
+          <a:ext cx="0" cy="0"/>
+          <a:chOff x="0" y="0"/>
+          <a:chExt cx="0" cy="0"/>
+        </a:xfrm>
+      </p:grpSpPr>
+      <p:sp>
+        <p:nvSpPr>
+          <p:cNvPr id="2" name="Title 1"/>
+          <p:cNvSpPr>
+            <a:spLocks noGrp="1"/>
+          </p:cNvSpPr>
+          <p:nvPr>
+            <p:ph type="title"/>
+          </p:nvPr>
+        </p:nvSpPr>
+        <p:spPr>
+          <a:xfrm>
+            <a:off x="374096" y="-533400"/>
+            <a:ext cx="8229600" cy="1600200"/>
+          </a:xfrm>
+        </p:spPr>
+        <p:txBody>
+          <a:bodyPr/>
+          <a:lstStyle/>
+          <a:p>
+            <a:pPr>
+              <a:lnSpc>
+                <a:spcPts val="3000"/>
+              </a:lnSpc>
+            </a:pPr>
+            <a:r>
+              <a:rPr lang="en-US" sz="3200" dirty="0" smtClean="0"/>
+              <a:t>P2654 and P1687.1 Nodes use Delegation  Pattern to Call Plug-In Library</a:t>
+            </a:r>
+            <a:endParaRPr lang="en-US" sz="3200" dirty="0"/>
+          </a:p>
+        </p:txBody>
+      </p:sp>
+      <p:sp>
+        <p:nvSpPr>
+          <p:cNvPr id="3" name="Slide Number Placeholder 2"/>
+          <p:cNvSpPr>
+            <a:spLocks noGrp="1"/>
+          </p:cNvSpPr>
+          <p:nvPr>
+            <p:ph type="sldNum" sz="quarter" idx="12"/>
+          </p:nvPr>
+        </p:nvSpPr>
+        <p:spPr/>
+        <p:txBody>
+          <a:bodyPr/>
+          <a:lstStyle/>
+          <a:p>
+            <a:fld id="{46161DA3-73C7-4437-81E3-70B52544EB7F}" type="slidenum">
+              <a:rPr lang="en-US" smtClean="0"/>
+              <a:t>16</a:t>
+            </a:fld>
+            <a:endParaRPr lang="en-US"/>
+          </a:p>
+        </p:txBody>
+      </p:sp>
+      <p:sp>
+        <p:nvSpPr>
+          <p:cNvPr id="4" name="Date Placeholder 3"/>
+          <p:cNvSpPr>
+            <a:spLocks noGrp="1"/>
+          </p:cNvSpPr>
+          <p:nvPr>
+            <p:ph type="dt" sz="half" idx="10"/>
+          </p:nvPr>
+        </p:nvSpPr>
+        <p:spPr/>
+        <p:txBody>
+          <a:bodyPr/>
+          <a:lstStyle/>
+          <a:p>
+            <a:fld id="{A09E05B6-51AD-4D91-8114-487F17344387}" type="datetime1">
+              <a:rPr lang="en-US" smtClean="0"/>
+              <a:t>8/3/2021</a:t>
+            </a:fld>
+            <a:endParaRPr lang="en-US"/>
+          </a:p>
+        </p:txBody>
+      </p:sp>
+      <p:sp>
+        <p:nvSpPr>
+          <p:cNvPr id="11" name="TextBox 10"/>
+          <p:cNvSpPr txBox="1"/>
+          <p:nvPr/>
+        </p:nvSpPr>
+        <p:spPr>
+          <a:xfrm>
+            <a:off x="482930" y="4438471"/>
+            <a:ext cx="8203870" cy="646331"/>
+          </a:xfrm>
+          <a:prstGeom prst="rect">
+            <a:avLst/>
+          </a:prstGeom>
+          <a:noFill/>
+        </p:spPr>
+        <p:txBody>
+          <a:bodyPr wrap="square" rtlCol="0">
+            <a:spAutoFit/>
+          </a:bodyPr>
+          <a:lstStyle/>
+          <a:p>
+            <a:r>
+              <a:rPr lang="en-US" dirty="0" smtClean="0"/>
+              <a:t>Delegation defers the implementation of a method to a delegate for processing.</a:t>
+            </a:r>
+            <a:br>
+              <a:rPr lang="en-US" dirty="0" smtClean="0"/>
+            </a:br>
+            <a:r>
+              <a:rPr lang="en-US" dirty="0" err="1" smtClean="0"/>
+              <a:t>setSoundBehaviour</a:t>
+            </a:r>
+            <a:r>
+              <a:rPr lang="en-US" dirty="0" smtClean="0"/>
+              <a:t>() is like </a:t>
+            </a:r>
+            <a:r>
+              <a:rPr lang="en-US" dirty="0" err="1" smtClean="0"/>
+              <a:t>setStrategy</a:t>
+            </a:r>
+            <a:r>
+              <a:rPr lang="en-US" dirty="0" smtClean="0"/>
+              <a:t>().</a:t>
+            </a:r>
+            <a:endParaRPr lang="en-US" dirty="0"/>
+          </a:p>
+        </p:txBody>
+      </p:sp>
+      <p:grpSp>
+        <p:nvGrpSpPr>
+          <p:cNvPr id="15" name="Group 14"/>
+          <p:cNvGrpSpPr/>
+          <p:nvPr/>
+        </p:nvGrpSpPr>
+        <p:grpSpPr>
+          <a:xfrm>
+            <a:off x="1014134" y="1199847"/>
+            <a:ext cx="6758266" cy="3448353"/>
+            <a:chOff x="3886200" y="819150"/>
+            <a:chExt cx="4953000" cy="2527230"/>
+          </a:xfrm>
+        </p:grpSpPr>
+        <p:pic>
+          <p:nvPicPr>
+            <p:cNvPr id="16" name="Picture 4" descr="UML diagram of the Delegation Pattern shown below."/>
+            <p:cNvPicPr>
+              <a:picLocks noChangeAspect="1" noChangeArrowheads="1"/>
+            </p:cNvPicPr>
+            <p:nvPr/>
+          </p:nvPicPr>
+          <p:blipFill>
+            <a:blip r:embed="rId2">
+              <a:extLst>
+                <a:ext uri="{28A0092B-C50C-407E-A947-70E740481C1C}">
+                  <a14:useLocalDpi xmlns:a14="http://schemas.microsoft.com/office/drawing/2010/main" val="0"/>
+                </a:ext>
+              </a:extLst>
+            </a:blip>
+            <a:srcRect/>
+            <a:stretch>
+              <a:fillRect/>
+            </a:stretch>
+          </p:blipFill>
+          <p:spPr bwMode="auto">
+            <a:xfrm>
+              <a:off x="3886200" y="819150"/>
+              <a:ext cx="4953000" cy="1953296"/>
+            </a:xfrm>
+            <a:prstGeom prst="rect">
+              <a:avLst/>
+            </a:prstGeom>
+            <a:noFill/>
+            <a:extLst>
+              <a:ext uri="{909E8E84-426E-40DD-AFC4-6F175D3DCCD1}">
+                <a14:hiddenFill xmlns:a14="http://schemas.microsoft.com/office/drawing/2010/main">
+                  <a:solidFill>
+                    <a:srgbClr val="FFFFFF"/>
+                  </a:solidFill>
+                </a14:hiddenFill>
+              </a:ext>
+            </a:extLst>
+          </p:spPr>
+        </p:pic>
+        <p:sp>
+          <p:nvSpPr>
+            <p:cNvPr id="17" name="TextBox 16"/>
+            <p:cNvSpPr txBox="1"/>
+            <p:nvPr/>
+          </p:nvSpPr>
+          <p:spPr>
+            <a:xfrm>
+              <a:off x="4800600" y="2792382"/>
+              <a:ext cx="3818860" cy="553998"/>
+            </a:xfrm>
+            <a:prstGeom prst="rect">
+              <a:avLst/>
+            </a:prstGeom>
+            <a:noFill/>
+          </p:spPr>
+          <p:txBody>
+            <a:bodyPr wrap="square" rtlCol="0">
+              <a:spAutoFit/>
+            </a:bodyPr>
+            <a:lstStyle/>
+            <a:p>
+              <a:pPr algn="ctr"/>
+              <a:r>
+                <a:rPr lang="en-US" sz="1000" dirty="0" smtClean="0"/>
+                <a:t>Delegation Pattern</a:t>
+              </a:r>
+              <a:r>
+                <a:rPr lang="en-US" sz="1000" dirty="0"/>
+                <a:t/>
+              </a:r>
+              <a:br>
+                <a:rPr lang="en-US" sz="1000" dirty="0"/>
+              </a:br>
+              <a:r>
+                <a:rPr lang="en-US" sz="1000" dirty="0">
+                  <a:hlinkClick r:id="rId3"/>
+                </a:rPr>
+                <a:t>http://best-practice-software-engineering.ifs.tuwien.ac.at/patterns/delegation.html</a:t>
+              </a:r>
+              <a:endParaRPr lang="en-US" sz="1000" dirty="0"/>
+            </a:p>
+          </p:txBody>
+        </p:sp>
+      </p:grpSp>
+    </p:spTree>
+    <p:extLst>
+      <p:ext uri="{BB962C8B-B14F-4D97-AF65-F5344CB8AC3E}">
+        <p14:creationId xmlns:p14="http://schemas.microsoft.com/office/powerpoint/2010/main" val="1264695516"/>
+      </p:ext>
+    </p:extLst>
+  </p:cSld>
+  <p:clrMapOvr>
+    <a:masterClrMapping/>
+  </p:clrMapOvr>
+</p:sld>
+</file>
+
+<file path=ppt/slides/slide17.xml><?xml version="1.0" encoding="utf-8"?>
+<p:sld xmlns:a="http://schemas.openxmlformats.org/drawingml/2006/main" xmlns:r="http://schemas.openxmlformats.org/officeDocument/2006/relationships" xmlns:p="http://schemas.openxmlformats.org/presentationml/2006/main">
+  <p:cSld>
+    <p:spTree>
+      <p:nvGrpSpPr>
+        <p:cNvPr id="1" name=""/>
+        <p:cNvGrpSpPr/>
+        <p:nvPr/>
+      </p:nvGrpSpPr>
+      <p:grpSpPr>
+        <a:xfrm>
+          <a:off x="0" y="0"/>
+          <a:ext cx="0" cy="0"/>
+          <a:chOff x="0" y="0"/>
+          <a:chExt cx="0" cy="0"/>
+        </a:xfrm>
+      </p:grpSpPr>
+      <p:sp>
+        <p:nvSpPr>
+          <p:cNvPr id="2" name="Title 1"/>
+          <p:cNvSpPr>
+            <a:spLocks noGrp="1"/>
+          </p:cNvSpPr>
+          <p:nvPr>
+            <p:ph type="title"/>
+          </p:nvPr>
+        </p:nvSpPr>
+        <p:spPr>
+          <a:xfrm>
+            <a:off x="374096" y="-533400"/>
+            <a:ext cx="8229600" cy="1600200"/>
+          </a:xfrm>
+        </p:spPr>
+        <p:txBody>
+          <a:bodyPr/>
+          <a:lstStyle/>
+          <a:p>
+            <a:pPr>
+              <a:lnSpc>
+                <a:spcPts val="3000"/>
+              </a:lnSpc>
+            </a:pPr>
+            <a:r>
+              <a:rPr lang="en-US" sz="2800" dirty="0" smtClean="0"/>
+              <a:t>P2654 and P1687.1 </a:t>
+            </a:r>
+            <a:r>
+              <a:rPr lang="en-US" sz="2800" dirty="0" err="1" smtClean="0"/>
+              <a:t>ModelPoint</a:t>
+            </a:r>
+            <a:r>
+              <a:rPr lang="en-US" sz="2800" dirty="0" smtClean="0"/>
+              <a:t> Node uses Adapter Pattern to Transform External Formats</a:t>
+            </a:r>
+            <a:endParaRPr lang="en-US" sz="2800" dirty="0"/>
+          </a:p>
+        </p:txBody>
+      </p:sp>
+      <p:sp>
+        <p:nvSpPr>
+          <p:cNvPr id="3" name="Slide Number Placeholder 2"/>
+          <p:cNvSpPr>
+            <a:spLocks noGrp="1"/>
+          </p:cNvSpPr>
+          <p:nvPr>
+            <p:ph type="sldNum" sz="quarter" idx="12"/>
+          </p:nvPr>
+        </p:nvSpPr>
+        <p:spPr/>
+        <p:txBody>
+          <a:bodyPr/>
+          <a:lstStyle/>
+          <a:p>
+            <a:fld id="{46161DA3-73C7-4437-81E3-70B52544EB7F}" type="slidenum">
+              <a:rPr lang="en-US" smtClean="0"/>
+              <a:t>17</a:t>
+            </a:fld>
+            <a:endParaRPr lang="en-US"/>
+          </a:p>
+        </p:txBody>
+      </p:sp>
+      <p:sp>
+        <p:nvSpPr>
+          <p:cNvPr id="4" name="Date Placeholder 3"/>
+          <p:cNvSpPr>
+            <a:spLocks noGrp="1"/>
+          </p:cNvSpPr>
+          <p:nvPr>
+            <p:ph type="dt" sz="half" idx="10"/>
+          </p:nvPr>
+        </p:nvSpPr>
+        <p:spPr/>
+        <p:txBody>
+          <a:bodyPr/>
+          <a:lstStyle/>
+          <a:p>
+            <a:fld id="{A09E05B6-51AD-4D91-8114-487F17344387}" type="datetime1">
+              <a:rPr lang="en-US" smtClean="0"/>
+              <a:t>8/3/2021</a:t>
+            </a:fld>
+            <a:endParaRPr lang="en-US"/>
+          </a:p>
+        </p:txBody>
+      </p:sp>
+      <p:sp>
+        <p:nvSpPr>
+          <p:cNvPr id="11" name="TextBox 10"/>
+          <p:cNvSpPr txBox="1"/>
+          <p:nvPr/>
+        </p:nvSpPr>
+        <p:spPr>
+          <a:xfrm>
+            <a:off x="482930" y="5029200"/>
+            <a:ext cx="8203870" cy="646331"/>
+          </a:xfrm>
+          <a:prstGeom prst="rect">
+            <a:avLst/>
+          </a:prstGeom>
+          <a:noFill/>
+        </p:spPr>
+        <p:txBody>
+          <a:bodyPr wrap="square" rtlCol="0">
+            <a:spAutoFit/>
+          </a:bodyPr>
+          <a:lstStyle/>
+          <a:p>
+            <a:r>
+              <a:rPr lang="en-US" dirty="0" smtClean="0"/>
+              <a:t>Adapts a different interface and format to look like another interface and format.  This is not a transformation as the context remains </a:t>
+            </a:r>
+            <a:r>
+              <a:rPr lang="en-US" smtClean="0"/>
+              <a:t>the same.</a:t>
+            </a:r>
+            <a:endParaRPr lang="en-US" dirty="0"/>
+          </a:p>
+        </p:txBody>
+      </p:sp>
+      <p:grpSp>
+        <p:nvGrpSpPr>
+          <p:cNvPr id="21" name="Group 20"/>
+          <p:cNvGrpSpPr/>
+          <p:nvPr/>
+        </p:nvGrpSpPr>
+        <p:grpSpPr>
+          <a:xfrm>
+            <a:off x="5943600" y="1545520"/>
+            <a:ext cx="1143000" cy="1273880"/>
+            <a:chOff x="4419600" y="971550"/>
+            <a:chExt cx="1143000" cy="1273880"/>
+          </a:xfrm>
+        </p:grpSpPr>
+        <p:sp>
+          <p:nvSpPr>
+            <p:cNvPr id="22" name="Flowchart: Alternate Process 21"/>
+            <p:cNvSpPr/>
+            <p:nvPr/>
+          </p:nvSpPr>
+          <p:spPr bwMode="auto">
+            <a:xfrm>
+              <a:off x="4533900" y="971550"/>
+              <a:ext cx="914400" cy="459486"/>
+            </a:xfrm>
+            <a:prstGeom prst="flowChartAlternateProcess">
+              <a:avLst/>
+            </a:prstGeom>
+            <a:solidFill>
+              <a:schemeClr val="bg1">
+                <a:lumMod val="95000"/>
+              </a:schemeClr>
+            </a:solidFill>
+            <a:ln w="9525" cap="flat" cmpd="sng" algn="ctr">
+              <a:solidFill>
+                <a:schemeClr val="tx1"/>
+              </a:solidFill>
+              <a:prstDash val="solid"/>
+              <a:round/>
+              <a:headEnd type="none" w="med" len="med"/>
+              <a:tailEnd type="none" w="med" len="med"/>
+            </a:ln>
+            <a:effectLst/>
+          </p:spPr>
+          <p:txBody>
+            <a:bodyPr vert="horz" wrap="none" lIns="91440" tIns="45720" rIns="91440" bIns="45720" numCol="1" rtlCol="0" anchor="ctr" anchorCtr="0" compatLnSpc="1">
+              <a:prstTxWarp prst="textNoShape">
+                <a:avLst/>
+              </a:prstTxWarp>
+            </a:bodyPr>
+            <a:lstStyle/>
+            <a:p>
+              <a:pPr marL="0" marR="0" indent="0" algn="ctr" defTabSz="914400" rtl="0" eaLnBrk="0" fontAlgn="base" latinLnBrk="0" hangingPunct="0">
+                <a:lnSpc>
+                  <a:spcPct val="100000"/>
+                </a:lnSpc>
+                <a:spcBef>
+                  <a:spcPct val="0"/>
+                </a:spcBef>
+                <a:spcAft>
+                  <a:spcPct val="0"/>
+                </a:spcAft>
+                <a:buClrTx/>
+                <a:buSzTx/>
+                <a:buFontTx/>
+                <a:buNone/>
+                <a:tabLst/>
+              </a:pPr>
+              <a:r>
+                <a:rPr kumimoji="0" lang="en-US" sz="1200" b="0" i="0" u="none" strike="noStrike" cap="none" normalizeH="0" baseline="0" dirty="0" err="1" smtClean="0">
+                  <a:ln>
+                    <a:noFill/>
+                  </a:ln>
+                  <a:solidFill>
+                    <a:schemeClr val="tx1"/>
+                  </a:solidFill>
+                  <a:effectLst/>
+                  <a:latin typeface="Verdana" pitchFamily="34" charset="0"/>
+                  <a:ea typeface="ＭＳ Ｐゴシック" pitchFamily="34" charset="-128"/>
+                </a:rPr>
+                <a:t>ModelPoint</a:t>
+              </a:r>
+              <a:endParaRPr kumimoji="0" lang="en-US" sz="1200" b="0" i="0" u="none" strike="noStrike" cap="none" normalizeH="0" baseline="0" dirty="0" smtClean="0">
+                <a:ln>
+                  <a:noFill/>
+                </a:ln>
+                <a:solidFill>
+                  <a:schemeClr val="tx1"/>
+                </a:solidFill>
+                <a:effectLst/>
+                <a:latin typeface="Verdana" pitchFamily="34" charset="0"/>
+                <a:ea typeface="ＭＳ Ｐゴシック" pitchFamily="34" charset="-128"/>
+              </a:endParaRPr>
+            </a:p>
+            <a:p>
+              <a:pPr marL="0" marR="0" indent="0" algn="ctr" defTabSz="914400" rtl="0" eaLnBrk="0" fontAlgn="base" latinLnBrk="0" hangingPunct="0">
+                <a:lnSpc>
+                  <a:spcPct val="100000"/>
+                </a:lnSpc>
+                <a:spcBef>
+                  <a:spcPct val="0"/>
+                </a:spcBef>
+                <a:spcAft>
+                  <a:spcPct val="0"/>
+                </a:spcAft>
+                <a:buClrTx/>
+                <a:buSzTx/>
+                <a:buFontTx/>
+                <a:buNone/>
+                <a:tabLst/>
+              </a:pPr>
+              <a:r>
+                <a:rPr lang="en-US" sz="1200" dirty="0" smtClean="0">
+                  <a:latin typeface="Verdana" pitchFamily="34" charset="0"/>
+                  <a:ea typeface="ＭＳ Ｐゴシック" pitchFamily="34" charset="-128"/>
+                </a:rPr>
+                <a:t>(adapter)</a:t>
+              </a:r>
+              <a:endParaRPr kumimoji="0" lang="en-US" sz="1200" b="0" i="0" u="none" strike="noStrike" cap="none" normalizeH="0" baseline="0" dirty="0">
+                <a:ln>
+                  <a:noFill/>
+                </a:ln>
+                <a:solidFill>
+                  <a:schemeClr val="tx1"/>
+                </a:solidFill>
+                <a:effectLst/>
+                <a:latin typeface="Verdana" pitchFamily="34" charset="0"/>
+                <a:ea typeface="ＭＳ Ｐゴシック" pitchFamily="34" charset="-128"/>
+              </a:endParaRPr>
+            </a:p>
+          </p:txBody>
+        </p:sp>
+        <p:sp>
+          <p:nvSpPr>
+            <p:cNvPr id="23" name="Rounded Rectangle 22"/>
+            <p:cNvSpPr/>
+            <p:nvPr/>
+          </p:nvSpPr>
+          <p:spPr>
+            <a:xfrm>
+              <a:off x="4419600" y="1821145"/>
+              <a:ext cx="1143000" cy="424285"/>
+            </a:xfrm>
+            <a:prstGeom prst="roundRect">
+              <a:avLst/>
+            </a:prstGeom>
+            <a:solidFill>
+              <a:schemeClr val="bg2">
+                <a:lumMod val="90000"/>
+              </a:schemeClr>
+            </a:solidFill>
+            <a:ln>
+              <a:solidFill>
+                <a:schemeClr val="tx1"/>
+              </a:solidFill>
+            </a:ln>
+          </p:spPr>
+          <p:style>
+            <a:lnRef idx="2">
+              <a:schemeClr val="accent1">
+                <a:shade val="50000"/>
+              </a:schemeClr>
+            </a:lnRef>
+            <a:fillRef idx="1">
+              <a:schemeClr val="accent1"/>
+            </a:fillRef>
+            <a:effectRef idx="0">
+              <a:schemeClr val="accent1"/>
+            </a:effectRef>
+            <a:fontRef idx="minor">
+              <a:schemeClr val="lt1"/>
+            </a:fontRef>
+          </p:style>
+          <p:txBody>
+            <a:bodyPr rtlCol="0" anchor="ctr"/>
+            <a:lstStyle/>
+            <a:p>
+              <a:pPr algn="ctr"/>
+              <a:r>
+                <a:rPr lang="en-US" sz="1200" dirty="0" smtClean="0">
+                  <a:solidFill>
+                    <a:schemeClr val="tx1"/>
+                  </a:solidFill>
+                </a:rPr>
+                <a:t>Custom</a:t>
+              </a:r>
+              <a:br>
+                <a:rPr lang="en-US" sz="1200" dirty="0" smtClean="0">
+                  <a:solidFill>
+                    <a:schemeClr val="tx1"/>
+                  </a:solidFill>
+                </a:rPr>
+              </a:br>
+              <a:r>
+                <a:rPr lang="en-US" sz="1200" dirty="0" smtClean="0">
+                  <a:solidFill>
+                    <a:schemeClr val="tx1"/>
+                  </a:solidFill>
+                </a:rPr>
+                <a:t>Model</a:t>
+              </a:r>
+              <a:endParaRPr lang="en-US" sz="1200" dirty="0">
+                <a:solidFill>
+                  <a:schemeClr val="tx1"/>
+                </a:solidFill>
+              </a:endParaRPr>
+            </a:p>
+          </p:txBody>
+        </p:sp>
+        <p:cxnSp>
+          <p:nvCxnSpPr>
+            <p:cNvPr id="24" name="Elbow Connector 23"/>
+            <p:cNvCxnSpPr>
+              <a:stCxn id="22" idx="2"/>
+              <a:endCxn id="23" idx="0"/>
+            </p:cNvCxnSpPr>
+            <p:nvPr/>
+          </p:nvCxnSpPr>
+          <p:spPr>
+            <a:xfrm rot="5400000">
+              <a:off x="4796046" y="1626090"/>
+              <a:ext cx="390109" cy="12700"/>
+            </a:xfrm>
+            <a:prstGeom prst="bentConnector3">
+              <a:avLst/>
+            </a:prstGeom>
+          </p:spPr>
+          <p:style>
+            <a:lnRef idx="1">
+              <a:schemeClr val="accent1"/>
+            </a:lnRef>
+            <a:fillRef idx="0">
+              <a:schemeClr val="accent1"/>
+            </a:fillRef>
+            <a:effectRef idx="0">
+              <a:schemeClr val="accent1"/>
+            </a:effectRef>
+            <a:fontRef idx="minor">
+              <a:schemeClr val="tx1"/>
+            </a:fontRef>
+          </p:style>
+        </p:cxnSp>
+      </p:grpSp>
+      <p:grpSp>
+        <p:nvGrpSpPr>
+          <p:cNvPr id="25" name="Group 24"/>
+          <p:cNvGrpSpPr/>
+          <p:nvPr/>
+        </p:nvGrpSpPr>
+        <p:grpSpPr>
+          <a:xfrm>
+            <a:off x="7467600" y="1545520"/>
+            <a:ext cx="1143000" cy="1273880"/>
+            <a:chOff x="4419600" y="971550"/>
+            <a:chExt cx="1143000" cy="1273880"/>
+          </a:xfrm>
+        </p:grpSpPr>
+        <p:sp>
+          <p:nvSpPr>
+            <p:cNvPr id="26" name="Flowchart: Alternate Process 25"/>
+            <p:cNvSpPr/>
+            <p:nvPr/>
+          </p:nvSpPr>
+          <p:spPr bwMode="auto">
+            <a:xfrm>
+              <a:off x="4533900" y="971550"/>
+              <a:ext cx="914400" cy="459486"/>
+            </a:xfrm>
+            <a:prstGeom prst="flowChartAlternateProcess">
+              <a:avLst/>
+            </a:prstGeom>
+            <a:solidFill>
+              <a:schemeClr val="bg1">
+                <a:lumMod val="95000"/>
+              </a:schemeClr>
+            </a:solidFill>
+            <a:ln w="9525" cap="flat" cmpd="sng" algn="ctr">
+              <a:solidFill>
+                <a:schemeClr val="tx1"/>
+              </a:solidFill>
+              <a:prstDash val="solid"/>
+              <a:round/>
+              <a:headEnd type="none" w="med" len="med"/>
+              <a:tailEnd type="none" w="med" len="med"/>
+            </a:ln>
+            <a:effectLst/>
+          </p:spPr>
+          <p:txBody>
+            <a:bodyPr vert="horz" wrap="none" lIns="91440" tIns="45720" rIns="91440" bIns="45720" numCol="1" rtlCol="0" anchor="ctr" anchorCtr="0" compatLnSpc="1">
+              <a:prstTxWarp prst="textNoShape">
+                <a:avLst/>
+              </a:prstTxWarp>
+            </a:bodyPr>
+            <a:lstStyle/>
+            <a:p>
+              <a:pPr marL="0" marR="0" indent="0" algn="ctr" defTabSz="914400" rtl="0" eaLnBrk="0" fontAlgn="base" latinLnBrk="0" hangingPunct="0">
+                <a:lnSpc>
+                  <a:spcPct val="100000"/>
+                </a:lnSpc>
+                <a:spcBef>
+                  <a:spcPct val="0"/>
+                </a:spcBef>
+                <a:spcAft>
+                  <a:spcPct val="0"/>
+                </a:spcAft>
+                <a:buClrTx/>
+                <a:buSzTx/>
+                <a:buFontTx/>
+                <a:buNone/>
+                <a:tabLst/>
+              </a:pPr>
+              <a:r>
+                <a:rPr kumimoji="0" lang="en-US" sz="1200" b="0" i="0" u="none" strike="noStrike" cap="none" normalizeH="0" baseline="0" dirty="0" err="1" smtClean="0">
+                  <a:ln>
+                    <a:noFill/>
+                  </a:ln>
+                  <a:solidFill>
+                    <a:schemeClr val="tx1"/>
+                  </a:solidFill>
+                  <a:effectLst/>
+                  <a:latin typeface="Verdana" pitchFamily="34" charset="0"/>
+                  <a:ea typeface="ＭＳ Ｐゴシック" pitchFamily="34" charset="-128"/>
+                </a:rPr>
+                <a:t>ModelPoint</a:t>
+              </a:r>
+              <a:endParaRPr kumimoji="0" lang="en-US" sz="1200" b="0" i="0" u="none" strike="noStrike" cap="none" normalizeH="0" baseline="0" dirty="0" smtClean="0">
+                <a:ln>
+                  <a:noFill/>
+                </a:ln>
+                <a:solidFill>
+                  <a:schemeClr val="tx1"/>
+                </a:solidFill>
+                <a:effectLst/>
+                <a:latin typeface="Verdana" pitchFamily="34" charset="0"/>
+                <a:ea typeface="ＭＳ Ｐゴシック" pitchFamily="34" charset="-128"/>
+              </a:endParaRPr>
+            </a:p>
+            <a:p>
+              <a:pPr marL="0" marR="0" indent="0" algn="ctr" defTabSz="914400" rtl="0" eaLnBrk="0" fontAlgn="base" latinLnBrk="0" hangingPunct="0">
+                <a:lnSpc>
+                  <a:spcPct val="100000"/>
+                </a:lnSpc>
+                <a:spcBef>
+                  <a:spcPct val="0"/>
+                </a:spcBef>
+                <a:spcAft>
+                  <a:spcPct val="0"/>
+                </a:spcAft>
+                <a:buClrTx/>
+                <a:buSzTx/>
+                <a:buFontTx/>
+                <a:buNone/>
+                <a:tabLst/>
+              </a:pPr>
+              <a:r>
+                <a:rPr lang="en-US" sz="1200" dirty="0" smtClean="0">
+                  <a:latin typeface="Verdana" pitchFamily="34" charset="0"/>
+                  <a:ea typeface="ＭＳ Ｐゴシック" pitchFamily="34" charset="-128"/>
+                </a:rPr>
+                <a:t>(adapter)</a:t>
+              </a:r>
+              <a:endParaRPr kumimoji="0" lang="en-US" sz="1200" b="0" i="0" u="none" strike="noStrike" cap="none" normalizeH="0" baseline="0" dirty="0">
+                <a:ln>
+                  <a:noFill/>
+                </a:ln>
+                <a:solidFill>
+                  <a:schemeClr val="tx1"/>
+                </a:solidFill>
+                <a:effectLst/>
+                <a:latin typeface="Verdana" pitchFamily="34" charset="0"/>
+                <a:ea typeface="ＭＳ Ｐゴシック" pitchFamily="34" charset="-128"/>
+              </a:endParaRPr>
+            </a:p>
+          </p:txBody>
+        </p:sp>
+        <p:sp>
+          <p:nvSpPr>
+            <p:cNvPr id="27" name="Rounded Rectangle 26"/>
+            <p:cNvSpPr/>
+            <p:nvPr/>
+          </p:nvSpPr>
+          <p:spPr>
+            <a:xfrm>
+              <a:off x="4419600" y="1821145"/>
+              <a:ext cx="1143000" cy="424285"/>
+            </a:xfrm>
+            <a:prstGeom prst="roundRect">
+              <a:avLst/>
+            </a:prstGeom>
+            <a:solidFill>
+              <a:schemeClr val="bg2">
+                <a:lumMod val="90000"/>
+              </a:schemeClr>
+            </a:solidFill>
+            <a:ln>
+              <a:solidFill>
+                <a:schemeClr val="tx1"/>
+              </a:solidFill>
+            </a:ln>
+          </p:spPr>
+          <p:style>
+            <a:lnRef idx="2">
+              <a:schemeClr val="accent1">
+                <a:shade val="50000"/>
+              </a:schemeClr>
+            </a:lnRef>
+            <a:fillRef idx="1">
+              <a:schemeClr val="accent1"/>
+            </a:fillRef>
+            <a:effectRef idx="0">
+              <a:schemeClr val="accent1"/>
+            </a:effectRef>
+            <a:fontRef idx="minor">
+              <a:schemeClr val="lt1"/>
+            </a:fontRef>
+          </p:style>
+          <p:txBody>
+            <a:bodyPr rtlCol="0" anchor="ctr"/>
+            <a:lstStyle/>
+            <a:p>
+              <a:pPr algn="ctr"/>
+              <a:r>
+                <a:rPr lang="en-US" sz="1200" dirty="0" smtClean="0">
+                  <a:solidFill>
+                    <a:schemeClr val="tx1"/>
+                  </a:solidFill>
+                </a:rPr>
+                <a:t>Device EDA Tool</a:t>
+              </a:r>
+              <a:endParaRPr lang="en-US" sz="1200" dirty="0">
+                <a:solidFill>
+                  <a:schemeClr val="tx1"/>
+                </a:solidFill>
+              </a:endParaRPr>
+            </a:p>
+          </p:txBody>
+        </p:sp>
+        <p:cxnSp>
+          <p:nvCxnSpPr>
+            <p:cNvPr id="28" name="Elbow Connector 27"/>
+            <p:cNvCxnSpPr>
+              <a:stCxn id="26" idx="2"/>
+              <a:endCxn id="27" idx="0"/>
+            </p:cNvCxnSpPr>
+            <p:nvPr/>
+          </p:nvCxnSpPr>
+          <p:spPr>
+            <a:xfrm rot="5400000">
+              <a:off x="4796046" y="1626090"/>
+              <a:ext cx="390109" cy="12700"/>
+            </a:xfrm>
+            <a:prstGeom prst="bentConnector3">
+              <a:avLst/>
+            </a:prstGeom>
+          </p:spPr>
+          <p:style>
+            <a:lnRef idx="1">
+              <a:schemeClr val="accent1"/>
+            </a:lnRef>
+            <a:fillRef idx="0">
+              <a:schemeClr val="accent1"/>
+            </a:fillRef>
+            <a:effectRef idx="0">
+              <a:schemeClr val="accent1"/>
+            </a:effectRef>
+            <a:fontRef idx="minor">
+              <a:schemeClr val="tx1"/>
+            </a:fontRef>
+          </p:style>
+        </p:cxnSp>
+      </p:grpSp>
+      <p:grpSp>
+        <p:nvGrpSpPr>
+          <p:cNvPr id="5" name="Group 4"/>
+          <p:cNvGrpSpPr/>
+          <p:nvPr/>
+        </p:nvGrpSpPr>
+        <p:grpSpPr>
+          <a:xfrm>
+            <a:off x="6858000" y="3276600"/>
+            <a:ext cx="914400" cy="1273313"/>
+            <a:chOff x="7505700" y="3562350"/>
+            <a:chExt cx="914400" cy="1273313"/>
+          </a:xfrm>
+        </p:grpSpPr>
+        <p:sp>
+          <p:nvSpPr>
+            <p:cNvPr id="29" name="Flowchart: Alternate Process 28"/>
+            <p:cNvSpPr/>
+            <p:nvPr/>
+          </p:nvSpPr>
+          <p:spPr bwMode="auto">
+            <a:xfrm>
+              <a:off x="7505700" y="3562350"/>
+              <a:ext cx="914400" cy="459486"/>
+            </a:xfrm>
+            <a:prstGeom prst="flowChartAlternateProcess">
+              <a:avLst/>
+            </a:prstGeom>
+            <a:solidFill>
+              <a:schemeClr val="bg1">
+                <a:lumMod val="95000"/>
+              </a:schemeClr>
+            </a:solidFill>
+            <a:ln w="9525" cap="flat" cmpd="sng" algn="ctr">
+              <a:solidFill>
+                <a:schemeClr val="tx1"/>
+              </a:solidFill>
+              <a:prstDash val="solid"/>
+              <a:round/>
+              <a:headEnd type="none" w="med" len="med"/>
+              <a:tailEnd type="none" w="med" len="med"/>
+            </a:ln>
+            <a:effectLst/>
+          </p:spPr>
+          <p:txBody>
+            <a:bodyPr vert="horz" wrap="none" lIns="91440" tIns="45720" rIns="91440" bIns="45720" numCol="1" rtlCol="0" anchor="ctr" anchorCtr="0" compatLnSpc="1">
+              <a:prstTxWarp prst="textNoShape">
+                <a:avLst/>
+              </a:prstTxWarp>
+            </a:bodyPr>
+            <a:lstStyle/>
+            <a:p>
+              <a:pPr marL="0" marR="0" indent="0" algn="ctr" defTabSz="914400" rtl="0" eaLnBrk="0" fontAlgn="base" latinLnBrk="0" hangingPunct="0">
+                <a:lnSpc>
+                  <a:spcPct val="100000"/>
+                </a:lnSpc>
+                <a:spcBef>
+                  <a:spcPct val="0"/>
+                </a:spcBef>
+                <a:spcAft>
+                  <a:spcPct val="0"/>
+                </a:spcAft>
+                <a:buClrTx/>
+                <a:buSzTx/>
+                <a:buFontTx/>
+                <a:buNone/>
+                <a:tabLst/>
+              </a:pPr>
+              <a:r>
+                <a:rPr kumimoji="0" lang="en-US" sz="1200" b="0" i="0" u="none" strike="noStrike" cap="none" normalizeH="0" baseline="0" dirty="0" err="1" smtClean="0">
+                  <a:ln>
+                    <a:noFill/>
+                  </a:ln>
+                  <a:solidFill>
+                    <a:schemeClr val="tx1"/>
+                  </a:solidFill>
+                  <a:effectLst/>
+                  <a:latin typeface="Verdana" pitchFamily="34" charset="0"/>
+                  <a:ea typeface="ＭＳ Ｐゴシック" pitchFamily="34" charset="-128"/>
+                </a:rPr>
+                <a:t>ModelPoint</a:t>
+              </a:r>
+              <a:endParaRPr kumimoji="0" lang="en-US" sz="1200" b="0" i="0" u="none" strike="noStrike" cap="none" normalizeH="0" baseline="0" dirty="0" smtClean="0">
+                <a:ln>
+                  <a:noFill/>
+                </a:ln>
+                <a:solidFill>
+                  <a:schemeClr val="tx1"/>
+                </a:solidFill>
+                <a:effectLst/>
+                <a:latin typeface="Verdana" pitchFamily="34" charset="0"/>
+                <a:ea typeface="ＭＳ Ｐゴシック" pitchFamily="34" charset="-128"/>
+              </a:endParaRPr>
+            </a:p>
+            <a:p>
+              <a:pPr marL="0" marR="0" indent="0" algn="ctr" defTabSz="914400" rtl="0" eaLnBrk="0" fontAlgn="base" latinLnBrk="0" hangingPunct="0">
+                <a:lnSpc>
+                  <a:spcPct val="100000"/>
+                </a:lnSpc>
+                <a:spcBef>
+                  <a:spcPct val="0"/>
+                </a:spcBef>
+                <a:spcAft>
+                  <a:spcPct val="0"/>
+                </a:spcAft>
+                <a:buClrTx/>
+                <a:buSzTx/>
+                <a:buFontTx/>
+                <a:buNone/>
+                <a:tabLst/>
+              </a:pPr>
+              <a:r>
+                <a:rPr lang="en-US" sz="1200" dirty="0" smtClean="0">
+                  <a:latin typeface="Verdana" pitchFamily="34" charset="0"/>
+                  <a:ea typeface="ＭＳ Ｐゴシック" pitchFamily="34" charset="-128"/>
+                </a:rPr>
+                <a:t>(adapter)</a:t>
+              </a:r>
+              <a:endParaRPr kumimoji="0" lang="en-US" sz="1200" b="0" i="0" u="none" strike="noStrike" cap="none" normalizeH="0" baseline="0" dirty="0">
+                <a:ln>
+                  <a:noFill/>
+                </a:ln>
+                <a:solidFill>
+                  <a:schemeClr val="tx1"/>
+                </a:solidFill>
+                <a:effectLst/>
+                <a:latin typeface="Verdana" pitchFamily="34" charset="0"/>
+                <a:ea typeface="ＭＳ Ｐゴシック" pitchFamily="34" charset="-128"/>
+              </a:endParaRPr>
+            </a:p>
+          </p:txBody>
+        </p:sp>
+        <p:sp>
+          <p:nvSpPr>
+            <p:cNvPr id="30" name="Rounded Rectangle 29"/>
+            <p:cNvSpPr/>
+            <p:nvPr/>
+          </p:nvSpPr>
+          <p:spPr>
+            <a:xfrm>
+              <a:off x="7596250" y="4411378"/>
+              <a:ext cx="730251" cy="424285"/>
+            </a:xfrm>
+            <a:prstGeom prst="roundRect">
+              <a:avLst/>
+            </a:prstGeom>
+            <a:solidFill>
+              <a:schemeClr val="bg2">
+                <a:lumMod val="90000"/>
+              </a:schemeClr>
+            </a:solidFill>
+            <a:ln>
+              <a:solidFill>
+                <a:schemeClr val="tx1"/>
+              </a:solidFill>
+            </a:ln>
+          </p:spPr>
+          <p:style>
+            <a:lnRef idx="2">
+              <a:schemeClr val="accent1">
+                <a:shade val="50000"/>
+              </a:schemeClr>
+            </a:lnRef>
+            <a:fillRef idx="1">
+              <a:schemeClr val="accent1"/>
+            </a:fillRef>
+            <a:effectRef idx="0">
+              <a:schemeClr val="accent1"/>
+            </a:effectRef>
+            <a:fontRef idx="minor">
+              <a:schemeClr val="lt1"/>
+            </a:fontRef>
+          </p:style>
+          <p:txBody>
+            <a:bodyPr rtlCol="0" anchor="ctr"/>
+            <a:lstStyle/>
+            <a:p>
+              <a:pPr algn="ctr"/>
+              <a:r>
+                <a:rPr lang="en-US" sz="1200" dirty="0" smtClean="0">
+                  <a:solidFill>
+                    <a:schemeClr val="tx1"/>
+                  </a:solidFill>
+                </a:rPr>
+                <a:t>JTAG Model</a:t>
+              </a:r>
+              <a:endParaRPr lang="en-US" sz="1200" dirty="0">
+                <a:solidFill>
+                  <a:schemeClr val="tx1"/>
+                </a:solidFill>
+              </a:endParaRPr>
+            </a:p>
+          </p:txBody>
+        </p:sp>
+        <p:cxnSp>
+          <p:nvCxnSpPr>
+            <p:cNvPr id="31" name="Elbow Connector 30"/>
+            <p:cNvCxnSpPr>
+              <a:stCxn id="29" idx="2"/>
+              <a:endCxn id="30" idx="0"/>
+            </p:cNvCxnSpPr>
+            <p:nvPr/>
+          </p:nvCxnSpPr>
+          <p:spPr>
+            <a:xfrm rot="5400000">
+              <a:off x="7767367" y="4215845"/>
+              <a:ext cx="389542" cy="1524"/>
+            </a:xfrm>
+            <a:prstGeom prst="bentConnector3">
+              <a:avLst/>
+            </a:prstGeom>
+          </p:spPr>
+          <p:style>
+            <a:lnRef idx="1">
+              <a:schemeClr val="accent1"/>
+            </a:lnRef>
+            <a:fillRef idx="0">
+              <a:schemeClr val="accent1"/>
+            </a:fillRef>
+            <a:effectRef idx="0">
+              <a:schemeClr val="accent1"/>
+            </a:effectRef>
+            <a:fontRef idx="minor">
+              <a:schemeClr val="tx1"/>
+            </a:fontRef>
+          </p:style>
+        </p:cxnSp>
+      </p:grpSp>
+      <p:grpSp>
+        <p:nvGrpSpPr>
+          <p:cNvPr id="32" name="Group 31"/>
+          <p:cNvGrpSpPr/>
+          <p:nvPr/>
+        </p:nvGrpSpPr>
+        <p:grpSpPr>
+          <a:xfrm>
+            <a:off x="762000" y="1143915"/>
+            <a:ext cx="4876800" cy="3840167"/>
+            <a:chOff x="152400" y="666750"/>
+            <a:chExt cx="3895060" cy="3067110"/>
+          </a:xfrm>
+        </p:grpSpPr>
+        <p:pic>
+          <p:nvPicPr>
+            <p:cNvPr id="33" name="Picture 2" descr="https://upload.wikimedia.org/wikipedia/commons/d/d7/ObjectAdapter.png"/>
+            <p:cNvPicPr>
+              <a:picLocks noChangeAspect="1" noChangeArrowheads="1"/>
+            </p:cNvPicPr>
+            <p:nvPr/>
+          </p:nvPicPr>
+          <p:blipFill>
+            <a:blip r:embed="rId2">
+              <a:extLst>
+                <a:ext uri="{28A0092B-C50C-407E-A947-70E740481C1C}">
+                  <a14:useLocalDpi xmlns:a14="http://schemas.microsoft.com/office/drawing/2010/main" val="0"/>
+                </a:ext>
+              </a:extLst>
+            </a:blip>
+            <a:srcRect/>
+            <a:stretch>
+              <a:fillRect/>
+            </a:stretch>
+          </p:blipFill>
+          <p:spPr bwMode="auto">
+            <a:xfrm>
+              <a:off x="152400" y="666750"/>
+              <a:ext cx="3676650" cy="2638426"/>
+            </a:xfrm>
+            <a:prstGeom prst="rect">
+              <a:avLst/>
+            </a:prstGeom>
+            <a:noFill/>
+            <a:extLst>
+              <a:ext uri="{909E8E84-426E-40DD-AFC4-6F175D3DCCD1}">
+                <a14:hiddenFill xmlns:a14="http://schemas.microsoft.com/office/drawing/2010/main">
+                  <a:solidFill>
+                    <a:srgbClr val="FFFFFF"/>
+                  </a:solidFill>
+                </a14:hiddenFill>
+              </a:ext>
+            </a:extLst>
+          </p:spPr>
+        </p:pic>
+        <p:sp>
+          <p:nvSpPr>
+            <p:cNvPr id="34" name="TextBox 33"/>
+            <p:cNvSpPr txBox="1"/>
+            <p:nvPr/>
+          </p:nvSpPr>
+          <p:spPr>
+            <a:xfrm>
+              <a:off x="228600" y="3333750"/>
+              <a:ext cx="3818860" cy="400110"/>
+            </a:xfrm>
+            <a:prstGeom prst="rect">
+              <a:avLst/>
+            </a:prstGeom>
+            <a:noFill/>
+          </p:spPr>
+          <p:txBody>
+            <a:bodyPr wrap="square" rtlCol="0">
+              <a:spAutoFit/>
+            </a:bodyPr>
+            <a:lstStyle/>
+            <a:p>
+              <a:pPr algn="ctr"/>
+              <a:r>
+                <a:rPr lang="en-US" sz="1000" dirty="0" smtClean="0"/>
+                <a:t>Adapter Pattern</a:t>
+              </a:r>
+              <a:r>
+                <a:rPr lang="en-US" sz="1000" dirty="0"/>
+                <a:t/>
+              </a:r>
+              <a:br>
+                <a:rPr lang="en-US" sz="1000" dirty="0"/>
+              </a:br>
+              <a:r>
+                <a:rPr lang="en-US" sz="1000" dirty="0">
+                  <a:hlinkClick r:id="rId3"/>
+                </a:rPr>
+                <a:t>https://en.wikipedia.org/wiki/Adapter_pattern</a:t>
+              </a:r>
+              <a:endParaRPr lang="en-US" sz="1000" dirty="0"/>
+            </a:p>
+          </p:txBody>
+        </p:sp>
+      </p:grpSp>
+    </p:spTree>
+    <p:extLst>
+      <p:ext uri="{BB962C8B-B14F-4D97-AF65-F5344CB8AC3E}">
+        <p14:creationId xmlns:p14="http://schemas.microsoft.com/office/powerpoint/2010/main" val="3010305391"/>
       </p:ext>
     </p:extLst>
   </p:cSld>
@@ -6922,6 +11386,52 @@
                 <a:schemeClr val="tx1"/>
               </a:solidFill>
             </a:endParaRPr>
+          </a:p>
+        </p:txBody>
+      </p:sp>
+      <p:sp>
+        <p:nvSpPr>
+          <p:cNvPr id="5" name="Slide Number Placeholder 4"/>
+          <p:cNvSpPr>
+            <a:spLocks noGrp="1"/>
+          </p:cNvSpPr>
+          <p:nvPr>
+            <p:ph type="sldNum" sz="quarter" idx="12"/>
+          </p:nvPr>
+        </p:nvSpPr>
+        <p:spPr/>
+        <p:txBody>
+          <a:bodyPr/>
+          <a:lstStyle/>
+          <a:p>
+            <a:fld id="{46161DA3-73C7-4437-81E3-70B52544EB7F}" type="slidenum">
+              <a:rPr lang="en-US" smtClean="0"/>
+              <a:t>2</a:t>
+            </a:fld>
+            <a:endParaRPr lang="en-US"/>
+          </a:p>
+        </p:txBody>
+      </p:sp>
+      <p:sp>
+        <p:nvSpPr>
+          <p:cNvPr id="6" name="Date Placeholder 5"/>
+          <p:cNvSpPr>
+            <a:spLocks noGrp="1"/>
+          </p:cNvSpPr>
+          <p:nvPr>
+            <p:ph type="dt" sz="half" idx="10"/>
+          </p:nvPr>
+        </p:nvSpPr>
+        <p:spPr/>
+        <p:txBody>
+          <a:bodyPr/>
+          <a:lstStyle/>
+          <a:p>
+            <a:fld id="{68969E0A-E4BC-4F54-B608-FCF2A9189461}" type="datetime1">
+              <a:rPr lang="en-US" smtClean="0"/>
+              <a:t>8/3/2021</a:t>
+            </a:fld>
+            <a:endParaRPr lang="en-US"/>
           </a:p>
         </p:txBody>
       </p:sp>
@@ -7289,6 +11799,52 @@
           </a:p>
         </p:txBody>
       </p:sp>
+      <p:sp>
+        <p:nvSpPr>
+          <p:cNvPr id="6" name="Slide Number Placeholder 5"/>
+          <p:cNvSpPr>
+            <a:spLocks noGrp="1"/>
+          </p:cNvSpPr>
+          <p:nvPr>
+            <p:ph type="sldNum" sz="quarter" idx="12"/>
+          </p:nvPr>
+        </p:nvSpPr>
+        <p:spPr/>
+        <p:txBody>
+          <a:bodyPr/>
+          <a:lstStyle/>
+          <a:p>
+            <a:fld id="{46161DA3-73C7-4437-81E3-70B52544EB7F}" type="slidenum">
+              <a:rPr lang="en-US" smtClean="0"/>
+              <a:t>3</a:t>
+            </a:fld>
+            <a:endParaRPr lang="en-US"/>
+          </a:p>
+        </p:txBody>
+      </p:sp>
+      <p:sp>
+        <p:nvSpPr>
+          <p:cNvPr id="7" name="Date Placeholder 6"/>
+          <p:cNvSpPr>
+            <a:spLocks noGrp="1"/>
+          </p:cNvSpPr>
+          <p:nvPr>
+            <p:ph type="dt" sz="half" idx="10"/>
+          </p:nvPr>
+        </p:nvSpPr>
+        <p:spPr/>
+        <p:txBody>
+          <a:bodyPr/>
+          <a:lstStyle/>
+          <a:p>
+            <a:fld id="{B5847C5D-F59E-41B1-9E26-4E11766EBCAD}" type="datetime1">
+              <a:rPr lang="en-US" smtClean="0"/>
+              <a:t>8/3/2021</a:t>
+            </a:fld>
+            <a:endParaRPr lang="en-US"/>
+          </a:p>
+        </p:txBody>
+      </p:sp>
     </p:spTree>
     <p:extLst>
       <p:ext uri="{BB962C8B-B14F-4D97-AF65-F5344CB8AC3E}">
@@ -7764,6 +12320,52 @@
           </a:p>
         </p:txBody>
       </p:sp>
+      <p:sp>
+        <p:nvSpPr>
+          <p:cNvPr id="3" name="Slide Number Placeholder 2"/>
+          <p:cNvSpPr>
+            <a:spLocks noGrp="1"/>
+          </p:cNvSpPr>
+          <p:nvPr>
+            <p:ph type="sldNum" sz="quarter" idx="12"/>
+          </p:nvPr>
+        </p:nvSpPr>
+        <p:spPr/>
+        <p:txBody>
+          <a:bodyPr/>
+          <a:lstStyle/>
+          <a:p>
+            <a:fld id="{46161DA3-73C7-4437-81E3-70B52544EB7F}" type="slidenum">
+              <a:rPr lang="en-US" smtClean="0"/>
+              <a:t>4</a:t>
+            </a:fld>
+            <a:endParaRPr lang="en-US"/>
+          </a:p>
+        </p:txBody>
+      </p:sp>
+      <p:sp>
+        <p:nvSpPr>
+          <p:cNvPr id="4" name="Date Placeholder 3"/>
+          <p:cNvSpPr>
+            <a:spLocks noGrp="1"/>
+          </p:cNvSpPr>
+          <p:nvPr>
+            <p:ph type="dt" sz="half" idx="10"/>
+          </p:nvPr>
+        </p:nvSpPr>
+        <p:spPr/>
+        <p:txBody>
+          <a:bodyPr/>
+          <a:lstStyle/>
+          <a:p>
+            <a:fld id="{417E76BA-8058-4F35-8FCC-B005F6297AC5}" type="datetime1">
+              <a:rPr lang="en-US" smtClean="0"/>
+              <a:t>8/3/2021</a:t>
+            </a:fld>
+            <a:endParaRPr lang="en-US"/>
+          </a:p>
+        </p:txBody>
+      </p:sp>
     </p:spTree>
     <p:extLst>
       <p:ext uri="{BB962C8B-B14F-4D97-AF65-F5344CB8AC3E}">
@@ -8715,6 +13317,52 @@
           </a:p>
         </p:txBody>
       </p:sp>
+      <p:sp>
+        <p:nvSpPr>
+          <p:cNvPr id="15" name="Slide Number Placeholder 14"/>
+          <p:cNvSpPr>
+            <a:spLocks noGrp="1"/>
+          </p:cNvSpPr>
+          <p:nvPr>
+            <p:ph type="sldNum" sz="quarter" idx="12"/>
+          </p:nvPr>
+        </p:nvSpPr>
+        <p:spPr/>
+        <p:txBody>
+          <a:bodyPr/>
+          <a:lstStyle/>
+          <a:p>
+            <a:fld id="{46161DA3-73C7-4437-81E3-70B52544EB7F}" type="slidenum">
+              <a:rPr lang="en-US" smtClean="0"/>
+              <a:t>5</a:t>
+            </a:fld>
+            <a:endParaRPr lang="en-US"/>
+          </a:p>
+        </p:txBody>
+      </p:sp>
+      <p:sp>
+        <p:nvSpPr>
+          <p:cNvPr id="16" name="Date Placeholder 15"/>
+          <p:cNvSpPr>
+            <a:spLocks noGrp="1"/>
+          </p:cNvSpPr>
+          <p:nvPr>
+            <p:ph type="dt" sz="half" idx="10"/>
+          </p:nvPr>
+        </p:nvSpPr>
+        <p:spPr/>
+        <p:txBody>
+          <a:bodyPr/>
+          <a:lstStyle/>
+          <a:p>
+            <a:fld id="{A94C2FE1-D64B-45CF-B605-C8CC3AAEC6BE}" type="datetime1">
+              <a:rPr lang="en-US" smtClean="0"/>
+              <a:t>8/3/2021</a:t>
+            </a:fld>
+            <a:endParaRPr lang="en-US"/>
+          </a:p>
+        </p:txBody>
+      </p:sp>
     </p:spTree>
     <p:extLst>
       <p:ext uri="{BB962C8B-B14F-4D97-AF65-F5344CB8AC3E}">
@@ -9188,6 +13836,52 @@
           </a:p>
         </p:txBody>
       </p:sp>
+      <p:sp>
+        <p:nvSpPr>
+          <p:cNvPr id="3" name="Slide Number Placeholder 2"/>
+          <p:cNvSpPr>
+            <a:spLocks noGrp="1"/>
+          </p:cNvSpPr>
+          <p:nvPr>
+            <p:ph type="sldNum" sz="quarter" idx="12"/>
+          </p:nvPr>
+        </p:nvSpPr>
+        <p:spPr/>
+        <p:txBody>
+          <a:bodyPr/>
+          <a:lstStyle/>
+          <a:p>
+            <a:fld id="{46161DA3-73C7-4437-81E3-70B52544EB7F}" type="slidenum">
+              <a:rPr lang="en-US" smtClean="0"/>
+              <a:t>6</a:t>
+            </a:fld>
+            <a:endParaRPr lang="en-US"/>
+          </a:p>
+        </p:txBody>
+      </p:sp>
+      <p:sp>
+        <p:nvSpPr>
+          <p:cNvPr id="4" name="Date Placeholder 3"/>
+          <p:cNvSpPr>
+            <a:spLocks noGrp="1"/>
+          </p:cNvSpPr>
+          <p:nvPr>
+            <p:ph type="dt" sz="half" idx="10"/>
+          </p:nvPr>
+        </p:nvSpPr>
+        <p:spPr/>
+        <p:txBody>
+          <a:bodyPr/>
+          <a:lstStyle/>
+          <a:p>
+            <a:fld id="{EC575712-D84F-4387-8F18-5418453953E4}" type="datetime1">
+              <a:rPr lang="en-US" smtClean="0"/>
+              <a:t>8/3/2021</a:t>
+            </a:fld>
+            <a:endParaRPr lang="en-US"/>
+          </a:p>
+        </p:txBody>
+      </p:sp>
     </p:spTree>
     <p:extLst>
       <p:ext uri="{BB962C8B-B14F-4D97-AF65-F5344CB8AC3E}">
@@ -10121,6 +14815,52 @@
           </a:p>
         </p:txBody>
       </p:sp>
+      <p:sp>
+        <p:nvSpPr>
+          <p:cNvPr id="15" name="Slide Number Placeholder 14"/>
+          <p:cNvSpPr>
+            <a:spLocks noGrp="1"/>
+          </p:cNvSpPr>
+          <p:nvPr>
+            <p:ph type="sldNum" sz="quarter" idx="12"/>
+          </p:nvPr>
+        </p:nvSpPr>
+        <p:spPr/>
+        <p:txBody>
+          <a:bodyPr/>
+          <a:lstStyle/>
+          <a:p>
+            <a:fld id="{46161DA3-73C7-4437-81E3-70B52544EB7F}" type="slidenum">
+              <a:rPr lang="en-US" smtClean="0"/>
+              <a:t>7</a:t>
+            </a:fld>
+            <a:endParaRPr lang="en-US"/>
+          </a:p>
+        </p:txBody>
+      </p:sp>
+      <p:sp>
+        <p:nvSpPr>
+          <p:cNvPr id="16" name="Date Placeholder 15"/>
+          <p:cNvSpPr>
+            <a:spLocks noGrp="1"/>
+          </p:cNvSpPr>
+          <p:nvPr>
+            <p:ph type="dt" sz="half" idx="10"/>
+          </p:nvPr>
+        </p:nvSpPr>
+        <p:spPr/>
+        <p:txBody>
+          <a:bodyPr/>
+          <a:lstStyle/>
+          <a:p>
+            <a:fld id="{0F970B53-A392-404D-958A-FFAB4A562CD2}" type="datetime1">
+              <a:rPr lang="en-US" smtClean="0"/>
+              <a:t>8/3/2021</a:t>
+            </a:fld>
+            <a:endParaRPr lang="en-US"/>
+          </a:p>
+        </p:txBody>
+      </p:sp>
     </p:spTree>
     <p:extLst>
       <p:ext uri="{BB962C8B-B14F-4D97-AF65-F5344CB8AC3E}">
@@ -10700,6 +15440,52 @@
           </a:p>
         </p:txBody>
       </p:sp>
+      <p:sp>
+        <p:nvSpPr>
+          <p:cNvPr id="13" name="Slide Number Placeholder 12"/>
+          <p:cNvSpPr>
+            <a:spLocks noGrp="1"/>
+          </p:cNvSpPr>
+          <p:nvPr>
+            <p:ph type="sldNum" sz="quarter" idx="12"/>
+          </p:nvPr>
+        </p:nvSpPr>
+        <p:spPr/>
+        <p:txBody>
+          <a:bodyPr/>
+          <a:lstStyle/>
+          <a:p>
+            <a:fld id="{46161DA3-73C7-4437-81E3-70B52544EB7F}" type="slidenum">
+              <a:rPr lang="en-US" smtClean="0"/>
+              <a:t>8</a:t>
+            </a:fld>
+            <a:endParaRPr lang="en-US"/>
+          </a:p>
+        </p:txBody>
+      </p:sp>
+      <p:sp>
+        <p:nvSpPr>
+          <p:cNvPr id="14" name="Date Placeholder 13"/>
+          <p:cNvSpPr>
+            <a:spLocks noGrp="1"/>
+          </p:cNvSpPr>
+          <p:nvPr>
+            <p:ph type="dt" sz="half" idx="10"/>
+          </p:nvPr>
+        </p:nvSpPr>
+        <p:spPr/>
+        <p:txBody>
+          <a:bodyPr/>
+          <a:lstStyle/>
+          <a:p>
+            <a:fld id="{0C58D124-BA8E-417D-AF71-7EBF906589DE}" type="datetime1">
+              <a:rPr lang="en-US" smtClean="0"/>
+              <a:t>8/3/2021</a:t>
+            </a:fld>
+            <a:endParaRPr lang="en-US"/>
+          </a:p>
+        </p:txBody>
+      </p:sp>
     </p:spTree>
     <p:extLst>
       <p:ext uri="{BB962C8B-B14F-4D97-AF65-F5344CB8AC3E}">
@@ -10773,6 +15559,52 @@
               <a:t>20210801 Content</a:t>
             </a:r>
             <a:endParaRPr lang="en-US" dirty="0"/>
+          </a:p>
+        </p:txBody>
+      </p:sp>
+      <p:sp>
+        <p:nvSpPr>
+          <p:cNvPr id="5" name="Slide Number Placeholder 4"/>
+          <p:cNvSpPr>
+            <a:spLocks noGrp="1"/>
+          </p:cNvSpPr>
+          <p:nvPr>
+            <p:ph type="sldNum" sz="quarter" idx="12"/>
+          </p:nvPr>
+        </p:nvSpPr>
+        <p:spPr/>
+        <p:txBody>
+          <a:bodyPr/>
+          <a:lstStyle/>
+          <a:p>
+            <a:fld id="{46161DA3-73C7-4437-81E3-70B52544EB7F}" type="slidenum">
+              <a:rPr lang="en-US" smtClean="0"/>
+              <a:t>9</a:t>
+            </a:fld>
+            <a:endParaRPr lang="en-US"/>
+          </a:p>
+        </p:txBody>
+      </p:sp>
+      <p:sp>
+        <p:nvSpPr>
+          <p:cNvPr id="6" name="Date Placeholder 5"/>
+          <p:cNvSpPr>
+            <a:spLocks noGrp="1"/>
+          </p:cNvSpPr>
+          <p:nvPr>
+            <p:ph type="dt" sz="half" idx="10"/>
+          </p:nvPr>
+        </p:nvSpPr>
+        <p:spPr/>
+        <p:txBody>
+          <a:bodyPr/>
+          <a:lstStyle/>
+          <a:p>
+            <a:fld id="{3B30B3D5-ABD7-4C30-A262-1B8D67AE126F}" type="datetime1">
+              <a:rPr lang="en-US" smtClean="0"/>
+              <a:t>8/3/2021</a:t>
+            </a:fld>
+            <a:endParaRPr lang="en-US"/>
           </a:p>
         </p:txBody>
       </p:sp>
@@ -11067,4 +15899,289 @@
   <a:objectDefaults/>
   <a:extraClrSchemeLst/>
 </a:theme>
+</file>
+
+<file path=ppt/theme/theme2.xml><?xml version="1.0" encoding="utf-8"?>
+<a:theme xmlns:a="http://schemas.openxmlformats.org/drawingml/2006/main" name="Office Theme">
+  <a:themeElements>
+    <a:clrScheme name="Office">
+      <a:dk1>
+        <a:sysClr val="windowText" lastClr="000000"/>
+      </a:dk1>
+      <a:lt1>
+        <a:sysClr val="window" lastClr="FFFFFF"/>
+      </a:lt1>
+      <a:dk2>
+        <a:srgbClr val="1F497D"/>
+      </a:dk2>
+      <a:lt2>
+        <a:srgbClr val="EEECE1"/>
+      </a:lt2>
+      <a:accent1>
+        <a:srgbClr val="4F81BD"/>
+      </a:accent1>
+      <a:accent2>
+        <a:srgbClr val="C0504D"/>
+      </a:accent2>
+      <a:accent3>
+        <a:srgbClr val="9BBB59"/>
+      </a:accent3>
+      <a:accent4>
+        <a:srgbClr val="8064A2"/>
+      </a:accent4>
+      <a:accent5>
+        <a:srgbClr val="4BACC6"/>
+      </a:accent5>
+      <a:accent6>
+        <a:srgbClr val="F79646"/>
+      </a:accent6>
+      <a:hlink>
+        <a:srgbClr val="0000FF"/>
+      </a:hlink>
+      <a:folHlink>
+        <a:srgbClr val="800080"/>
+      </a:folHlink>
+    </a:clrScheme>
+    <a:fontScheme name="Office">
+      <a:majorFont>
+        <a:latin typeface="Calibri"/>
+        <a:ea typeface=""/>
+        <a:cs typeface=""/>
+        <a:font script="Jpan" typeface="ＭＳ Ｐゴシック"/>
+        <a:font script="Hang" typeface="맑은 고딕"/>
+        <a:font script="Hans" typeface="宋体"/>
+        <a:font script="Hant" typeface="新細明體"/>
+        <a:font script="Arab" typeface="Times New Roman"/>
+        <a:font script="Hebr" typeface="Times New Roman"/>
+        <a:font script="Thai" typeface="Angsana New"/>
+        <a:font script="Ethi" typeface="Nyala"/>
+        <a:font script="Beng" typeface="Vrinda"/>
+        <a:font script="Gujr" typeface="Shruti"/>
+        <a:font script="Khmr" typeface="MoolBoran"/>
+        <a:font script="Knda" typeface="Tunga"/>
+        <a:font script="Guru" typeface="Raavi"/>
+        <a:font script="Cans" typeface="Euphemia"/>
+        <a:font script="Cher" typeface="Plantagenet Cherokee"/>
+        <a:font script="Yiii" typeface="Microsoft Yi Baiti"/>
+        <a:font script="Tibt" typeface="Microsoft Himalaya"/>
+        <a:font script="Thaa" typeface="MV Boli"/>
+        <a:font script="Deva" typeface="Mangal"/>
+        <a:font script="Telu" typeface="Gautami"/>
+        <a:font script="Taml" typeface="Latha"/>
+        <a:font script="Syrc" typeface="Estrangelo Edessa"/>
+        <a:font script="Orya" typeface="Kalinga"/>
+        <a:font script="Mlym" typeface="Kartika"/>
+        <a:font script="Laoo" typeface="DokChampa"/>
+        <a:font script="Sinh" typeface="Iskoola Pota"/>
+        <a:font script="Mong" typeface="Mongolian Baiti"/>
+        <a:font script="Viet" typeface="Times New Roman"/>
+        <a:font script="Uigh" typeface="Microsoft Uighur"/>
+        <a:font script="Geor" typeface="Sylfaen"/>
+      </a:majorFont>
+      <a:minorFont>
+        <a:latin typeface="Calibri"/>
+        <a:ea typeface=""/>
+        <a:cs typeface=""/>
+        <a:font script="Jpan" typeface="ＭＳ Ｐゴシック"/>
+        <a:font script="Hang" typeface="맑은 고딕"/>
+        <a:font script="Hans" typeface="宋体"/>
+        <a:font script="Hant" typeface="新細明體"/>
+        <a:font script="Arab" typeface="Arial"/>
+        <a:font script="Hebr" typeface="Arial"/>
+        <a:font script="Thai" typeface="Cordia New"/>
+        <a:font script="Ethi" typeface="Nyala"/>
+        <a:font script="Beng" typeface="Vrinda"/>
+        <a:font script="Gujr" typeface="Shruti"/>
+        <a:font script="Khmr" typeface="DaunPenh"/>
+        <a:font script="Knda" typeface="Tunga"/>
+        <a:font script="Guru" typeface="Raavi"/>
+        <a:font script="Cans" typeface="Euphemia"/>
+        <a:font script="Cher" typeface="Plantagenet Cherokee"/>
+        <a:font script="Yiii" typeface="Microsoft Yi Baiti"/>
+        <a:font script="Tibt" typeface="Microsoft Himalaya"/>
+        <a:font script="Thaa" typeface="MV Boli"/>
+        <a:font script="Deva" typeface="Mangal"/>
+        <a:font script="Telu" typeface="Gautami"/>
+        <a:font script="Taml" typeface="Latha"/>
+        <a:font script="Syrc" typeface="Estrangelo Edessa"/>
+        <a:font script="Orya" typeface="Kalinga"/>
+        <a:font script="Mlym" typeface="Kartika"/>
+        <a:font script="Laoo" typeface="DokChampa"/>
+        <a:font script="Sinh" typeface="Iskoola Pota"/>
+        <a:font script="Mong" typeface="Mongolian Baiti"/>
+        <a:font script="Viet" typeface="Arial"/>
+        <a:font script="Uigh" typeface="Microsoft Uighur"/>
+        <a:font script="Geor" typeface="Sylfaen"/>
+      </a:minorFont>
+    </a:fontScheme>
+    <a:fmtScheme name="Office">
+      <a:fillStyleLst>
+        <a:solidFill>
+          <a:schemeClr val="phClr"/>
+        </a:solidFill>
+        <a:gradFill rotWithShape="1">
+          <a:gsLst>
+            <a:gs pos="0">
+              <a:schemeClr val="phClr">
+                <a:tint val="50000"/>
+                <a:satMod val="300000"/>
+              </a:schemeClr>
+            </a:gs>
+            <a:gs pos="35000">
+              <a:schemeClr val="phClr">
+                <a:tint val="37000"/>
+                <a:satMod val="300000"/>
+              </a:schemeClr>
+            </a:gs>
+            <a:gs pos="100000">
+              <a:schemeClr val="phClr">
+                <a:tint val="15000"/>
+                <a:satMod val="350000"/>
+              </a:schemeClr>
+            </a:gs>
+          </a:gsLst>
+          <a:lin ang="16200000" scaled="1"/>
+        </a:gradFill>
+        <a:gradFill rotWithShape="1">
+          <a:gsLst>
+            <a:gs pos="0">
+              <a:schemeClr val="phClr">
+                <a:shade val="51000"/>
+                <a:satMod val="130000"/>
+              </a:schemeClr>
+            </a:gs>
+            <a:gs pos="80000">
+              <a:schemeClr val="phClr">
+                <a:shade val="93000"/>
+                <a:satMod val="130000"/>
+              </a:schemeClr>
+            </a:gs>
+            <a:gs pos="100000">
+              <a:schemeClr val="phClr">
+                <a:shade val="94000"/>
+                <a:satMod val="135000"/>
+              </a:schemeClr>
+            </a:gs>
+          </a:gsLst>
+          <a:lin ang="16200000" scaled="0"/>
+        </a:gradFill>
+      </a:fillStyleLst>
+      <a:lnStyleLst>
+        <a:ln w="9525" cap="flat" cmpd="sng" algn="ctr">
+          <a:solidFill>
+            <a:schemeClr val="phClr">
+              <a:shade val="95000"/>
+              <a:satMod val="105000"/>
+            </a:schemeClr>
+          </a:solidFill>
+          <a:prstDash val="solid"/>
+        </a:ln>
+        <a:ln w="25400" cap="flat" cmpd="sng" algn="ctr">
+          <a:solidFill>
+            <a:schemeClr val="phClr"/>
+          </a:solidFill>
+          <a:prstDash val="solid"/>
+        </a:ln>
+        <a:ln w="38100" cap="flat" cmpd="sng" algn="ctr">
+          <a:solidFill>
+            <a:schemeClr val="phClr"/>
+          </a:solidFill>
+          <a:prstDash val="solid"/>
+        </a:ln>
+      </a:lnStyleLst>
+      <a:effectStyleLst>
+        <a:effectStyle>
+          <a:effectLst>
+            <a:outerShdw blurRad="40000" dist="20000" dir="5400000" rotWithShape="0">
+              <a:srgbClr val="000000">
+                <a:alpha val="38000"/>
+              </a:srgbClr>
+            </a:outerShdw>
+          </a:effectLst>
+        </a:effectStyle>
+        <a:effectStyle>
+          <a:effectLst>
+            <a:outerShdw blurRad="40000" dist="23000" dir="5400000" rotWithShape="0">
+              <a:srgbClr val="000000">
+                <a:alpha val="35000"/>
+              </a:srgbClr>
+            </a:outerShdw>
+          </a:effectLst>
+        </a:effectStyle>
+        <a:effectStyle>
+          <a:effectLst>
+            <a:outerShdw blurRad="40000" dist="23000" dir="5400000" rotWithShape="0">
+              <a:srgbClr val="000000">
+                <a:alpha val="35000"/>
+              </a:srgbClr>
+            </a:outerShdw>
+          </a:effectLst>
+          <a:scene3d>
+            <a:camera prst="orthographicFront">
+              <a:rot lat="0" lon="0" rev="0"/>
+            </a:camera>
+            <a:lightRig rig="threePt" dir="t">
+              <a:rot lat="0" lon="0" rev="1200000"/>
+            </a:lightRig>
+          </a:scene3d>
+          <a:sp3d>
+            <a:bevelT w="63500" h="25400"/>
+          </a:sp3d>
+        </a:effectStyle>
+      </a:effectStyleLst>
+      <a:bgFillStyleLst>
+        <a:solidFill>
+          <a:schemeClr val="phClr"/>
+        </a:solidFill>
+        <a:gradFill rotWithShape="1">
+          <a:gsLst>
+            <a:gs pos="0">
+              <a:schemeClr val="phClr">
+                <a:tint val="40000"/>
+                <a:satMod val="350000"/>
+              </a:schemeClr>
+            </a:gs>
+            <a:gs pos="40000">
+              <a:schemeClr val="phClr">
+                <a:tint val="45000"/>
+                <a:shade val="99000"/>
+                <a:satMod val="350000"/>
+              </a:schemeClr>
+            </a:gs>
+            <a:gs pos="100000">
+              <a:schemeClr val="phClr">
+                <a:shade val="20000"/>
+                <a:satMod val="255000"/>
+              </a:schemeClr>
+            </a:gs>
+          </a:gsLst>
+          <a:path path="circle">
+            <a:fillToRect l="50000" t="-80000" r="50000" b="180000"/>
+          </a:path>
+        </a:gradFill>
+        <a:gradFill rotWithShape="1">
+          <a:gsLst>
+            <a:gs pos="0">
+              <a:schemeClr val="phClr">
+                <a:tint val="80000"/>
+                <a:satMod val="300000"/>
+              </a:schemeClr>
+            </a:gs>
+            <a:gs pos="100000">
+              <a:schemeClr val="phClr">
+                <a:shade val="30000"/>
+                <a:satMod val="200000"/>
+              </a:schemeClr>
+            </a:gs>
+          </a:gsLst>
+          <a:path path="circle">
+            <a:fillToRect l="50000" t="50000" r="50000" b="50000"/>
+          </a:path>
+        </a:gradFill>
+      </a:bgFillStyleLst>
+    </a:fmtScheme>
+  </a:themeElements>
+  <a:objectDefaults/>
+  <a:extraClrSchemeLst/>
+</a:theme>
 </file>
--- a/docs/MJBUnification20210720.pptx
+++ b/docs/MJBUnification20210720.pptx
@@ -5359,7 +5359,22 @@
                   <a:schemeClr val="tx1"/>
                 </a:solidFill>
               </a:rPr>
-              <a:t>Transform Library</a:t>
+              <a:t>Transfer</a:t>
+            </a:r>
+            <a:br>
+              <a:rPr lang="en-US" sz="1200" dirty="0" smtClean="0">
+                <a:solidFill>
+                  <a:schemeClr val="tx1"/>
+                </a:solidFill>
+              </a:rPr>
+            </a:br>
+            <a:r>
+              <a:rPr lang="en-US" sz="1200" dirty="0" smtClean="0">
+                <a:solidFill>
+                  <a:schemeClr val="tx1"/>
+                </a:solidFill>
+              </a:rPr>
+              <a:t>Library</a:t>
             </a:r>
             <a:endParaRPr lang="en-US" sz="1200" dirty="0">
               <a:solidFill>
@@ -5454,7 +5469,22 @@
                   <a:schemeClr val="tx1"/>
                 </a:solidFill>
               </a:rPr>
-              <a:t>Transform Library</a:t>
+              <a:t>Transfer</a:t>
+            </a:r>
+            <a:br>
+              <a:rPr lang="en-US" sz="1200" dirty="0" smtClean="0">
+                <a:solidFill>
+                  <a:schemeClr val="tx1"/>
+                </a:solidFill>
+              </a:rPr>
+            </a:br>
+            <a:r>
+              <a:rPr lang="en-US" sz="1200" dirty="0" smtClean="0">
+                <a:solidFill>
+                  <a:schemeClr val="tx1"/>
+                </a:solidFill>
+              </a:rPr>
+              <a:t>Library</a:t>
             </a:r>
             <a:endParaRPr lang="en-US" sz="1200" dirty="0">
               <a:solidFill>
@@ -5610,11 +5640,7 @@
             </a:pPr>
             <a:r>
               <a:rPr lang="en-US" sz="4400" dirty="0" smtClean="0"/>
-              <a:t>Top-Down to Bottom-Up </a:t>
-            </a:r>
-            <a:r>
-              <a:rPr lang="en-US" sz="4400" dirty="0" smtClean="0"/>
-              <a:t>Flow</a:t>
+              <a:t>Top-Down to Bottom-Up Flow</a:t>
             </a:r>
             <a:br>
               <a:rPr lang="en-US" sz="4400" dirty="0" smtClean="0"/>
@@ -7165,11 +7191,7 @@
           <a:p>
             <a:r>
               <a:rPr lang="en-US" dirty="0" smtClean="0"/>
-              <a:t>20210803 </a:t>
-            </a:r>
-            <a:r>
-              <a:rPr lang="en-US" dirty="0" smtClean="0"/>
-              <a:t>Content</a:t>
+              <a:t>20210803 Content</a:t>
             </a:r>
             <a:endParaRPr lang="en-US" dirty="0"/>
           </a:p>
@@ -8721,7 +8743,22 @@
                   <a:schemeClr val="tx1"/>
                 </a:solidFill>
               </a:rPr>
-              <a:t>Transform Library</a:t>
+              <a:t>Transfer</a:t>
+            </a:r>
+            <a:br>
+              <a:rPr lang="en-US" dirty="0" smtClean="0">
+                <a:solidFill>
+                  <a:schemeClr val="tx1"/>
+                </a:solidFill>
+              </a:rPr>
+            </a:br>
+            <a:r>
+              <a:rPr lang="en-US" dirty="0" smtClean="0">
+                <a:solidFill>
+                  <a:schemeClr val="tx1"/>
+                </a:solidFill>
+              </a:rPr>
+              <a:t>Library</a:t>
             </a:r>
             <a:endParaRPr lang="en-US" dirty="0">
               <a:solidFill>
@@ -12751,7 +12788,11 @@
             <a:pPr algn="ctr"/>
             <a:r>
               <a:rPr lang="en-US" dirty="0" smtClean="0"/>
-              <a:t>Transfer Module</a:t>
+              <a:t>Transfer </a:t>
+            </a:r>
+            <a:r>
+              <a:rPr lang="en-US" dirty="0" smtClean="0"/>
+              <a:t>Library</a:t>
             </a:r>
             <a:endParaRPr lang="en-US" dirty="0"/>
           </a:p>
@@ -12934,7 +12975,11 @@
             <a:pPr algn="ctr"/>
             <a:r>
               <a:rPr lang="en-US" dirty="0" smtClean="0"/>
-              <a:t>Transfer Module</a:t>
+              <a:t>Transfer </a:t>
+            </a:r>
+            <a:r>
+              <a:rPr lang="en-US" dirty="0" smtClean="0"/>
+              <a:t>Library</a:t>
             </a:r>
             <a:endParaRPr lang="en-US" dirty="0"/>
           </a:p>
@@ -14265,7 +14310,11 @@
             <a:pPr algn="ctr"/>
             <a:r>
               <a:rPr lang="en-US" dirty="0" smtClean="0"/>
-              <a:t>Inject Module</a:t>
+              <a:t>Inject </a:t>
+            </a:r>
+            <a:r>
+              <a:rPr lang="en-US" dirty="0" smtClean="0"/>
+              <a:t>Library</a:t>
             </a:r>
             <a:endParaRPr lang="en-US" dirty="0"/>
           </a:p>
@@ -14448,7 +14497,11 @@
             <a:pPr algn="ctr"/>
             <a:r>
               <a:rPr lang="en-US" dirty="0" smtClean="0"/>
-              <a:t>Inject Module</a:t>
+              <a:t>Inject </a:t>
+            </a:r>
+            <a:r>
+              <a:rPr lang="en-US" dirty="0" smtClean="0"/>
+              <a:t>Library</a:t>
             </a:r>
             <a:endParaRPr lang="en-US" dirty="0"/>
           </a:p>
@@ -14908,7 +14961,11 @@
           <a:p>
             <a:r>
               <a:rPr lang="en-US" dirty="0" smtClean="0"/>
-              <a:t>Transfer Module</a:t>
+              <a:t>Transfer </a:t>
+            </a:r>
+            <a:r>
+              <a:rPr lang="en-US" dirty="0" smtClean="0"/>
+              <a:t>Library Logic</a:t>
             </a:r>
             <a:endParaRPr lang="en-US" dirty="0"/>
           </a:p>
@@ -14992,7 +15049,11 @@
             <a:pPr algn="ctr"/>
             <a:r>
               <a:rPr lang="en-US" dirty="0" smtClean="0"/>
-              <a:t>Transfer Module </a:t>
+              <a:t>Transfer </a:t>
+            </a:r>
+            <a:r>
+              <a:rPr lang="en-US" dirty="0" smtClean="0"/>
+              <a:t>Library </a:t>
             </a:r>
             <a:r>
               <a:rPr lang="en-US" dirty="0" err="1" smtClean="0"/>
@@ -15088,7 +15149,7 @@
             <a:pPr algn="ctr"/>
             <a:r>
               <a:rPr lang="en-US" dirty="0" smtClean="0"/>
-              <a:t>Message1 Handler</a:t>
+              <a:t>MessageType1 Transfer Procedure</a:t>
             </a:r>
             <a:endParaRPr lang="en-US" dirty="0"/>
           </a:p>
@@ -15132,7 +15193,11 @@
             <a:pPr algn="ctr"/>
             <a:r>
               <a:rPr lang="en-US" dirty="0" smtClean="0"/>
-              <a:t>Message2 Handler</a:t>
+              <a:t>MessageType2 </a:t>
+            </a:r>
+            <a:r>
+              <a:rPr lang="en-US" dirty="0"/>
+              <a:t>Transfer Procedure</a:t>
             </a:r>
             <a:endParaRPr lang="en-US" dirty="0"/>
           </a:p>
@@ -15176,7 +15241,11 @@
             <a:pPr algn="ctr"/>
             <a:r>
               <a:rPr lang="en-US" dirty="0" smtClean="0"/>
-              <a:t>Message3 Handler</a:t>
+              <a:t>MessageType3 </a:t>
+            </a:r>
+            <a:r>
+              <a:rPr lang="en-US" dirty="0"/>
+              <a:t>Transfer Procedure</a:t>
             </a:r>
             <a:endParaRPr lang="en-US" dirty="0"/>
           </a:p>
@@ -15389,7 +15458,7 @@
         </p:nvSpPr>
         <p:spPr>
           <a:xfrm>
-            <a:off x="7239000" y="609600"/>
+            <a:off x="7772400" y="685800"/>
             <a:ext cx="1219200" cy="685800"/>
           </a:xfrm>
           <a:prstGeom prst="wedgeRoundRectCallout">
